--- a/Úvod do programování & JavaScript.pptx
+++ b/Úvod do programování & JavaScript.pptx
@@ -5,7 +5,7 @@
     <p:sldMasterId id="2147483648" r:id="rId1"/>
   </p:sldMasterIdLst>
   <p:notesMasterIdLst>
-    <p:notesMasterId r:id="rId19"/>
+    <p:notesMasterId r:id="rId21"/>
   </p:notesMasterIdLst>
   <p:sldIdLst>
     <p:sldId id="256" r:id="rId2"/>
@@ -20,11 +20,13 @@
     <p:sldId id="266" r:id="rId11"/>
     <p:sldId id="267" r:id="rId12"/>
     <p:sldId id="271" r:id="rId13"/>
-    <p:sldId id="270" r:id="rId14"/>
-    <p:sldId id="272" r:id="rId15"/>
-    <p:sldId id="273" r:id="rId16"/>
-    <p:sldId id="268" r:id="rId17"/>
-    <p:sldId id="261" r:id="rId18"/>
+    <p:sldId id="274" r:id="rId14"/>
+    <p:sldId id="270" r:id="rId15"/>
+    <p:sldId id="272" r:id="rId16"/>
+    <p:sldId id="273" r:id="rId17"/>
+    <p:sldId id="275" r:id="rId18"/>
+    <p:sldId id="268" r:id="rId19"/>
+    <p:sldId id="261" r:id="rId20"/>
   </p:sldIdLst>
   <p:sldSz cx="12192000" cy="6858000"/>
   <p:notesSz cx="6858000" cy="9144000"/>
@@ -123,6 +125,11 @@
       </a:defRPr>
     </a:lvl9pPr>
   </p:defaultTextStyle>
+  <p:extLst>
+    <p:ext uri="{EFAFB233-063F-42B5-8137-9DF3F51BA10A}">
+      <p15:sldGuideLst xmlns:p15="http://schemas.microsoft.com/office/powerpoint/2012/main"/>
+    </p:ext>
+  </p:extLst>
 </p:presentation>
 </file>
 
@@ -4264,6 +4271,14 @@
 <file path=ppt/slides/slide1.xml><?xml version="1.0" encoding="utf-8"?>
 <p:sld xmlns:a="http://schemas.openxmlformats.org/drawingml/2006/main" xmlns:r="http://schemas.openxmlformats.org/officeDocument/2006/relationships" xmlns:p="http://schemas.openxmlformats.org/presentationml/2006/main">
   <p:cSld>
+    <p:bg>
+      <p:bgPr>
+        <a:solidFill>
+          <a:schemeClr val="bg1"/>
+        </a:solidFill>
+        <a:effectLst/>
+      </p:bgPr>
+    </p:bg>
     <p:spTree>
       <p:nvGrpSpPr>
         <p:cNvPr id="1" name=""/>
@@ -4278,6 +4293,181 @@
           <a:chExt cx="0" cy="0"/>
         </a:xfrm>
       </p:grpSpPr>
+      <p:sp useBgFill="1">
+        <p:nvSpPr>
+          <p:cNvPr id="9" name="Rectangle 8">
+            <a:extLst>
+              <a:ext uri="{FF2B5EF4-FFF2-40B4-BE49-F238E27FC236}">
+                <a16:creationId xmlns:a16="http://schemas.microsoft.com/office/drawing/2014/main" id="{6CCA5F87-1D1E-45CB-8D83-FC7EEFAD9935}"/>
+              </a:ext>
+              <a:ext uri="{C183D7F6-B498-43B3-948B-1728B52AA6E4}">
+                <adec:decorative xmlns:adec="http://schemas.microsoft.com/office/drawing/2017/decorative" val="1"/>
+              </a:ext>
+            </a:extLst>
+          </p:cNvPr>
+          <p:cNvSpPr>
+            <a:spLocks noGrp="1" noRot="1" noChangeAspect="1" noMove="1" noResize="1" noEditPoints="1" noAdjustHandles="1" noChangeArrowheads="1" noChangeShapeType="1" noTextEdit="1"/>
+          </p:cNvSpPr>
+          <p:nvPr>
+            <p:extLst>
+              <p:ext uri="{386F3935-93C4-4BCD-93E2-E3B085C9AB24}">
+                <p16:designElem xmlns:p16="http://schemas.microsoft.com/office/powerpoint/2015/main" val="1"/>
+              </p:ext>
+            </p:extLst>
+          </p:nvPr>
+        </p:nvSpPr>
+        <p:spPr>
+          <a:xfrm>
+            <a:off x="0" y="0"/>
+            <a:ext cx="12192000" cy="6858000"/>
+          </a:xfrm>
+          <a:prstGeom prst="rect">
+            <a:avLst/>
+          </a:prstGeom>
+          <a:ln>
+            <a:noFill/>
+          </a:ln>
+        </p:spPr>
+        <p:style>
+          <a:lnRef idx="2">
+            <a:schemeClr val="accent1">
+              <a:shade val="50000"/>
+            </a:schemeClr>
+          </a:lnRef>
+          <a:fillRef idx="1">
+            <a:schemeClr val="accent1"/>
+          </a:fillRef>
+          <a:effectRef idx="0">
+            <a:schemeClr val="accent1"/>
+          </a:effectRef>
+          <a:fontRef idx="minor">
+            <a:schemeClr val="lt1"/>
+          </a:fontRef>
+        </p:style>
+        <p:txBody>
+          <a:bodyPr rtlCol="0" anchor="ctr"/>
+          <a:lstStyle/>
+          <a:p>
+            <a:pPr algn="ctr"/>
+            <a:endParaRPr lang="en-US"/>
+          </a:p>
+        </p:txBody>
+      </p:sp>
+      <p:pic>
+        <p:nvPicPr>
+          <p:cNvPr id="5" name="Picture 4" descr="Počítačový skript na obrazovce">
+            <a:extLst>
+              <a:ext uri="{FF2B5EF4-FFF2-40B4-BE49-F238E27FC236}">
+                <a16:creationId xmlns:a16="http://schemas.microsoft.com/office/drawing/2014/main" id="{B8FAE757-7A1E-AB8A-96E2-F88E5DAE2EB5}"/>
+              </a:ext>
+            </a:extLst>
+          </p:cNvPr>
+          <p:cNvPicPr>
+            <a:picLocks noChangeAspect="1"/>
+          </p:cNvPicPr>
+          <p:nvPr/>
+        </p:nvPicPr>
+        <p:blipFill rotWithShape="1">
+          <a:blip r:embed="rId2"/>
+          <a:srcRect l="3363" r="12264" b="-1"/>
+          <a:stretch/>
+        </p:blipFill>
+        <p:spPr>
+          <a:xfrm>
+            <a:off x="20" y="10"/>
+            <a:ext cx="8668492" cy="6857990"/>
+          </a:xfrm>
+          <a:prstGeom prst="rect">
+            <a:avLst/>
+          </a:prstGeom>
+        </p:spPr>
+      </p:pic>
+      <p:sp>
+        <p:nvSpPr>
+          <p:cNvPr id="11" name="Rectangle 10">
+            <a:extLst>
+              <a:ext uri="{FF2B5EF4-FFF2-40B4-BE49-F238E27FC236}">
+                <a16:creationId xmlns:a16="http://schemas.microsoft.com/office/drawing/2014/main" id="{7CCFC2C6-6238-4A2F-93DE-2ADF74AF635E}"/>
+              </a:ext>
+              <a:ext uri="{C183D7F6-B498-43B3-948B-1728B52AA6E4}">
+                <adec:decorative xmlns:adec="http://schemas.microsoft.com/office/drawing/2017/decorative" val="1"/>
+              </a:ext>
+            </a:extLst>
+          </p:cNvPr>
+          <p:cNvSpPr>
+            <a:spLocks noGrp="1" noRot="1" noChangeAspect="1" noMove="1" noResize="1" noEditPoints="1" noAdjustHandles="1" noChangeArrowheads="1" noChangeShapeType="1" noTextEdit="1"/>
+          </p:cNvSpPr>
+          <p:nvPr>
+            <p:extLst>
+              <p:ext uri="{386F3935-93C4-4BCD-93E2-E3B085C9AB24}">
+                <p16:designElem xmlns:p16="http://schemas.microsoft.com/office/powerpoint/2015/main" val="1"/>
+              </p:ext>
+            </p:extLst>
+          </p:nvPr>
+        </p:nvSpPr>
+        <p:spPr>
+          <a:xfrm flipH="1">
+            <a:off x="3711652" y="0"/>
+            <a:ext cx="8480347" cy="6858000"/>
+          </a:xfrm>
+          <a:prstGeom prst="rect">
+            <a:avLst/>
+          </a:prstGeom>
+          <a:gradFill>
+            <a:gsLst>
+              <a:gs pos="48000">
+                <a:schemeClr val="bg1"/>
+              </a:gs>
+              <a:gs pos="35000">
+                <a:schemeClr val="bg1">
+                  <a:alpha val="77000"/>
+                </a:schemeClr>
+              </a:gs>
+              <a:gs pos="19000">
+                <a:schemeClr val="bg1">
+                  <a:alpha val="38000"/>
+                </a:schemeClr>
+              </a:gs>
+              <a:gs pos="0">
+                <a:schemeClr val="bg1">
+                  <a:alpha val="0"/>
+                </a:schemeClr>
+              </a:gs>
+              <a:gs pos="100000">
+                <a:schemeClr val="bg1"/>
+              </a:gs>
+            </a:gsLst>
+            <a:lin ang="10800000" scaled="0"/>
+          </a:gradFill>
+          <a:ln>
+            <a:noFill/>
+          </a:ln>
+        </p:spPr>
+        <p:style>
+          <a:lnRef idx="2">
+            <a:schemeClr val="accent1">
+              <a:shade val="50000"/>
+            </a:schemeClr>
+          </a:lnRef>
+          <a:fillRef idx="1">
+            <a:schemeClr val="accent1"/>
+          </a:fillRef>
+          <a:effectRef idx="0">
+            <a:schemeClr val="accent1"/>
+          </a:effectRef>
+          <a:fontRef idx="minor">
+            <a:schemeClr val="lt1"/>
+          </a:fontRef>
+        </p:style>
+        <p:txBody>
+          <a:bodyPr rtlCol="0" anchor="ctr"/>
+          <a:lstStyle/>
+          <a:p>
+            <a:pPr algn="ctr"/>
+            <a:endParaRPr lang="en-US" dirty="0"/>
+          </a:p>
+        </p:txBody>
+      </p:sp>
       <p:sp>
         <p:nvSpPr>
           <p:cNvPr id="2" name="Nadpis 1">
@@ -4294,13 +4484,21 @@
             <p:ph type="ctrTitle"/>
           </p:nvPr>
         </p:nvSpPr>
-        <p:spPr/>
+        <p:spPr>
+          <a:xfrm>
+            <a:off x="7848600" y="1122363"/>
+            <a:ext cx="4023360" cy="3204134"/>
+          </a:xfrm>
+        </p:spPr>
         <p:txBody>
-          <a:bodyPr/>
+          <a:bodyPr anchor="b">
+            <a:normAutofit/>
+          </a:bodyPr>
           <a:lstStyle/>
           <a:p>
-            <a:r>
-              <a:rPr lang="cs-CZ" dirty="0"/>
+            <a:pPr algn="l"/>
+            <a:r>
+              <a:rPr lang="cs-CZ" sz="4800"/>
               <a:t>Úvod do programování</a:t>
             </a:r>
           </a:p>
@@ -4322,16 +4520,184 @@
             <p:ph type="subTitle" idx="1"/>
           </p:nvPr>
         </p:nvSpPr>
-        <p:spPr/>
+        <p:spPr>
+          <a:xfrm>
+            <a:off x="7848600" y="4872922"/>
+            <a:ext cx="4023360" cy="1208141"/>
+          </a:xfrm>
+        </p:spPr>
         <p:txBody>
-          <a:bodyPr anchor="b"/>
+          <a:bodyPr>
+            <a:normAutofit/>
+          </a:bodyPr>
           <a:lstStyle/>
           <a:p>
-            <a:pPr algn="r"/>
-            <a:r>
-              <a:rPr lang="cs-CZ" i="1" dirty="0"/>
+            <a:pPr algn="l"/>
+            <a:r>
+              <a:rPr lang="cs-CZ" sz="2000" i="1"/>
               <a:t>Ondřej Pacner</a:t>
             </a:r>
+          </a:p>
+        </p:txBody>
+      </p:sp>
+      <p:sp>
+        <p:nvSpPr>
+          <p:cNvPr id="13" name="Rectangle 12">
+            <a:extLst>
+              <a:ext uri="{FF2B5EF4-FFF2-40B4-BE49-F238E27FC236}">
+                <a16:creationId xmlns:a16="http://schemas.microsoft.com/office/drawing/2014/main" id="{AF2F604E-43BE-4DC3-B983-E071523364F8}"/>
+              </a:ext>
+              <a:ext uri="{C183D7F6-B498-43B3-948B-1728B52AA6E4}">
+                <adec:decorative xmlns:adec="http://schemas.microsoft.com/office/drawing/2017/decorative" val="1"/>
+              </a:ext>
+            </a:extLst>
+          </p:cNvPr>
+          <p:cNvSpPr>
+            <a:spLocks noGrp="1" noRot="1" noChangeAspect="1" noMove="1" noResize="1" noEditPoints="1" noAdjustHandles="1" noChangeArrowheads="1" noChangeShapeType="1" noTextEdit="1"/>
+          </p:cNvSpPr>
+          <p:nvPr>
+            <p:extLst>
+              <p:ext uri="{386F3935-93C4-4BCD-93E2-E3B085C9AB24}">
+                <p16:designElem xmlns:p16="http://schemas.microsoft.com/office/powerpoint/2015/main" val="1"/>
+              </p:ext>
+            </p:extLst>
+          </p:nvPr>
+        </p:nvSpPr>
+        <p:spPr>
+          <a:xfrm rot="5400000">
+            <a:off x="8130540" y="346791"/>
+            <a:ext cx="146304" cy="704088"/>
+          </a:xfrm>
+          <a:prstGeom prst="rect">
+            <a:avLst/>
+          </a:prstGeom>
+          <a:solidFill>
+            <a:schemeClr val="accent2"/>
+          </a:solidFill>
+          <a:ln>
+            <a:noFill/>
+          </a:ln>
+        </p:spPr>
+        <p:style>
+          <a:lnRef idx="2">
+            <a:schemeClr val="accent1">
+              <a:shade val="50000"/>
+            </a:schemeClr>
+          </a:lnRef>
+          <a:fillRef idx="1">
+            <a:schemeClr val="accent1"/>
+          </a:fillRef>
+          <a:effectRef idx="0">
+            <a:schemeClr val="accent1"/>
+          </a:effectRef>
+          <a:fontRef idx="minor">
+            <a:schemeClr val="lt1"/>
+          </a:fontRef>
+        </p:style>
+        <p:txBody>
+          <a:bodyPr rtlCol="0" anchor="ctr"/>
+          <a:lstStyle/>
+          <a:p>
+            <a:pPr algn="ctr"/>
+            <a:endParaRPr lang="en-US">
+              <a:solidFill>
+                <a:prstClr val="white"/>
+              </a:solidFill>
+              <a:latin typeface="Calibri" panose="020F0502020204030204"/>
+            </a:endParaRPr>
+          </a:p>
+        </p:txBody>
+      </p:sp>
+      <p:sp>
+        <p:nvSpPr>
+          <p:cNvPr id="15" name="Rectangle 14">
+            <a:extLst>
+              <a:ext uri="{FF2B5EF4-FFF2-40B4-BE49-F238E27FC236}">
+                <a16:creationId xmlns:a16="http://schemas.microsoft.com/office/drawing/2014/main" id="{08C9B587-E65E-4B52-B37C-ABEBB6E87928}"/>
+              </a:ext>
+              <a:ext uri="{C183D7F6-B498-43B3-948B-1728B52AA6E4}">
+                <adec:decorative xmlns:adec="http://schemas.microsoft.com/office/drawing/2017/decorative" val="1"/>
+              </a:ext>
+            </a:extLst>
+          </p:cNvPr>
+          <p:cNvSpPr>
+            <a:spLocks noGrp="1" noRot="1" noChangeAspect="1" noMove="1" noResize="1" noEditPoints="1" noAdjustHandles="1" noChangeArrowheads="1" noChangeShapeType="1" noTextEdit="1"/>
+          </p:cNvSpPr>
+          <p:nvPr>
+            <p:extLst>
+              <p:ext uri="{386F3935-93C4-4BCD-93E2-E3B085C9AB24}">
+                <p16:designElem xmlns:p16="http://schemas.microsoft.com/office/powerpoint/2015/main" val="1"/>
+              </p:ext>
+            </p:extLst>
+          </p:nvPr>
+        </p:nvSpPr>
+        <p:spPr>
+          <a:xfrm>
+            <a:off x="7851648" y="4546920"/>
+            <a:ext cx="4023360" cy="18288"/>
+          </a:xfrm>
+          <a:prstGeom prst="rect">
+            <a:avLst/>
+          </a:prstGeom>
+          <a:solidFill>
+            <a:srgbClr val="D5D5D5"/>
+          </a:solidFill>
+          <a:ln w="3175">
+            <a:noFill/>
+          </a:ln>
+          <a:effectLst/>
+        </p:spPr>
+        <p:style>
+          <a:lnRef idx="2">
+            <a:schemeClr val="accent1">
+              <a:shade val="50000"/>
+            </a:schemeClr>
+          </a:lnRef>
+          <a:fillRef idx="1">
+            <a:schemeClr val="accent1"/>
+          </a:fillRef>
+          <a:effectRef idx="0">
+            <a:schemeClr val="accent1"/>
+          </a:effectRef>
+          <a:fontRef idx="minor">
+            <a:schemeClr val="lt1"/>
+          </a:fontRef>
+        </p:style>
+        <p:txBody>
+          <a:bodyPr rtlCol="0" anchor="ctr"/>
+          <a:lstStyle/>
+          <a:p>
+            <a:pPr marL="0" marR="0" lvl="0" indent="0" algn="ctr" defTabSz="914400" rtl="0" eaLnBrk="1" fontAlgn="auto" latinLnBrk="0" hangingPunct="1">
+              <a:lnSpc>
+                <a:spcPct val="100000"/>
+              </a:lnSpc>
+              <a:spcBef>
+                <a:spcPts val="0"/>
+              </a:spcBef>
+              <a:spcAft>
+                <a:spcPts val="0"/>
+              </a:spcAft>
+              <a:buClrTx/>
+              <a:buSzTx/>
+              <a:buFontTx/>
+              <a:buNone/>
+              <a:tabLst/>
+              <a:defRPr/>
+            </a:pPr>
+            <a:endParaRPr kumimoji="0" lang="en-US" sz="1800" b="0" i="0" u="none" strike="noStrike" kern="1200" cap="none" spc="0" normalizeH="0" baseline="0" noProof="0">
+              <a:ln>
+                <a:noFill/>
+              </a:ln>
+              <a:solidFill>
+                <a:prstClr val="white"/>
+              </a:solidFill>
+              <a:effectLst/>
+              <a:uLnTx/>
+              <a:uFillTx/>
+              <a:latin typeface="Calibri" panose="020F0502020204030204"/>
+              <a:ea typeface="+mn-ea"/>
+              <a:cs typeface="+mn-cs"/>
+            </a:endParaRPr>
           </a:p>
         </p:txBody>
       </p:sp>
@@ -4345,6 +4711,145 @@
   <p:clrMapOvr>
     <a:masterClrMapping/>
   </p:clrMapOvr>
+  <p:timing>
+    <p:tnLst>
+      <p:par>
+        <p:cTn id="1" dur="indefinite" restart="never" nodeType="tmRoot">
+          <p:childTnLst>
+            <p:seq concurrent="1" nextAc="seek">
+              <p:cTn id="2" dur="indefinite" nodeType="mainSeq">
+                <p:childTnLst>
+                  <p:par>
+                    <p:cTn id="3" fill="hold">
+                      <p:stCondLst>
+                        <p:cond delay="indefinite"/>
+                        <p:cond evt="onBegin" delay="0">
+                          <p:tn val="2"/>
+                        </p:cond>
+                      </p:stCondLst>
+                      <p:childTnLst>
+                        <p:par>
+                          <p:cTn id="4" fill="hold">
+                            <p:stCondLst>
+                              <p:cond delay="0"/>
+                            </p:stCondLst>
+                            <p:childTnLst>
+                              <p:par>
+                                <p:cTn id="5" presetID="10" presetClass="entr" presetSubtype="0" fill="hold" grpId="0" nodeType="withEffect">
+                                  <p:stCondLst>
+                                    <p:cond delay="2000"/>
+                                  </p:stCondLst>
+                                  <p:iterate type="lt">
+                                    <p:tmPct val="10000"/>
+                                  </p:iterate>
+                                  <p:childTnLst>
+                                    <p:set>
+                                      <p:cBhvr>
+                                        <p:cTn id="6" dur="1" fill="hold">
+                                          <p:stCondLst>
+                                            <p:cond delay="0"/>
+                                          </p:stCondLst>
+                                        </p:cTn>
+                                        <p:tgtEl>
+                                          <p:spTgt spid="3">
+                                            <p:txEl>
+                                              <p:pRg st="0" end="0"/>
+                                            </p:txEl>
+                                          </p:spTgt>
+                                        </p:tgtEl>
+                                        <p:attrNameLst>
+                                          <p:attrName>style.visibility</p:attrName>
+                                        </p:attrNameLst>
+                                      </p:cBhvr>
+                                      <p:to>
+                                        <p:strVal val="visible"/>
+                                      </p:to>
+                                    </p:set>
+                                    <p:animEffect transition="in" filter="fade">
+                                      <p:cBhvr>
+                                        <p:cTn id="7" dur="400"/>
+                                        <p:tgtEl>
+                                          <p:spTgt spid="3">
+                                            <p:txEl>
+                                              <p:pRg st="0" end="0"/>
+                                            </p:txEl>
+                                          </p:spTgt>
+                                        </p:tgtEl>
+                                      </p:cBhvr>
+                                    </p:animEffect>
+                                  </p:childTnLst>
+                                </p:cTn>
+                              </p:par>
+                              <p:par>
+                                <p:cTn id="8" presetID="10" presetClass="entr" presetSubtype="0" fill="hold" grpId="0" nodeType="withEffect">
+                                  <p:stCondLst>
+                                    <p:cond delay="1000"/>
+                                  </p:stCondLst>
+                                  <p:iterate type="lt">
+                                    <p:tmPct val="10000"/>
+                                  </p:iterate>
+                                  <p:childTnLst>
+                                    <p:set>
+                                      <p:cBhvr>
+                                        <p:cTn id="9" dur="1" fill="hold">
+                                          <p:stCondLst>
+                                            <p:cond delay="0"/>
+                                          </p:stCondLst>
+                                        </p:cTn>
+                                        <p:tgtEl>
+                                          <p:spTgt spid="2"/>
+                                        </p:tgtEl>
+                                        <p:attrNameLst>
+                                          <p:attrName>style.visibility</p:attrName>
+                                        </p:attrNameLst>
+                                      </p:cBhvr>
+                                      <p:to>
+                                        <p:strVal val="visible"/>
+                                      </p:to>
+                                    </p:set>
+                                    <p:animEffect transition="in" filter="fade">
+                                      <p:cBhvr>
+                                        <p:cTn id="10" dur="400"/>
+                                        <p:tgtEl>
+                                          <p:spTgt spid="2"/>
+                                        </p:tgtEl>
+                                      </p:cBhvr>
+                                    </p:animEffect>
+                                  </p:childTnLst>
+                                </p:cTn>
+                              </p:par>
+                            </p:childTnLst>
+                          </p:cTn>
+                        </p:par>
+                      </p:childTnLst>
+                    </p:cTn>
+                  </p:par>
+                </p:childTnLst>
+              </p:cTn>
+              <p:prevCondLst>
+                <p:cond evt="onPrev" delay="0">
+                  <p:tgtEl>
+                    <p:sldTgt/>
+                  </p:tgtEl>
+                </p:cond>
+              </p:prevCondLst>
+              <p:nextCondLst>
+                <p:cond evt="onNext" delay="0">
+                  <p:tgtEl>
+                    <p:sldTgt/>
+                  </p:tgtEl>
+                </p:cond>
+              </p:nextCondLst>
+            </p:seq>
+          </p:childTnLst>
+        </p:cTn>
+      </p:par>
+    </p:tnLst>
+    <p:bldLst>
+      <p:bldP spid="2" grpId="0"/>
+      <p:bldP spid="3" grpId="0" build="p"/>
+    </p:bldLst>
+  </p:timing>
 </p:sld>
 </file>
 
@@ -4487,6 +4992,348 @@
   <p:clrMapOvr>
     <a:masterClrMapping/>
   </p:clrMapOvr>
+  <p:timing>
+    <p:tnLst>
+      <p:par>
+        <p:cTn id="1" dur="indefinite" restart="never" nodeType="tmRoot">
+          <p:childTnLst>
+            <p:seq concurrent="1" nextAc="seek">
+              <p:cTn id="2" dur="indefinite" nodeType="mainSeq">
+                <p:childTnLst>
+                  <p:par>
+                    <p:cTn id="3" fill="hold">
+                      <p:stCondLst>
+                        <p:cond delay="indefinite"/>
+                      </p:stCondLst>
+                      <p:childTnLst>
+                        <p:par>
+                          <p:cTn id="4" fill="hold">
+                            <p:stCondLst>
+                              <p:cond delay="0"/>
+                            </p:stCondLst>
+                            <p:childTnLst>
+                              <p:par>
+                                <p:cTn id="5" presetID="2" presetClass="entr" presetSubtype="4" fill="hold" grpId="0" nodeType="clickEffect">
+                                  <p:stCondLst>
+                                    <p:cond delay="0"/>
+                                  </p:stCondLst>
+                                  <p:childTnLst>
+                                    <p:set>
+                                      <p:cBhvr>
+                                        <p:cTn id="6" dur="1" fill="hold">
+                                          <p:stCondLst>
+                                            <p:cond delay="0"/>
+                                          </p:stCondLst>
+                                        </p:cTn>
+                                        <p:tgtEl>
+                                          <p:spTgt spid="3">
+                                            <p:txEl>
+                                              <p:pRg st="0" end="0"/>
+                                            </p:txEl>
+                                          </p:spTgt>
+                                        </p:tgtEl>
+                                        <p:attrNameLst>
+                                          <p:attrName>style.visibility</p:attrName>
+                                        </p:attrNameLst>
+                                      </p:cBhvr>
+                                      <p:to>
+                                        <p:strVal val="visible"/>
+                                      </p:to>
+                                    </p:set>
+                                    <p:anim calcmode="lin" valueType="num">
+                                      <p:cBhvr additive="base">
+                                        <p:cTn id="7" dur="500" fill="hold"/>
+                                        <p:tgtEl>
+                                          <p:spTgt spid="3">
+                                            <p:txEl>
+                                              <p:pRg st="0" end="0"/>
+                                            </p:txEl>
+                                          </p:spTgt>
+                                        </p:tgtEl>
+                                        <p:attrNameLst>
+                                          <p:attrName>ppt_x</p:attrName>
+                                        </p:attrNameLst>
+                                      </p:cBhvr>
+                                      <p:tavLst>
+                                        <p:tav tm="0">
+                                          <p:val>
+                                            <p:strVal val="#ppt_x"/>
+                                          </p:val>
+                                        </p:tav>
+                                        <p:tav tm="100000">
+                                          <p:val>
+                                            <p:strVal val="#ppt_x"/>
+                                          </p:val>
+                                        </p:tav>
+                                      </p:tavLst>
+                                    </p:anim>
+                                    <p:anim calcmode="lin" valueType="num">
+                                      <p:cBhvr additive="base">
+                                        <p:cTn id="8" dur="500" fill="hold"/>
+                                        <p:tgtEl>
+                                          <p:spTgt spid="3">
+                                            <p:txEl>
+                                              <p:pRg st="0" end="0"/>
+                                            </p:txEl>
+                                          </p:spTgt>
+                                        </p:tgtEl>
+                                        <p:attrNameLst>
+                                          <p:attrName>ppt_y</p:attrName>
+                                        </p:attrNameLst>
+                                      </p:cBhvr>
+                                      <p:tavLst>
+                                        <p:tav tm="0">
+                                          <p:val>
+                                            <p:strVal val="1+#ppt_h/2"/>
+                                          </p:val>
+                                        </p:tav>
+                                        <p:tav tm="100000">
+                                          <p:val>
+                                            <p:strVal val="#ppt_y"/>
+                                          </p:val>
+                                        </p:tav>
+                                      </p:tavLst>
+                                    </p:anim>
+                                  </p:childTnLst>
+                                </p:cTn>
+                              </p:par>
+                            </p:childTnLst>
+                          </p:cTn>
+                        </p:par>
+                      </p:childTnLst>
+                    </p:cTn>
+                  </p:par>
+                  <p:par>
+                    <p:cTn id="9" fill="hold">
+                      <p:stCondLst>
+                        <p:cond delay="indefinite"/>
+                      </p:stCondLst>
+                      <p:childTnLst>
+                        <p:par>
+                          <p:cTn id="10" fill="hold">
+                            <p:stCondLst>
+                              <p:cond delay="0"/>
+                            </p:stCondLst>
+                            <p:childTnLst>
+                              <p:par>
+                                <p:cTn id="11" presetID="2" presetClass="entr" presetSubtype="4" fill="hold" grpId="0" nodeType="clickEffect">
+                                  <p:stCondLst>
+                                    <p:cond delay="0"/>
+                                  </p:stCondLst>
+                                  <p:childTnLst>
+                                    <p:set>
+                                      <p:cBhvr>
+                                        <p:cTn id="12" dur="1" fill="hold">
+                                          <p:stCondLst>
+                                            <p:cond delay="0"/>
+                                          </p:stCondLst>
+                                        </p:cTn>
+                                        <p:tgtEl>
+                                          <p:spTgt spid="3">
+                                            <p:txEl>
+                                              <p:pRg st="2" end="2"/>
+                                            </p:txEl>
+                                          </p:spTgt>
+                                        </p:tgtEl>
+                                        <p:attrNameLst>
+                                          <p:attrName>style.visibility</p:attrName>
+                                        </p:attrNameLst>
+                                      </p:cBhvr>
+                                      <p:to>
+                                        <p:strVal val="visible"/>
+                                      </p:to>
+                                    </p:set>
+                                    <p:anim calcmode="lin" valueType="num">
+                                      <p:cBhvr additive="base">
+                                        <p:cTn id="13" dur="500" fill="hold"/>
+                                        <p:tgtEl>
+                                          <p:spTgt spid="3">
+                                            <p:txEl>
+                                              <p:pRg st="2" end="2"/>
+                                            </p:txEl>
+                                          </p:spTgt>
+                                        </p:tgtEl>
+                                        <p:attrNameLst>
+                                          <p:attrName>ppt_x</p:attrName>
+                                        </p:attrNameLst>
+                                      </p:cBhvr>
+                                      <p:tavLst>
+                                        <p:tav tm="0">
+                                          <p:val>
+                                            <p:strVal val="#ppt_x"/>
+                                          </p:val>
+                                        </p:tav>
+                                        <p:tav tm="100000">
+                                          <p:val>
+                                            <p:strVal val="#ppt_x"/>
+                                          </p:val>
+                                        </p:tav>
+                                      </p:tavLst>
+                                    </p:anim>
+                                    <p:anim calcmode="lin" valueType="num">
+                                      <p:cBhvr additive="base">
+                                        <p:cTn id="14" dur="500" fill="hold"/>
+                                        <p:tgtEl>
+                                          <p:spTgt spid="3">
+                                            <p:txEl>
+                                              <p:pRg st="2" end="2"/>
+                                            </p:txEl>
+                                          </p:spTgt>
+                                        </p:tgtEl>
+                                        <p:attrNameLst>
+                                          <p:attrName>ppt_y</p:attrName>
+                                        </p:attrNameLst>
+                                      </p:cBhvr>
+                                      <p:tavLst>
+                                        <p:tav tm="0">
+                                          <p:val>
+                                            <p:strVal val="1+#ppt_h/2"/>
+                                          </p:val>
+                                        </p:tav>
+                                        <p:tav tm="100000">
+                                          <p:val>
+                                            <p:strVal val="#ppt_y"/>
+                                          </p:val>
+                                        </p:tav>
+                                      </p:tavLst>
+                                    </p:anim>
+                                  </p:childTnLst>
+                                </p:cTn>
+                              </p:par>
+                            </p:childTnLst>
+                          </p:cTn>
+                        </p:par>
+                      </p:childTnLst>
+                    </p:cTn>
+                  </p:par>
+                  <p:par>
+                    <p:cTn id="15" fill="hold">
+                      <p:stCondLst>
+                        <p:cond delay="indefinite"/>
+                      </p:stCondLst>
+                      <p:childTnLst>
+                        <p:par>
+                          <p:cTn id="16" fill="hold">
+                            <p:stCondLst>
+                              <p:cond delay="0"/>
+                            </p:stCondLst>
+                            <p:childTnLst>
+                              <p:par>
+                                <p:cTn id="17" presetID="2" presetClass="entr" presetSubtype="4" fill="hold" grpId="0" nodeType="clickEffect">
+                                  <p:stCondLst>
+                                    <p:cond delay="0"/>
+                                  </p:stCondLst>
+                                  <p:childTnLst>
+                                    <p:set>
+                                      <p:cBhvr>
+                                        <p:cTn id="18" dur="1" fill="hold">
+                                          <p:stCondLst>
+                                            <p:cond delay="0"/>
+                                          </p:stCondLst>
+                                        </p:cTn>
+                                        <p:tgtEl>
+                                          <p:spTgt spid="3">
+                                            <p:txEl>
+                                              <p:pRg st="4" end="4"/>
+                                            </p:txEl>
+                                          </p:spTgt>
+                                        </p:tgtEl>
+                                        <p:attrNameLst>
+                                          <p:attrName>style.visibility</p:attrName>
+                                        </p:attrNameLst>
+                                      </p:cBhvr>
+                                      <p:to>
+                                        <p:strVal val="visible"/>
+                                      </p:to>
+                                    </p:set>
+                                    <p:anim calcmode="lin" valueType="num">
+                                      <p:cBhvr additive="base">
+                                        <p:cTn id="19" dur="500" fill="hold"/>
+                                        <p:tgtEl>
+                                          <p:spTgt spid="3">
+                                            <p:txEl>
+                                              <p:pRg st="4" end="4"/>
+                                            </p:txEl>
+                                          </p:spTgt>
+                                        </p:tgtEl>
+                                        <p:attrNameLst>
+                                          <p:attrName>ppt_x</p:attrName>
+                                        </p:attrNameLst>
+                                      </p:cBhvr>
+                                      <p:tavLst>
+                                        <p:tav tm="0">
+                                          <p:val>
+                                            <p:strVal val="#ppt_x"/>
+                                          </p:val>
+                                        </p:tav>
+                                        <p:tav tm="100000">
+                                          <p:val>
+                                            <p:strVal val="#ppt_x"/>
+                                          </p:val>
+                                        </p:tav>
+                                      </p:tavLst>
+                                    </p:anim>
+                                    <p:anim calcmode="lin" valueType="num">
+                                      <p:cBhvr additive="base">
+                                        <p:cTn id="20" dur="500" fill="hold"/>
+                                        <p:tgtEl>
+                                          <p:spTgt spid="3">
+                                            <p:txEl>
+                                              <p:pRg st="4" end="4"/>
+                                            </p:txEl>
+                                          </p:spTgt>
+                                        </p:tgtEl>
+                                        <p:attrNameLst>
+                                          <p:attrName>ppt_y</p:attrName>
+                                        </p:attrNameLst>
+                                      </p:cBhvr>
+                                      <p:tavLst>
+                                        <p:tav tm="0">
+                                          <p:val>
+                                            <p:strVal val="1+#ppt_h/2"/>
+                                          </p:val>
+                                        </p:tav>
+                                        <p:tav tm="100000">
+                                          <p:val>
+                                            <p:strVal val="#ppt_y"/>
+                                          </p:val>
+                                        </p:tav>
+                                      </p:tavLst>
+                                    </p:anim>
+                                  </p:childTnLst>
+                                </p:cTn>
+                              </p:par>
+                            </p:childTnLst>
+                          </p:cTn>
+                        </p:par>
+                      </p:childTnLst>
+                    </p:cTn>
+                  </p:par>
+                </p:childTnLst>
+              </p:cTn>
+              <p:prevCondLst>
+                <p:cond evt="onPrev" delay="0">
+                  <p:tgtEl>
+                    <p:sldTgt/>
+                  </p:tgtEl>
+                </p:cond>
+              </p:prevCondLst>
+              <p:nextCondLst>
+                <p:cond evt="onNext" delay="0">
+                  <p:tgtEl>
+                    <p:sldTgt/>
+                  </p:tgtEl>
+                </p:cond>
+              </p:nextCondLst>
+            </p:seq>
+          </p:childTnLst>
+        </p:cTn>
+      </p:par>
+    </p:tnLst>
+    <p:bldLst>
+      <p:bldP spid="3" grpId="0" build="p"/>
+    </p:bldLst>
+  </p:timing>
 </p:sld>
 </file>
 
@@ -4605,6 +5452,348 @@
   <p:clrMapOvr>
     <a:masterClrMapping/>
   </p:clrMapOvr>
+  <p:timing>
+    <p:tnLst>
+      <p:par>
+        <p:cTn id="1" dur="indefinite" restart="never" nodeType="tmRoot">
+          <p:childTnLst>
+            <p:seq concurrent="1" nextAc="seek">
+              <p:cTn id="2" dur="indefinite" nodeType="mainSeq">
+                <p:childTnLst>
+                  <p:par>
+                    <p:cTn id="3" fill="hold">
+                      <p:stCondLst>
+                        <p:cond delay="indefinite"/>
+                      </p:stCondLst>
+                      <p:childTnLst>
+                        <p:par>
+                          <p:cTn id="4" fill="hold">
+                            <p:stCondLst>
+                              <p:cond delay="0"/>
+                            </p:stCondLst>
+                            <p:childTnLst>
+                              <p:par>
+                                <p:cTn id="5" presetID="2" presetClass="entr" presetSubtype="4" fill="hold" grpId="0" nodeType="clickEffect">
+                                  <p:stCondLst>
+                                    <p:cond delay="0"/>
+                                  </p:stCondLst>
+                                  <p:childTnLst>
+                                    <p:set>
+                                      <p:cBhvr>
+                                        <p:cTn id="6" dur="1" fill="hold">
+                                          <p:stCondLst>
+                                            <p:cond delay="0"/>
+                                          </p:stCondLst>
+                                        </p:cTn>
+                                        <p:tgtEl>
+                                          <p:spTgt spid="3">
+                                            <p:txEl>
+                                              <p:pRg st="0" end="0"/>
+                                            </p:txEl>
+                                          </p:spTgt>
+                                        </p:tgtEl>
+                                        <p:attrNameLst>
+                                          <p:attrName>style.visibility</p:attrName>
+                                        </p:attrNameLst>
+                                      </p:cBhvr>
+                                      <p:to>
+                                        <p:strVal val="visible"/>
+                                      </p:to>
+                                    </p:set>
+                                    <p:anim calcmode="lin" valueType="num">
+                                      <p:cBhvr additive="base">
+                                        <p:cTn id="7" dur="500" fill="hold"/>
+                                        <p:tgtEl>
+                                          <p:spTgt spid="3">
+                                            <p:txEl>
+                                              <p:pRg st="0" end="0"/>
+                                            </p:txEl>
+                                          </p:spTgt>
+                                        </p:tgtEl>
+                                        <p:attrNameLst>
+                                          <p:attrName>ppt_x</p:attrName>
+                                        </p:attrNameLst>
+                                      </p:cBhvr>
+                                      <p:tavLst>
+                                        <p:tav tm="0">
+                                          <p:val>
+                                            <p:strVal val="#ppt_x"/>
+                                          </p:val>
+                                        </p:tav>
+                                        <p:tav tm="100000">
+                                          <p:val>
+                                            <p:strVal val="#ppt_x"/>
+                                          </p:val>
+                                        </p:tav>
+                                      </p:tavLst>
+                                    </p:anim>
+                                    <p:anim calcmode="lin" valueType="num">
+                                      <p:cBhvr additive="base">
+                                        <p:cTn id="8" dur="500" fill="hold"/>
+                                        <p:tgtEl>
+                                          <p:spTgt spid="3">
+                                            <p:txEl>
+                                              <p:pRg st="0" end="0"/>
+                                            </p:txEl>
+                                          </p:spTgt>
+                                        </p:tgtEl>
+                                        <p:attrNameLst>
+                                          <p:attrName>ppt_y</p:attrName>
+                                        </p:attrNameLst>
+                                      </p:cBhvr>
+                                      <p:tavLst>
+                                        <p:tav tm="0">
+                                          <p:val>
+                                            <p:strVal val="1+#ppt_h/2"/>
+                                          </p:val>
+                                        </p:tav>
+                                        <p:tav tm="100000">
+                                          <p:val>
+                                            <p:strVal val="#ppt_y"/>
+                                          </p:val>
+                                        </p:tav>
+                                      </p:tavLst>
+                                    </p:anim>
+                                  </p:childTnLst>
+                                </p:cTn>
+                              </p:par>
+                            </p:childTnLst>
+                          </p:cTn>
+                        </p:par>
+                      </p:childTnLst>
+                    </p:cTn>
+                  </p:par>
+                  <p:par>
+                    <p:cTn id="9" fill="hold">
+                      <p:stCondLst>
+                        <p:cond delay="indefinite"/>
+                      </p:stCondLst>
+                      <p:childTnLst>
+                        <p:par>
+                          <p:cTn id="10" fill="hold">
+                            <p:stCondLst>
+                              <p:cond delay="0"/>
+                            </p:stCondLst>
+                            <p:childTnLst>
+                              <p:par>
+                                <p:cTn id="11" presetID="2" presetClass="entr" presetSubtype="4" fill="hold" grpId="0" nodeType="clickEffect">
+                                  <p:stCondLst>
+                                    <p:cond delay="0"/>
+                                  </p:stCondLst>
+                                  <p:childTnLst>
+                                    <p:set>
+                                      <p:cBhvr>
+                                        <p:cTn id="12" dur="1" fill="hold">
+                                          <p:stCondLst>
+                                            <p:cond delay="0"/>
+                                          </p:stCondLst>
+                                        </p:cTn>
+                                        <p:tgtEl>
+                                          <p:spTgt spid="3">
+                                            <p:txEl>
+                                              <p:pRg st="2" end="2"/>
+                                            </p:txEl>
+                                          </p:spTgt>
+                                        </p:tgtEl>
+                                        <p:attrNameLst>
+                                          <p:attrName>style.visibility</p:attrName>
+                                        </p:attrNameLst>
+                                      </p:cBhvr>
+                                      <p:to>
+                                        <p:strVal val="visible"/>
+                                      </p:to>
+                                    </p:set>
+                                    <p:anim calcmode="lin" valueType="num">
+                                      <p:cBhvr additive="base">
+                                        <p:cTn id="13" dur="500" fill="hold"/>
+                                        <p:tgtEl>
+                                          <p:spTgt spid="3">
+                                            <p:txEl>
+                                              <p:pRg st="2" end="2"/>
+                                            </p:txEl>
+                                          </p:spTgt>
+                                        </p:tgtEl>
+                                        <p:attrNameLst>
+                                          <p:attrName>ppt_x</p:attrName>
+                                        </p:attrNameLst>
+                                      </p:cBhvr>
+                                      <p:tavLst>
+                                        <p:tav tm="0">
+                                          <p:val>
+                                            <p:strVal val="#ppt_x"/>
+                                          </p:val>
+                                        </p:tav>
+                                        <p:tav tm="100000">
+                                          <p:val>
+                                            <p:strVal val="#ppt_x"/>
+                                          </p:val>
+                                        </p:tav>
+                                      </p:tavLst>
+                                    </p:anim>
+                                    <p:anim calcmode="lin" valueType="num">
+                                      <p:cBhvr additive="base">
+                                        <p:cTn id="14" dur="500" fill="hold"/>
+                                        <p:tgtEl>
+                                          <p:spTgt spid="3">
+                                            <p:txEl>
+                                              <p:pRg st="2" end="2"/>
+                                            </p:txEl>
+                                          </p:spTgt>
+                                        </p:tgtEl>
+                                        <p:attrNameLst>
+                                          <p:attrName>ppt_y</p:attrName>
+                                        </p:attrNameLst>
+                                      </p:cBhvr>
+                                      <p:tavLst>
+                                        <p:tav tm="0">
+                                          <p:val>
+                                            <p:strVal val="1+#ppt_h/2"/>
+                                          </p:val>
+                                        </p:tav>
+                                        <p:tav tm="100000">
+                                          <p:val>
+                                            <p:strVal val="#ppt_y"/>
+                                          </p:val>
+                                        </p:tav>
+                                      </p:tavLst>
+                                    </p:anim>
+                                  </p:childTnLst>
+                                </p:cTn>
+                              </p:par>
+                            </p:childTnLst>
+                          </p:cTn>
+                        </p:par>
+                      </p:childTnLst>
+                    </p:cTn>
+                  </p:par>
+                  <p:par>
+                    <p:cTn id="15" fill="hold">
+                      <p:stCondLst>
+                        <p:cond delay="indefinite"/>
+                      </p:stCondLst>
+                      <p:childTnLst>
+                        <p:par>
+                          <p:cTn id="16" fill="hold">
+                            <p:stCondLst>
+                              <p:cond delay="0"/>
+                            </p:stCondLst>
+                            <p:childTnLst>
+                              <p:par>
+                                <p:cTn id="17" presetID="2" presetClass="entr" presetSubtype="4" fill="hold" grpId="0" nodeType="clickEffect">
+                                  <p:stCondLst>
+                                    <p:cond delay="0"/>
+                                  </p:stCondLst>
+                                  <p:childTnLst>
+                                    <p:set>
+                                      <p:cBhvr>
+                                        <p:cTn id="18" dur="1" fill="hold">
+                                          <p:stCondLst>
+                                            <p:cond delay="0"/>
+                                          </p:stCondLst>
+                                        </p:cTn>
+                                        <p:tgtEl>
+                                          <p:spTgt spid="3">
+                                            <p:txEl>
+                                              <p:pRg st="4" end="4"/>
+                                            </p:txEl>
+                                          </p:spTgt>
+                                        </p:tgtEl>
+                                        <p:attrNameLst>
+                                          <p:attrName>style.visibility</p:attrName>
+                                        </p:attrNameLst>
+                                      </p:cBhvr>
+                                      <p:to>
+                                        <p:strVal val="visible"/>
+                                      </p:to>
+                                    </p:set>
+                                    <p:anim calcmode="lin" valueType="num">
+                                      <p:cBhvr additive="base">
+                                        <p:cTn id="19" dur="500" fill="hold"/>
+                                        <p:tgtEl>
+                                          <p:spTgt spid="3">
+                                            <p:txEl>
+                                              <p:pRg st="4" end="4"/>
+                                            </p:txEl>
+                                          </p:spTgt>
+                                        </p:tgtEl>
+                                        <p:attrNameLst>
+                                          <p:attrName>ppt_x</p:attrName>
+                                        </p:attrNameLst>
+                                      </p:cBhvr>
+                                      <p:tavLst>
+                                        <p:tav tm="0">
+                                          <p:val>
+                                            <p:strVal val="#ppt_x"/>
+                                          </p:val>
+                                        </p:tav>
+                                        <p:tav tm="100000">
+                                          <p:val>
+                                            <p:strVal val="#ppt_x"/>
+                                          </p:val>
+                                        </p:tav>
+                                      </p:tavLst>
+                                    </p:anim>
+                                    <p:anim calcmode="lin" valueType="num">
+                                      <p:cBhvr additive="base">
+                                        <p:cTn id="20" dur="500" fill="hold"/>
+                                        <p:tgtEl>
+                                          <p:spTgt spid="3">
+                                            <p:txEl>
+                                              <p:pRg st="4" end="4"/>
+                                            </p:txEl>
+                                          </p:spTgt>
+                                        </p:tgtEl>
+                                        <p:attrNameLst>
+                                          <p:attrName>ppt_y</p:attrName>
+                                        </p:attrNameLst>
+                                      </p:cBhvr>
+                                      <p:tavLst>
+                                        <p:tav tm="0">
+                                          <p:val>
+                                            <p:strVal val="1+#ppt_h/2"/>
+                                          </p:val>
+                                        </p:tav>
+                                        <p:tav tm="100000">
+                                          <p:val>
+                                            <p:strVal val="#ppt_y"/>
+                                          </p:val>
+                                        </p:tav>
+                                      </p:tavLst>
+                                    </p:anim>
+                                  </p:childTnLst>
+                                </p:cTn>
+                              </p:par>
+                            </p:childTnLst>
+                          </p:cTn>
+                        </p:par>
+                      </p:childTnLst>
+                    </p:cTn>
+                  </p:par>
+                </p:childTnLst>
+              </p:cTn>
+              <p:prevCondLst>
+                <p:cond evt="onPrev" delay="0">
+                  <p:tgtEl>
+                    <p:sldTgt/>
+                  </p:tgtEl>
+                </p:cond>
+              </p:prevCondLst>
+              <p:nextCondLst>
+                <p:cond evt="onNext" delay="0">
+                  <p:tgtEl>
+                    <p:sldTgt/>
+                  </p:tgtEl>
+                </p:cond>
+              </p:nextCondLst>
+            </p:seq>
+          </p:childTnLst>
+        </p:cTn>
+      </p:par>
+    </p:tnLst>
+    <p:bldLst>
+      <p:bldP spid="3" grpId="0" build="p"/>
+    </p:bldLst>
+  </p:timing>
 </p:sld>
 </file>
 
@@ -4689,6 +5878,72 @@
           <a:chExt cx="0" cy="0"/>
         </a:xfrm>
       </p:grpSpPr>
+      <p:pic>
+        <p:nvPicPr>
+          <p:cNvPr id="3" name="Obrázek 2" descr="Obsah obrázku text, snímek obrazovky, Lidská tvář, venku&#10;&#10;Popis byl vytvořen automaticky">
+            <a:extLst>
+              <a:ext uri="{FF2B5EF4-FFF2-40B4-BE49-F238E27FC236}">
+                <a16:creationId xmlns:a16="http://schemas.microsoft.com/office/drawing/2014/main" id="{3BA074EF-8E49-5BFD-F10D-6A0F7B8EFF76}"/>
+              </a:ext>
+            </a:extLst>
+          </p:cNvPr>
+          <p:cNvPicPr>
+            <a:picLocks noChangeAspect="1"/>
+          </p:cNvPicPr>
+          <p:nvPr/>
+        </p:nvPicPr>
+        <p:blipFill>
+          <a:blip r:embed="rId2">
+            <a:extLst>
+              <a:ext uri="{28A0092B-C50C-407E-A947-70E740481C1C}">
+                <a14:useLocalDpi xmlns:a14="http://schemas.microsoft.com/office/drawing/2010/main" val="0"/>
+              </a:ext>
+            </a:extLst>
+          </a:blip>
+          <a:stretch>
+            <a:fillRect/>
+          </a:stretch>
+        </p:blipFill>
+        <p:spPr>
+          <a:xfrm>
+            <a:off x="2690440" y="0"/>
+            <a:ext cx="6811119" cy="6858000"/>
+          </a:xfrm>
+          <a:prstGeom prst="rect">
+            <a:avLst/>
+          </a:prstGeom>
+        </p:spPr>
+      </p:pic>
+    </p:spTree>
+    <p:extLst>
+      <p:ext uri="{BB962C8B-B14F-4D97-AF65-F5344CB8AC3E}">
+        <p14:creationId xmlns:p14="http://schemas.microsoft.com/office/powerpoint/2010/main" val="2550243270"/>
+      </p:ext>
+    </p:extLst>
+  </p:cSld>
+  <p:clrMapOvr>
+    <a:masterClrMapping/>
+  </p:clrMapOvr>
+</p:sld>
+</file>
+
+<file path=ppt/slides/slide14.xml><?xml version="1.0" encoding="utf-8"?>
+<p:sld xmlns:a="http://schemas.openxmlformats.org/drawingml/2006/main" xmlns:r="http://schemas.openxmlformats.org/officeDocument/2006/relationships" xmlns:p="http://schemas.openxmlformats.org/presentationml/2006/main">
+  <p:cSld>
+    <p:spTree>
+      <p:nvGrpSpPr>
+        <p:cNvPr id="1" name=""/>
+        <p:cNvGrpSpPr/>
+        <p:nvPr/>
+      </p:nvGrpSpPr>
+      <p:grpSpPr>
+        <a:xfrm>
+          <a:off x="0" y="0"/>
+          <a:ext cx="0" cy="0"/>
+          <a:chOff x="0" y="0"/>
+          <a:chExt cx="0" cy="0"/>
+        </a:xfrm>
+      </p:grpSpPr>
       <p:sp>
         <p:nvSpPr>
           <p:cNvPr id="2" name="Nadpis 1">
@@ -4816,7 +6071,7 @@
 </p:sld>
 </file>
 
-<file path=ppt/slides/slide14.xml><?xml version="1.0" encoding="utf-8"?>
+<file path=ppt/slides/slide15.xml><?xml version="1.0" encoding="utf-8"?>
 <p:sld xmlns:a="http://schemas.openxmlformats.org/drawingml/2006/main" xmlns:r="http://schemas.openxmlformats.org/officeDocument/2006/relationships" xmlns:p="http://schemas.openxmlformats.org/presentationml/2006/main">
   <p:cSld>
     <p:spTree>
@@ -4946,10 +6201,139 @@
   <p:clrMapOvr>
     <a:masterClrMapping/>
   </p:clrMapOvr>
+  <p:timing>
+    <p:tnLst>
+      <p:par>
+        <p:cTn id="1" dur="indefinite" restart="never" nodeType="tmRoot">
+          <p:childTnLst>
+            <p:seq concurrent="1" nextAc="seek">
+              <p:cTn id="2" dur="indefinite" nodeType="mainSeq">
+                <p:childTnLst>
+                  <p:par>
+                    <p:cTn id="3" fill="hold">
+                      <p:stCondLst>
+                        <p:cond delay="indefinite"/>
+                      </p:stCondLst>
+                      <p:childTnLst>
+                        <p:par>
+                          <p:cTn id="4" fill="hold">
+                            <p:stCondLst>
+                              <p:cond delay="0"/>
+                            </p:stCondLst>
+                            <p:childTnLst>
+                              <p:par>
+                                <p:cTn id="5" presetID="42" presetClass="entr" presetSubtype="0" fill="hold" nodeType="clickEffect">
+                                  <p:stCondLst>
+                                    <p:cond delay="0"/>
+                                  </p:stCondLst>
+                                  <p:childTnLst>
+                                    <p:set>
+                                      <p:cBhvr>
+                                        <p:cTn id="6" dur="1" fill="hold">
+                                          <p:stCondLst>
+                                            <p:cond delay="0"/>
+                                          </p:stCondLst>
+                                        </p:cTn>
+                                        <p:tgtEl>
+                                          <p:spTgt spid="5"/>
+                                        </p:tgtEl>
+                                        <p:attrNameLst>
+                                          <p:attrName>style.visibility</p:attrName>
+                                        </p:attrNameLst>
+                                      </p:cBhvr>
+                                      <p:to>
+                                        <p:strVal val="visible"/>
+                                      </p:to>
+                                    </p:set>
+                                    <p:animEffect transition="in" filter="fade">
+                                      <p:cBhvr>
+                                        <p:cTn id="7" dur="1000"/>
+                                        <p:tgtEl>
+                                          <p:spTgt spid="5"/>
+                                        </p:tgtEl>
+                                      </p:cBhvr>
+                                    </p:animEffect>
+                                    <p:anim calcmode="lin" valueType="num">
+                                      <p:cBhvr>
+                                        <p:cTn id="8" dur="1000" fill="hold"/>
+                                        <p:tgtEl>
+                                          <p:spTgt spid="5"/>
+                                        </p:tgtEl>
+                                        <p:attrNameLst>
+                                          <p:attrName>ppt_x</p:attrName>
+                                        </p:attrNameLst>
+                                      </p:cBhvr>
+                                      <p:tavLst>
+                                        <p:tav tm="0">
+                                          <p:val>
+                                            <p:strVal val="#ppt_x"/>
+                                          </p:val>
+                                        </p:tav>
+                                        <p:tav tm="100000">
+                                          <p:val>
+                                            <p:strVal val="#ppt_x"/>
+                                          </p:val>
+                                        </p:tav>
+                                      </p:tavLst>
+                                    </p:anim>
+                                    <p:anim calcmode="lin" valueType="num">
+                                      <p:cBhvr>
+                                        <p:cTn id="9" dur="1000" fill="hold"/>
+                                        <p:tgtEl>
+                                          <p:spTgt spid="5"/>
+                                        </p:tgtEl>
+                                        <p:attrNameLst>
+                                          <p:attrName>ppt_y</p:attrName>
+                                        </p:attrNameLst>
+                                      </p:cBhvr>
+                                      <p:tavLst>
+                                        <p:tav tm="0">
+                                          <p:val>
+                                            <p:strVal val="#ppt_y+.1"/>
+                                          </p:val>
+                                        </p:tav>
+                                        <p:tav tm="100000">
+                                          <p:val>
+                                            <p:strVal val="#ppt_y"/>
+                                          </p:val>
+                                        </p:tav>
+                                      </p:tavLst>
+                                    </p:anim>
+                                  </p:childTnLst>
+                                </p:cTn>
+                              </p:par>
+                            </p:childTnLst>
+                          </p:cTn>
+                        </p:par>
+                      </p:childTnLst>
+                    </p:cTn>
+                  </p:par>
+                </p:childTnLst>
+              </p:cTn>
+              <p:prevCondLst>
+                <p:cond evt="onPrev" delay="0">
+                  <p:tgtEl>
+                    <p:sldTgt/>
+                  </p:tgtEl>
+                </p:cond>
+              </p:prevCondLst>
+              <p:nextCondLst>
+                <p:cond evt="onNext" delay="0">
+                  <p:tgtEl>
+                    <p:sldTgt/>
+                  </p:tgtEl>
+                </p:cond>
+              </p:nextCondLst>
+            </p:seq>
+          </p:childTnLst>
+        </p:cTn>
+      </p:par>
+    </p:tnLst>
+  </p:timing>
 </p:sld>
 </file>
 
-<file path=ppt/slides/slide15.xml><?xml version="1.0" encoding="utf-8"?>
+<file path=ppt/slides/slide16.xml><?xml version="1.0" encoding="utf-8"?>
 <p:sld xmlns:a="http://schemas.openxmlformats.org/drawingml/2006/main" xmlns:r="http://schemas.openxmlformats.org/officeDocument/2006/relationships" xmlns:p="http://schemas.openxmlformats.org/presentationml/2006/main">
   <p:cSld>
     <p:spTree>
@@ -5119,10 +6503,857 @@
   <p:clrMapOvr>
     <a:masterClrMapping/>
   </p:clrMapOvr>
+  <p:timing>
+    <p:tnLst>
+      <p:par>
+        <p:cTn id="1" dur="indefinite" restart="never" nodeType="tmRoot">
+          <p:childTnLst>
+            <p:seq concurrent="1" nextAc="seek">
+              <p:cTn id="2" dur="indefinite" nodeType="mainSeq">
+                <p:childTnLst>
+                  <p:par>
+                    <p:cTn id="3" fill="hold">
+                      <p:stCondLst>
+                        <p:cond delay="indefinite"/>
+                      </p:stCondLst>
+                      <p:childTnLst>
+                        <p:par>
+                          <p:cTn id="4" fill="hold">
+                            <p:stCondLst>
+                              <p:cond delay="0"/>
+                            </p:stCondLst>
+                            <p:childTnLst>
+                              <p:par>
+                                <p:cTn id="5" presetID="2" presetClass="entr" presetSubtype="4" fill="hold" grpId="0" nodeType="clickEffect">
+                                  <p:stCondLst>
+                                    <p:cond delay="0"/>
+                                  </p:stCondLst>
+                                  <p:childTnLst>
+                                    <p:set>
+                                      <p:cBhvr>
+                                        <p:cTn id="6" dur="1" fill="hold">
+                                          <p:stCondLst>
+                                            <p:cond delay="0"/>
+                                          </p:stCondLst>
+                                        </p:cTn>
+                                        <p:tgtEl>
+                                          <p:spTgt spid="3">
+                                            <p:txEl>
+                                              <p:pRg st="2" end="2"/>
+                                            </p:txEl>
+                                          </p:spTgt>
+                                        </p:tgtEl>
+                                        <p:attrNameLst>
+                                          <p:attrName>style.visibility</p:attrName>
+                                        </p:attrNameLst>
+                                      </p:cBhvr>
+                                      <p:to>
+                                        <p:strVal val="visible"/>
+                                      </p:to>
+                                    </p:set>
+                                    <p:anim calcmode="lin" valueType="num">
+                                      <p:cBhvr additive="base">
+                                        <p:cTn id="7" dur="500" fill="hold"/>
+                                        <p:tgtEl>
+                                          <p:spTgt spid="3">
+                                            <p:txEl>
+                                              <p:pRg st="2" end="2"/>
+                                            </p:txEl>
+                                          </p:spTgt>
+                                        </p:tgtEl>
+                                        <p:attrNameLst>
+                                          <p:attrName>ppt_x</p:attrName>
+                                        </p:attrNameLst>
+                                      </p:cBhvr>
+                                      <p:tavLst>
+                                        <p:tav tm="0">
+                                          <p:val>
+                                            <p:strVal val="#ppt_x"/>
+                                          </p:val>
+                                        </p:tav>
+                                        <p:tav tm="100000">
+                                          <p:val>
+                                            <p:strVal val="#ppt_x"/>
+                                          </p:val>
+                                        </p:tav>
+                                      </p:tavLst>
+                                    </p:anim>
+                                    <p:anim calcmode="lin" valueType="num">
+                                      <p:cBhvr additive="base">
+                                        <p:cTn id="8" dur="500" fill="hold"/>
+                                        <p:tgtEl>
+                                          <p:spTgt spid="3">
+                                            <p:txEl>
+                                              <p:pRg st="2" end="2"/>
+                                            </p:txEl>
+                                          </p:spTgt>
+                                        </p:tgtEl>
+                                        <p:attrNameLst>
+                                          <p:attrName>ppt_y</p:attrName>
+                                        </p:attrNameLst>
+                                      </p:cBhvr>
+                                      <p:tavLst>
+                                        <p:tav tm="0">
+                                          <p:val>
+                                            <p:strVal val="1+#ppt_h/2"/>
+                                          </p:val>
+                                        </p:tav>
+                                        <p:tav tm="100000">
+                                          <p:val>
+                                            <p:strVal val="#ppt_y"/>
+                                          </p:val>
+                                        </p:tav>
+                                      </p:tavLst>
+                                    </p:anim>
+                                  </p:childTnLst>
+                                </p:cTn>
+                              </p:par>
+                            </p:childTnLst>
+                          </p:cTn>
+                        </p:par>
+                      </p:childTnLst>
+                    </p:cTn>
+                  </p:par>
+                  <p:par>
+                    <p:cTn id="9" fill="hold">
+                      <p:stCondLst>
+                        <p:cond delay="indefinite"/>
+                      </p:stCondLst>
+                      <p:childTnLst>
+                        <p:par>
+                          <p:cTn id="10" fill="hold">
+                            <p:stCondLst>
+                              <p:cond delay="0"/>
+                            </p:stCondLst>
+                            <p:childTnLst>
+                              <p:par>
+                                <p:cTn id="11" presetID="2" presetClass="entr" presetSubtype="4" fill="hold" grpId="0" nodeType="clickEffect">
+                                  <p:stCondLst>
+                                    <p:cond delay="0"/>
+                                  </p:stCondLst>
+                                  <p:childTnLst>
+                                    <p:set>
+                                      <p:cBhvr>
+                                        <p:cTn id="12" dur="1" fill="hold">
+                                          <p:stCondLst>
+                                            <p:cond delay="0"/>
+                                          </p:stCondLst>
+                                        </p:cTn>
+                                        <p:tgtEl>
+                                          <p:spTgt spid="3">
+                                            <p:txEl>
+                                              <p:pRg st="3" end="3"/>
+                                            </p:txEl>
+                                          </p:spTgt>
+                                        </p:tgtEl>
+                                        <p:attrNameLst>
+                                          <p:attrName>style.visibility</p:attrName>
+                                        </p:attrNameLst>
+                                      </p:cBhvr>
+                                      <p:to>
+                                        <p:strVal val="visible"/>
+                                      </p:to>
+                                    </p:set>
+                                    <p:anim calcmode="lin" valueType="num">
+                                      <p:cBhvr additive="base">
+                                        <p:cTn id="13" dur="500" fill="hold"/>
+                                        <p:tgtEl>
+                                          <p:spTgt spid="3">
+                                            <p:txEl>
+                                              <p:pRg st="3" end="3"/>
+                                            </p:txEl>
+                                          </p:spTgt>
+                                        </p:tgtEl>
+                                        <p:attrNameLst>
+                                          <p:attrName>ppt_x</p:attrName>
+                                        </p:attrNameLst>
+                                      </p:cBhvr>
+                                      <p:tavLst>
+                                        <p:tav tm="0">
+                                          <p:val>
+                                            <p:strVal val="#ppt_x"/>
+                                          </p:val>
+                                        </p:tav>
+                                        <p:tav tm="100000">
+                                          <p:val>
+                                            <p:strVal val="#ppt_x"/>
+                                          </p:val>
+                                        </p:tav>
+                                      </p:tavLst>
+                                    </p:anim>
+                                    <p:anim calcmode="lin" valueType="num">
+                                      <p:cBhvr additive="base">
+                                        <p:cTn id="14" dur="500" fill="hold"/>
+                                        <p:tgtEl>
+                                          <p:spTgt spid="3">
+                                            <p:txEl>
+                                              <p:pRg st="3" end="3"/>
+                                            </p:txEl>
+                                          </p:spTgt>
+                                        </p:tgtEl>
+                                        <p:attrNameLst>
+                                          <p:attrName>ppt_y</p:attrName>
+                                        </p:attrNameLst>
+                                      </p:cBhvr>
+                                      <p:tavLst>
+                                        <p:tav tm="0">
+                                          <p:val>
+                                            <p:strVal val="1+#ppt_h/2"/>
+                                          </p:val>
+                                        </p:tav>
+                                        <p:tav tm="100000">
+                                          <p:val>
+                                            <p:strVal val="#ppt_y"/>
+                                          </p:val>
+                                        </p:tav>
+                                      </p:tavLst>
+                                    </p:anim>
+                                  </p:childTnLst>
+                                </p:cTn>
+                              </p:par>
+                            </p:childTnLst>
+                          </p:cTn>
+                        </p:par>
+                      </p:childTnLst>
+                    </p:cTn>
+                  </p:par>
+                  <p:par>
+                    <p:cTn id="15" fill="hold">
+                      <p:stCondLst>
+                        <p:cond delay="indefinite"/>
+                      </p:stCondLst>
+                      <p:childTnLst>
+                        <p:par>
+                          <p:cTn id="16" fill="hold">
+                            <p:stCondLst>
+                              <p:cond delay="0"/>
+                            </p:stCondLst>
+                            <p:childTnLst>
+                              <p:par>
+                                <p:cTn id="17" presetID="2" presetClass="entr" presetSubtype="4" fill="hold" grpId="0" nodeType="clickEffect">
+                                  <p:stCondLst>
+                                    <p:cond delay="0"/>
+                                  </p:stCondLst>
+                                  <p:childTnLst>
+                                    <p:set>
+                                      <p:cBhvr>
+                                        <p:cTn id="18" dur="1" fill="hold">
+                                          <p:stCondLst>
+                                            <p:cond delay="0"/>
+                                          </p:stCondLst>
+                                        </p:cTn>
+                                        <p:tgtEl>
+                                          <p:spTgt spid="3">
+                                            <p:txEl>
+                                              <p:pRg st="4" end="4"/>
+                                            </p:txEl>
+                                          </p:spTgt>
+                                        </p:tgtEl>
+                                        <p:attrNameLst>
+                                          <p:attrName>style.visibility</p:attrName>
+                                        </p:attrNameLst>
+                                      </p:cBhvr>
+                                      <p:to>
+                                        <p:strVal val="visible"/>
+                                      </p:to>
+                                    </p:set>
+                                    <p:anim calcmode="lin" valueType="num">
+                                      <p:cBhvr additive="base">
+                                        <p:cTn id="19" dur="500" fill="hold"/>
+                                        <p:tgtEl>
+                                          <p:spTgt spid="3">
+                                            <p:txEl>
+                                              <p:pRg st="4" end="4"/>
+                                            </p:txEl>
+                                          </p:spTgt>
+                                        </p:tgtEl>
+                                        <p:attrNameLst>
+                                          <p:attrName>ppt_x</p:attrName>
+                                        </p:attrNameLst>
+                                      </p:cBhvr>
+                                      <p:tavLst>
+                                        <p:tav tm="0">
+                                          <p:val>
+                                            <p:strVal val="#ppt_x"/>
+                                          </p:val>
+                                        </p:tav>
+                                        <p:tav tm="100000">
+                                          <p:val>
+                                            <p:strVal val="#ppt_x"/>
+                                          </p:val>
+                                        </p:tav>
+                                      </p:tavLst>
+                                    </p:anim>
+                                    <p:anim calcmode="lin" valueType="num">
+                                      <p:cBhvr additive="base">
+                                        <p:cTn id="20" dur="500" fill="hold"/>
+                                        <p:tgtEl>
+                                          <p:spTgt spid="3">
+                                            <p:txEl>
+                                              <p:pRg st="4" end="4"/>
+                                            </p:txEl>
+                                          </p:spTgt>
+                                        </p:tgtEl>
+                                        <p:attrNameLst>
+                                          <p:attrName>ppt_y</p:attrName>
+                                        </p:attrNameLst>
+                                      </p:cBhvr>
+                                      <p:tavLst>
+                                        <p:tav tm="0">
+                                          <p:val>
+                                            <p:strVal val="1+#ppt_h/2"/>
+                                          </p:val>
+                                        </p:tav>
+                                        <p:tav tm="100000">
+                                          <p:val>
+                                            <p:strVal val="#ppt_y"/>
+                                          </p:val>
+                                        </p:tav>
+                                      </p:tavLst>
+                                    </p:anim>
+                                  </p:childTnLst>
+                                </p:cTn>
+                              </p:par>
+                            </p:childTnLst>
+                          </p:cTn>
+                        </p:par>
+                      </p:childTnLst>
+                    </p:cTn>
+                  </p:par>
+                  <p:par>
+                    <p:cTn id="21" fill="hold">
+                      <p:stCondLst>
+                        <p:cond delay="indefinite"/>
+                      </p:stCondLst>
+                      <p:childTnLst>
+                        <p:par>
+                          <p:cTn id="22" fill="hold">
+                            <p:stCondLst>
+                              <p:cond delay="0"/>
+                            </p:stCondLst>
+                            <p:childTnLst>
+                              <p:par>
+                                <p:cTn id="23" presetID="2" presetClass="entr" presetSubtype="4" fill="hold" grpId="0" nodeType="clickEffect">
+                                  <p:stCondLst>
+                                    <p:cond delay="0"/>
+                                  </p:stCondLst>
+                                  <p:childTnLst>
+                                    <p:set>
+                                      <p:cBhvr>
+                                        <p:cTn id="24" dur="1" fill="hold">
+                                          <p:stCondLst>
+                                            <p:cond delay="0"/>
+                                          </p:stCondLst>
+                                        </p:cTn>
+                                        <p:tgtEl>
+                                          <p:spTgt spid="3">
+                                            <p:txEl>
+                                              <p:pRg st="5" end="5"/>
+                                            </p:txEl>
+                                          </p:spTgt>
+                                        </p:tgtEl>
+                                        <p:attrNameLst>
+                                          <p:attrName>style.visibility</p:attrName>
+                                        </p:attrNameLst>
+                                      </p:cBhvr>
+                                      <p:to>
+                                        <p:strVal val="visible"/>
+                                      </p:to>
+                                    </p:set>
+                                    <p:anim calcmode="lin" valueType="num">
+                                      <p:cBhvr additive="base">
+                                        <p:cTn id="25" dur="500" fill="hold"/>
+                                        <p:tgtEl>
+                                          <p:spTgt spid="3">
+                                            <p:txEl>
+                                              <p:pRg st="5" end="5"/>
+                                            </p:txEl>
+                                          </p:spTgt>
+                                        </p:tgtEl>
+                                        <p:attrNameLst>
+                                          <p:attrName>ppt_x</p:attrName>
+                                        </p:attrNameLst>
+                                      </p:cBhvr>
+                                      <p:tavLst>
+                                        <p:tav tm="0">
+                                          <p:val>
+                                            <p:strVal val="#ppt_x"/>
+                                          </p:val>
+                                        </p:tav>
+                                        <p:tav tm="100000">
+                                          <p:val>
+                                            <p:strVal val="#ppt_x"/>
+                                          </p:val>
+                                        </p:tav>
+                                      </p:tavLst>
+                                    </p:anim>
+                                    <p:anim calcmode="lin" valueType="num">
+                                      <p:cBhvr additive="base">
+                                        <p:cTn id="26" dur="500" fill="hold"/>
+                                        <p:tgtEl>
+                                          <p:spTgt spid="3">
+                                            <p:txEl>
+                                              <p:pRg st="5" end="5"/>
+                                            </p:txEl>
+                                          </p:spTgt>
+                                        </p:tgtEl>
+                                        <p:attrNameLst>
+                                          <p:attrName>ppt_y</p:attrName>
+                                        </p:attrNameLst>
+                                      </p:cBhvr>
+                                      <p:tavLst>
+                                        <p:tav tm="0">
+                                          <p:val>
+                                            <p:strVal val="1+#ppt_h/2"/>
+                                          </p:val>
+                                        </p:tav>
+                                        <p:tav tm="100000">
+                                          <p:val>
+                                            <p:strVal val="#ppt_y"/>
+                                          </p:val>
+                                        </p:tav>
+                                      </p:tavLst>
+                                    </p:anim>
+                                  </p:childTnLst>
+                                </p:cTn>
+                              </p:par>
+                            </p:childTnLst>
+                          </p:cTn>
+                        </p:par>
+                      </p:childTnLst>
+                    </p:cTn>
+                  </p:par>
+                  <p:par>
+                    <p:cTn id="27" fill="hold">
+                      <p:stCondLst>
+                        <p:cond delay="indefinite"/>
+                      </p:stCondLst>
+                      <p:childTnLst>
+                        <p:par>
+                          <p:cTn id="28" fill="hold">
+                            <p:stCondLst>
+                              <p:cond delay="0"/>
+                            </p:stCondLst>
+                            <p:childTnLst>
+                              <p:par>
+                                <p:cTn id="29" presetID="2" presetClass="entr" presetSubtype="4" fill="hold" grpId="0" nodeType="clickEffect">
+                                  <p:stCondLst>
+                                    <p:cond delay="0"/>
+                                  </p:stCondLst>
+                                  <p:childTnLst>
+                                    <p:set>
+                                      <p:cBhvr>
+                                        <p:cTn id="30" dur="1" fill="hold">
+                                          <p:stCondLst>
+                                            <p:cond delay="0"/>
+                                          </p:stCondLst>
+                                        </p:cTn>
+                                        <p:tgtEl>
+                                          <p:spTgt spid="3">
+                                            <p:txEl>
+                                              <p:pRg st="6" end="6"/>
+                                            </p:txEl>
+                                          </p:spTgt>
+                                        </p:tgtEl>
+                                        <p:attrNameLst>
+                                          <p:attrName>style.visibility</p:attrName>
+                                        </p:attrNameLst>
+                                      </p:cBhvr>
+                                      <p:to>
+                                        <p:strVal val="visible"/>
+                                      </p:to>
+                                    </p:set>
+                                    <p:anim calcmode="lin" valueType="num">
+                                      <p:cBhvr additive="base">
+                                        <p:cTn id="31" dur="500" fill="hold"/>
+                                        <p:tgtEl>
+                                          <p:spTgt spid="3">
+                                            <p:txEl>
+                                              <p:pRg st="6" end="6"/>
+                                            </p:txEl>
+                                          </p:spTgt>
+                                        </p:tgtEl>
+                                        <p:attrNameLst>
+                                          <p:attrName>ppt_x</p:attrName>
+                                        </p:attrNameLst>
+                                      </p:cBhvr>
+                                      <p:tavLst>
+                                        <p:tav tm="0">
+                                          <p:val>
+                                            <p:strVal val="#ppt_x"/>
+                                          </p:val>
+                                        </p:tav>
+                                        <p:tav tm="100000">
+                                          <p:val>
+                                            <p:strVal val="#ppt_x"/>
+                                          </p:val>
+                                        </p:tav>
+                                      </p:tavLst>
+                                    </p:anim>
+                                    <p:anim calcmode="lin" valueType="num">
+                                      <p:cBhvr additive="base">
+                                        <p:cTn id="32" dur="500" fill="hold"/>
+                                        <p:tgtEl>
+                                          <p:spTgt spid="3">
+                                            <p:txEl>
+                                              <p:pRg st="6" end="6"/>
+                                            </p:txEl>
+                                          </p:spTgt>
+                                        </p:tgtEl>
+                                        <p:attrNameLst>
+                                          <p:attrName>ppt_y</p:attrName>
+                                        </p:attrNameLst>
+                                      </p:cBhvr>
+                                      <p:tavLst>
+                                        <p:tav tm="0">
+                                          <p:val>
+                                            <p:strVal val="1+#ppt_h/2"/>
+                                          </p:val>
+                                        </p:tav>
+                                        <p:tav tm="100000">
+                                          <p:val>
+                                            <p:strVal val="#ppt_y"/>
+                                          </p:val>
+                                        </p:tav>
+                                      </p:tavLst>
+                                    </p:anim>
+                                  </p:childTnLst>
+                                </p:cTn>
+                              </p:par>
+                            </p:childTnLst>
+                          </p:cTn>
+                        </p:par>
+                      </p:childTnLst>
+                    </p:cTn>
+                  </p:par>
+                  <p:par>
+                    <p:cTn id="33" fill="hold">
+                      <p:stCondLst>
+                        <p:cond delay="indefinite"/>
+                      </p:stCondLst>
+                      <p:childTnLst>
+                        <p:par>
+                          <p:cTn id="34" fill="hold">
+                            <p:stCondLst>
+                              <p:cond delay="0"/>
+                            </p:stCondLst>
+                            <p:childTnLst>
+                              <p:par>
+                                <p:cTn id="35" presetID="2" presetClass="entr" presetSubtype="4" fill="hold" grpId="0" nodeType="clickEffect">
+                                  <p:stCondLst>
+                                    <p:cond delay="0"/>
+                                  </p:stCondLst>
+                                  <p:childTnLst>
+                                    <p:set>
+                                      <p:cBhvr>
+                                        <p:cTn id="36" dur="1" fill="hold">
+                                          <p:stCondLst>
+                                            <p:cond delay="0"/>
+                                          </p:stCondLst>
+                                        </p:cTn>
+                                        <p:tgtEl>
+                                          <p:spTgt spid="3">
+                                            <p:txEl>
+                                              <p:pRg st="7" end="7"/>
+                                            </p:txEl>
+                                          </p:spTgt>
+                                        </p:tgtEl>
+                                        <p:attrNameLst>
+                                          <p:attrName>style.visibility</p:attrName>
+                                        </p:attrNameLst>
+                                      </p:cBhvr>
+                                      <p:to>
+                                        <p:strVal val="visible"/>
+                                      </p:to>
+                                    </p:set>
+                                    <p:anim calcmode="lin" valueType="num">
+                                      <p:cBhvr additive="base">
+                                        <p:cTn id="37" dur="500" fill="hold"/>
+                                        <p:tgtEl>
+                                          <p:spTgt spid="3">
+                                            <p:txEl>
+                                              <p:pRg st="7" end="7"/>
+                                            </p:txEl>
+                                          </p:spTgt>
+                                        </p:tgtEl>
+                                        <p:attrNameLst>
+                                          <p:attrName>ppt_x</p:attrName>
+                                        </p:attrNameLst>
+                                      </p:cBhvr>
+                                      <p:tavLst>
+                                        <p:tav tm="0">
+                                          <p:val>
+                                            <p:strVal val="#ppt_x"/>
+                                          </p:val>
+                                        </p:tav>
+                                        <p:tav tm="100000">
+                                          <p:val>
+                                            <p:strVal val="#ppt_x"/>
+                                          </p:val>
+                                        </p:tav>
+                                      </p:tavLst>
+                                    </p:anim>
+                                    <p:anim calcmode="lin" valueType="num">
+                                      <p:cBhvr additive="base">
+                                        <p:cTn id="38" dur="500" fill="hold"/>
+                                        <p:tgtEl>
+                                          <p:spTgt spid="3">
+                                            <p:txEl>
+                                              <p:pRg st="7" end="7"/>
+                                            </p:txEl>
+                                          </p:spTgt>
+                                        </p:tgtEl>
+                                        <p:attrNameLst>
+                                          <p:attrName>ppt_y</p:attrName>
+                                        </p:attrNameLst>
+                                      </p:cBhvr>
+                                      <p:tavLst>
+                                        <p:tav tm="0">
+                                          <p:val>
+                                            <p:strVal val="1+#ppt_h/2"/>
+                                          </p:val>
+                                        </p:tav>
+                                        <p:tav tm="100000">
+                                          <p:val>
+                                            <p:strVal val="#ppt_y"/>
+                                          </p:val>
+                                        </p:tav>
+                                      </p:tavLst>
+                                    </p:anim>
+                                  </p:childTnLst>
+                                </p:cTn>
+                              </p:par>
+                            </p:childTnLst>
+                          </p:cTn>
+                        </p:par>
+                      </p:childTnLst>
+                    </p:cTn>
+                  </p:par>
+                  <p:par>
+                    <p:cTn id="39" fill="hold">
+                      <p:stCondLst>
+                        <p:cond delay="indefinite"/>
+                      </p:stCondLst>
+                      <p:childTnLst>
+                        <p:par>
+                          <p:cTn id="40" fill="hold">
+                            <p:stCondLst>
+                              <p:cond delay="0"/>
+                            </p:stCondLst>
+                            <p:childTnLst>
+                              <p:par>
+                                <p:cTn id="41" presetID="2" presetClass="entr" presetSubtype="4" fill="hold" grpId="0" nodeType="clickEffect">
+                                  <p:stCondLst>
+                                    <p:cond delay="0"/>
+                                  </p:stCondLst>
+                                  <p:childTnLst>
+                                    <p:set>
+                                      <p:cBhvr>
+                                        <p:cTn id="42" dur="1" fill="hold">
+                                          <p:stCondLst>
+                                            <p:cond delay="0"/>
+                                          </p:stCondLst>
+                                        </p:cTn>
+                                        <p:tgtEl>
+                                          <p:spTgt spid="3">
+                                            <p:txEl>
+                                              <p:pRg st="8" end="8"/>
+                                            </p:txEl>
+                                          </p:spTgt>
+                                        </p:tgtEl>
+                                        <p:attrNameLst>
+                                          <p:attrName>style.visibility</p:attrName>
+                                        </p:attrNameLst>
+                                      </p:cBhvr>
+                                      <p:to>
+                                        <p:strVal val="visible"/>
+                                      </p:to>
+                                    </p:set>
+                                    <p:anim calcmode="lin" valueType="num">
+                                      <p:cBhvr additive="base">
+                                        <p:cTn id="43" dur="500" fill="hold"/>
+                                        <p:tgtEl>
+                                          <p:spTgt spid="3">
+                                            <p:txEl>
+                                              <p:pRg st="8" end="8"/>
+                                            </p:txEl>
+                                          </p:spTgt>
+                                        </p:tgtEl>
+                                        <p:attrNameLst>
+                                          <p:attrName>ppt_x</p:attrName>
+                                        </p:attrNameLst>
+                                      </p:cBhvr>
+                                      <p:tavLst>
+                                        <p:tav tm="0">
+                                          <p:val>
+                                            <p:strVal val="#ppt_x"/>
+                                          </p:val>
+                                        </p:tav>
+                                        <p:tav tm="100000">
+                                          <p:val>
+                                            <p:strVal val="#ppt_x"/>
+                                          </p:val>
+                                        </p:tav>
+                                      </p:tavLst>
+                                    </p:anim>
+                                    <p:anim calcmode="lin" valueType="num">
+                                      <p:cBhvr additive="base">
+                                        <p:cTn id="44" dur="500" fill="hold"/>
+                                        <p:tgtEl>
+                                          <p:spTgt spid="3">
+                                            <p:txEl>
+                                              <p:pRg st="8" end="8"/>
+                                            </p:txEl>
+                                          </p:spTgt>
+                                        </p:tgtEl>
+                                        <p:attrNameLst>
+                                          <p:attrName>ppt_y</p:attrName>
+                                        </p:attrNameLst>
+                                      </p:cBhvr>
+                                      <p:tavLst>
+                                        <p:tav tm="0">
+                                          <p:val>
+                                            <p:strVal val="1+#ppt_h/2"/>
+                                          </p:val>
+                                        </p:tav>
+                                        <p:tav tm="100000">
+                                          <p:val>
+                                            <p:strVal val="#ppt_y"/>
+                                          </p:val>
+                                        </p:tav>
+                                      </p:tavLst>
+                                    </p:anim>
+                                  </p:childTnLst>
+                                </p:cTn>
+                              </p:par>
+                            </p:childTnLst>
+                          </p:cTn>
+                        </p:par>
+                      </p:childTnLst>
+                    </p:cTn>
+                  </p:par>
+                </p:childTnLst>
+              </p:cTn>
+              <p:prevCondLst>
+                <p:cond evt="onPrev" delay="0">
+                  <p:tgtEl>
+                    <p:sldTgt/>
+                  </p:tgtEl>
+                </p:cond>
+              </p:prevCondLst>
+              <p:nextCondLst>
+                <p:cond evt="onNext" delay="0">
+                  <p:tgtEl>
+                    <p:sldTgt/>
+                  </p:tgtEl>
+                </p:cond>
+              </p:nextCondLst>
+            </p:seq>
+          </p:childTnLst>
+        </p:cTn>
+      </p:par>
+    </p:tnLst>
+    <p:bldLst>
+      <p:bldP spid="3" grpId="0" build="p"/>
+    </p:bldLst>
+  </p:timing>
 </p:sld>
 </file>
 
-<file path=ppt/slides/slide16.xml><?xml version="1.0" encoding="utf-8"?>
+<file path=ppt/slides/slide17.xml><?xml version="1.0" encoding="utf-8"?>
+<p:sld xmlns:a="http://schemas.openxmlformats.org/drawingml/2006/main" xmlns:r="http://schemas.openxmlformats.org/officeDocument/2006/relationships" xmlns:p="http://schemas.openxmlformats.org/presentationml/2006/main">
+  <p:cSld>
+    <p:spTree>
+      <p:nvGrpSpPr>
+        <p:cNvPr id="1" name=""/>
+        <p:cNvGrpSpPr/>
+        <p:nvPr/>
+      </p:nvGrpSpPr>
+      <p:grpSpPr>
+        <a:xfrm>
+          <a:off x="0" y="0"/>
+          <a:ext cx="0" cy="0"/>
+          <a:chOff x="0" y="0"/>
+          <a:chExt cx="0" cy="0"/>
+        </a:xfrm>
+      </p:grpSpPr>
+      <p:sp>
+        <p:nvSpPr>
+          <p:cNvPr id="2" name="Nadpis 1">
+            <a:extLst>
+              <a:ext uri="{FF2B5EF4-FFF2-40B4-BE49-F238E27FC236}">
+                <a16:creationId xmlns:a16="http://schemas.microsoft.com/office/drawing/2014/main" id="{F30457EB-DB57-BE0F-63B6-D0076A5F3F24}"/>
+              </a:ext>
+            </a:extLst>
+          </p:cNvPr>
+          <p:cNvSpPr>
+            <a:spLocks noGrp="1"/>
+          </p:cNvSpPr>
+          <p:nvPr>
+            <p:ph type="title"/>
+          </p:nvPr>
+        </p:nvSpPr>
+        <p:spPr/>
+        <p:txBody>
+          <a:bodyPr/>
+          <a:lstStyle/>
+          <a:p>
+            <a:r>
+              <a:rPr lang="cs-CZ" dirty="0"/>
+              <a:t>Na co si dávat pozor!</a:t>
+            </a:r>
+          </a:p>
+        </p:txBody>
+      </p:sp>
+      <p:pic>
+        <p:nvPicPr>
+          <p:cNvPr id="5" name="Zástupný obsah 4" descr="Obsah obrázku snímek obrazovky, kreslené, Animace, hračka&#10;&#10;Popis byl vytvořen automaticky">
+            <a:extLst>
+              <a:ext uri="{FF2B5EF4-FFF2-40B4-BE49-F238E27FC236}">
+                <a16:creationId xmlns:a16="http://schemas.microsoft.com/office/drawing/2014/main" id="{55972E26-DA39-A523-E7F8-7C413E389ACD}"/>
+              </a:ext>
+            </a:extLst>
+          </p:cNvPr>
+          <p:cNvPicPr>
+            <a:picLocks noGrp="1" noChangeAspect="1"/>
+          </p:cNvPicPr>
+          <p:nvPr>
+            <p:ph idx="1"/>
+          </p:nvPr>
+        </p:nvPicPr>
+        <p:blipFill>
+          <a:blip r:embed="rId2">
+            <a:extLst>
+              <a:ext uri="{28A0092B-C50C-407E-A947-70E740481C1C}">
+                <a14:useLocalDpi xmlns:a14="http://schemas.microsoft.com/office/drawing/2010/main" val="0"/>
+              </a:ext>
+            </a:extLst>
+          </a:blip>
+          <a:stretch>
+            <a:fillRect/>
+          </a:stretch>
+        </p:blipFill>
+        <p:spPr>
+          <a:xfrm>
+            <a:off x="6791151" y="162057"/>
+            <a:ext cx="4298608" cy="6533885"/>
+          </a:xfrm>
+        </p:spPr>
+      </p:pic>
+    </p:spTree>
+    <p:extLst>
+      <p:ext uri="{BB962C8B-B14F-4D97-AF65-F5344CB8AC3E}">
+        <p14:creationId xmlns:p14="http://schemas.microsoft.com/office/powerpoint/2010/main" val="1183527881"/>
+      </p:ext>
+    </p:extLst>
+  </p:cSld>
+  <p:clrMapOvr>
+    <a:masterClrMapping/>
+  </p:clrMapOvr>
+</p:sld>
+</file>
+
+<file path=ppt/slides/slide18.xml><?xml version="1.0" encoding="utf-8"?>
 <p:sld xmlns:a="http://schemas.openxmlformats.org/drawingml/2006/main" xmlns:r="http://schemas.openxmlformats.org/officeDocument/2006/relationships" xmlns:p="http://schemas.openxmlformats.org/presentationml/2006/main">
   <p:cSld>
     <p:spTree>
@@ -5301,10 +7532,1073 @@
   <p:clrMapOvr>
     <a:masterClrMapping/>
   </p:clrMapOvr>
+  <p:timing>
+    <p:tnLst>
+      <p:par>
+        <p:cTn id="1" dur="indefinite" restart="never" nodeType="tmRoot">
+          <p:childTnLst>
+            <p:seq concurrent="1" nextAc="seek">
+              <p:cTn id="2" dur="indefinite" nodeType="mainSeq">
+                <p:childTnLst>
+                  <p:par>
+                    <p:cTn id="3" fill="hold">
+                      <p:stCondLst>
+                        <p:cond delay="indefinite"/>
+                      </p:stCondLst>
+                      <p:childTnLst>
+                        <p:par>
+                          <p:cTn id="4" fill="hold">
+                            <p:stCondLst>
+                              <p:cond delay="0"/>
+                            </p:stCondLst>
+                            <p:childTnLst>
+                              <p:par>
+                                <p:cTn id="5" presetID="2" presetClass="entr" presetSubtype="4" fill="hold" grpId="0" nodeType="clickEffect">
+                                  <p:stCondLst>
+                                    <p:cond delay="0"/>
+                                  </p:stCondLst>
+                                  <p:childTnLst>
+                                    <p:set>
+                                      <p:cBhvr>
+                                        <p:cTn id="6" dur="1" fill="hold">
+                                          <p:stCondLst>
+                                            <p:cond delay="0"/>
+                                          </p:stCondLst>
+                                        </p:cTn>
+                                        <p:tgtEl>
+                                          <p:spTgt spid="3">
+                                            <p:txEl>
+                                              <p:pRg st="0" end="0"/>
+                                            </p:txEl>
+                                          </p:spTgt>
+                                        </p:tgtEl>
+                                        <p:attrNameLst>
+                                          <p:attrName>style.visibility</p:attrName>
+                                        </p:attrNameLst>
+                                      </p:cBhvr>
+                                      <p:to>
+                                        <p:strVal val="visible"/>
+                                      </p:to>
+                                    </p:set>
+                                    <p:anim calcmode="lin" valueType="num">
+                                      <p:cBhvr additive="base">
+                                        <p:cTn id="7" dur="500" fill="hold"/>
+                                        <p:tgtEl>
+                                          <p:spTgt spid="3">
+                                            <p:txEl>
+                                              <p:pRg st="0" end="0"/>
+                                            </p:txEl>
+                                          </p:spTgt>
+                                        </p:tgtEl>
+                                        <p:attrNameLst>
+                                          <p:attrName>ppt_x</p:attrName>
+                                        </p:attrNameLst>
+                                      </p:cBhvr>
+                                      <p:tavLst>
+                                        <p:tav tm="0">
+                                          <p:val>
+                                            <p:strVal val="#ppt_x"/>
+                                          </p:val>
+                                        </p:tav>
+                                        <p:tav tm="100000">
+                                          <p:val>
+                                            <p:strVal val="#ppt_x"/>
+                                          </p:val>
+                                        </p:tav>
+                                      </p:tavLst>
+                                    </p:anim>
+                                    <p:anim calcmode="lin" valueType="num">
+                                      <p:cBhvr additive="base">
+                                        <p:cTn id="8" dur="500" fill="hold"/>
+                                        <p:tgtEl>
+                                          <p:spTgt spid="3">
+                                            <p:txEl>
+                                              <p:pRg st="0" end="0"/>
+                                            </p:txEl>
+                                          </p:spTgt>
+                                        </p:tgtEl>
+                                        <p:attrNameLst>
+                                          <p:attrName>ppt_y</p:attrName>
+                                        </p:attrNameLst>
+                                      </p:cBhvr>
+                                      <p:tavLst>
+                                        <p:tav tm="0">
+                                          <p:val>
+                                            <p:strVal val="1+#ppt_h/2"/>
+                                          </p:val>
+                                        </p:tav>
+                                        <p:tav tm="100000">
+                                          <p:val>
+                                            <p:strVal val="#ppt_y"/>
+                                          </p:val>
+                                        </p:tav>
+                                      </p:tavLst>
+                                    </p:anim>
+                                  </p:childTnLst>
+                                </p:cTn>
+                              </p:par>
+                            </p:childTnLst>
+                          </p:cTn>
+                        </p:par>
+                      </p:childTnLst>
+                    </p:cTn>
+                  </p:par>
+                  <p:par>
+                    <p:cTn id="9" fill="hold">
+                      <p:stCondLst>
+                        <p:cond delay="indefinite"/>
+                      </p:stCondLst>
+                      <p:childTnLst>
+                        <p:par>
+                          <p:cTn id="10" fill="hold">
+                            <p:stCondLst>
+                              <p:cond delay="0"/>
+                            </p:stCondLst>
+                            <p:childTnLst>
+                              <p:par>
+                                <p:cTn id="11" presetID="2" presetClass="entr" presetSubtype="4" fill="hold" grpId="0" nodeType="clickEffect">
+                                  <p:stCondLst>
+                                    <p:cond delay="0"/>
+                                  </p:stCondLst>
+                                  <p:childTnLst>
+                                    <p:set>
+                                      <p:cBhvr>
+                                        <p:cTn id="12" dur="1" fill="hold">
+                                          <p:stCondLst>
+                                            <p:cond delay="0"/>
+                                          </p:stCondLst>
+                                        </p:cTn>
+                                        <p:tgtEl>
+                                          <p:spTgt spid="3">
+                                            <p:txEl>
+                                              <p:pRg st="1" end="1"/>
+                                            </p:txEl>
+                                          </p:spTgt>
+                                        </p:tgtEl>
+                                        <p:attrNameLst>
+                                          <p:attrName>style.visibility</p:attrName>
+                                        </p:attrNameLst>
+                                      </p:cBhvr>
+                                      <p:to>
+                                        <p:strVal val="visible"/>
+                                      </p:to>
+                                    </p:set>
+                                    <p:anim calcmode="lin" valueType="num">
+                                      <p:cBhvr additive="base">
+                                        <p:cTn id="13" dur="500" fill="hold"/>
+                                        <p:tgtEl>
+                                          <p:spTgt spid="3">
+                                            <p:txEl>
+                                              <p:pRg st="1" end="1"/>
+                                            </p:txEl>
+                                          </p:spTgt>
+                                        </p:tgtEl>
+                                        <p:attrNameLst>
+                                          <p:attrName>ppt_x</p:attrName>
+                                        </p:attrNameLst>
+                                      </p:cBhvr>
+                                      <p:tavLst>
+                                        <p:tav tm="0">
+                                          <p:val>
+                                            <p:strVal val="#ppt_x"/>
+                                          </p:val>
+                                        </p:tav>
+                                        <p:tav tm="100000">
+                                          <p:val>
+                                            <p:strVal val="#ppt_x"/>
+                                          </p:val>
+                                        </p:tav>
+                                      </p:tavLst>
+                                    </p:anim>
+                                    <p:anim calcmode="lin" valueType="num">
+                                      <p:cBhvr additive="base">
+                                        <p:cTn id="14" dur="500" fill="hold"/>
+                                        <p:tgtEl>
+                                          <p:spTgt spid="3">
+                                            <p:txEl>
+                                              <p:pRg st="1" end="1"/>
+                                            </p:txEl>
+                                          </p:spTgt>
+                                        </p:tgtEl>
+                                        <p:attrNameLst>
+                                          <p:attrName>ppt_y</p:attrName>
+                                        </p:attrNameLst>
+                                      </p:cBhvr>
+                                      <p:tavLst>
+                                        <p:tav tm="0">
+                                          <p:val>
+                                            <p:strVal val="1+#ppt_h/2"/>
+                                          </p:val>
+                                        </p:tav>
+                                        <p:tav tm="100000">
+                                          <p:val>
+                                            <p:strVal val="#ppt_y"/>
+                                          </p:val>
+                                        </p:tav>
+                                      </p:tavLst>
+                                    </p:anim>
+                                  </p:childTnLst>
+                                </p:cTn>
+                              </p:par>
+                            </p:childTnLst>
+                          </p:cTn>
+                        </p:par>
+                      </p:childTnLst>
+                    </p:cTn>
+                  </p:par>
+                  <p:par>
+                    <p:cTn id="15" fill="hold">
+                      <p:stCondLst>
+                        <p:cond delay="indefinite"/>
+                      </p:stCondLst>
+                      <p:childTnLst>
+                        <p:par>
+                          <p:cTn id="16" fill="hold">
+                            <p:stCondLst>
+                              <p:cond delay="0"/>
+                            </p:stCondLst>
+                            <p:childTnLst>
+                              <p:par>
+                                <p:cTn id="17" presetID="2" presetClass="entr" presetSubtype="4" fill="hold" grpId="0" nodeType="clickEffect">
+                                  <p:stCondLst>
+                                    <p:cond delay="0"/>
+                                  </p:stCondLst>
+                                  <p:childTnLst>
+                                    <p:set>
+                                      <p:cBhvr>
+                                        <p:cTn id="18" dur="1" fill="hold">
+                                          <p:stCondLst>
+                                            <p:cond delay="0"/>
+                                          </p:stCondLst>
+                                        </p:cTn>
+                                        <p:tgtEl>
+                                          <p:spTgt spid="3">
+                                            <p:txEl>
+                                              <p:pRg st="2" end="2"/>
+                                            </p:txEl>
+                                          </p:spTgt>
+                                        </p:tgtEl>
+                                        <p:attrNameLst>
+                                          <p:attrName>style.visibility</p:attrName>
+                                        </p:attrNameLst>
+                                      </p:cBhvr>
+                                      <p:to>
+                                        <p:strVal val="visible"/>
+                                      </p:to>
+                                    </p:set>
+                                    <p:anim calcmode="lin" valueType="num">
+                                      <p:cBhvr additive="base">
+                                        <p:cTn id="19" dur="500" fill="hold"/>
+                                        <p:tgtEl>
+                                          <p:spTgt spid="3">
+                                            <p:txEl>
+                                              <p:pRg st="2" end="2"/>
+                                            </p:txEl>
+                                          </p:spTgt>
+                                        </p:tgtEl>
+                                        <p:attrNameLst>
+                                          <p:attrName>ppt_x</p:attrName>
+                                        </p:attrNameLst>
+                                      </p:cBhvr>
+                                      <p:tavLst>
+                                        <p:tav tm="0">
+                                          <p:val>
+                                            <p:strVal val="#ppt_x"/>
+                                          </p:val>
+                                        </p:tav>
+                                        <p:tav tm="100000">
+                                          <p:val>
+                                            <p:strVal val="#ppt_x"/>
+                                          </p:val>
+                                        </p:tav>
+                                      </p:tavLst>
+                                    </p:anim>
+                                    <p:anim calcmode="lin" valueType="num">
+                                      <p:cBhvr additive="base">
+                                        <p:cTn id="20" dur="500" fill="hold"/>
+                                        <p:tgtEl>
+                                          <p:spTgt spid="3">
+                                            <p:txEl>
+                                              <p:pRg st="2" end="2"/>
+                                            </p:txEl>
+                                          </p:spTgt>
+                                        </p:tgtEl>
+                                        <p:attrNameLst>
+                                          <p:attrName>ppt_y</p:attrName>
+                                        </p:attrNameLst>
+                                      </p:cBhvr>
+                                      <p:tavLst>
+                                        <p:tav tm="0">
+                                          <p:val>
+                                            <p:strVal val="1+#ppt_h/2"/>
+                                          </p:val>
+                                        </p:tav>
+                                        <p:tav tm="100000">
+                                          <p:val>
+                                            <p:strVal val="#ppt_y"/>
+                                          </p:val>
+                                        </p:tav>
+                                      </p:tavLst>
+                                    </p:anim>
+                                  </p:childTnLst>
+                                </p:cTn>
+                              </p:par>
+                            </p:childTnLst>
+                          </p:cTn>
+                        </p:par>
+                      </p:childTnLst>
+                    </p:cTn>
+                  </p:par>
+                  <p:par>
+                    <p:cTn id="21" fill="hold">
+                      <p:stCondLst>
+                        <p:cond delay="indefinite"/>
+                      </p:stCondLst>
+                      <p:childTnLst>
+                        <p:par>
+                          <p:cTn id="22" fill="hold">
+                            <p:stCondLst>
+                              <p:cond delay="0"/>
+                            </p:stCondLst>
+                            <p:childTnLst>
+                              <p:par>
+                                <p:cTn id="23" presetID="2" presetClass="entr" presetSubtype="4" fill="hold" grpId="0" nodeType="clickEffect">
+                                  <p:stCondLst>
+                                    <p:cond delay="0"/>
+                                  </p:stCondLst>
+                                  <p:childTnLst>
+                                    <p:set>
+                                      <p:cBhvr>
+                                        <p:cTn id="24" dur="1" fill="hold">
+                                          <p:stCondLst>
+                                            <p:cond delay="0"/>
+                                          </p:stCondLst>
+                                        </p:cTn>
+                                        <p:tgtEl>
+                                          <p:spTgt spid="3">
+                                            <p:txEl>
+                                              <p:pRg st="3" end="3"/>
+                                            </p:txEl>
+                                          </p:spTgt>
+                                        </p:tgtEl>
+                                        <p:attrNameLst>
+                                          <p:attrName>style.visibility</p:attrName>
+                                        </p:attrNameLst>
+                                      </p:cBhvr>
+                                      <p:to>
+                                        <p:strVal val="visible"/>
+                                      </p:to>
+                                    </p:set>
+                                    <p:anim calcmode="lin" valueType="num">
+                                      <p:cBhvr additive="base">
+                                        <p:cTn id="25" dur="500" fill="hold"/>
+                                        <p:tgtEl>
+                                          <p:spTgt spid="3">
+                                            <p:txEl>
+                                              <p:pRg st="3" end="3"/>
+                                            </p:txEl>
+                                          </p:spTgt>
+                                        </p:tgtEl>
+                                        <p:attrNameLst>
+                                          <p:attrName>ppt_x</p:attrName>
+                                        </p:attrNameLst>
+                                      </p:cBhvr>
+                                      <p:tavLst>
+                                        <p:tav tm="0">
+                                          <p:val>
+                                            <p:strVal val="#ppt_x"/>
+                                          </p:val>
+                                        </p:tav>
+                                        <p:tav tm="100000">
+                                          <p:val>
+                                            <p:strVal val="#ppt_x"/>
+                                          </p:val>
+                                        </p:tav>
+                                      </p:tavLst>
+                                    </p:anim>
+                                    <p:anim calcmode="lin" valueType="num">
+                                      <p:cBhvr additive="base">
+                                        <p:cTn id="26" dur="500" fill="hold"/>
+                                        <p:tgtEl>
+                                          <p:spTgt spid="3">
+                                            <p:txEl>
+                                              <p:pRg st="3" end="3"/>
+                                            </p:txEl>
+                                          </p:spTgt>
+                                        </p:tgtEl>
+                                        <p:attrNameLst>
+                                          <p:attrName>ppt_y</p:attrName>
+                                        </p:attrNameLst>
+                                      </p:cBhvr>
+                                      <p:tavLst>
+                                        <p:tav tm="0">
+                                          <p:val>
+                                            <p:strVal val="1+#ppt_h/2"/>
+                                          </p:val>
+                                        </p:tav>
+                                        <p:tav tm="100000">
+                                          <p:val>
+                                            <p:strVal val="#ppt_y"/>
+                                          </p:val>
+                                        </p:tav>
+                                      </p:tavLst>
+                                    </p:anim>
+                                  </p:childTnLst>
+                                </p:cTn>
+                              </p:par>
+                            </p:childTnLst>
+                          </p:cTn>
+                        </p:par>
+                      </p:childTnLst>
+                    </p:cTn>
+                  </p:par>
+                  <p:par>
+                    <p:cTn id="27" fill="hold">
+                      <p:stCondLst>
+                        <p:cond delay="indefinite"/>
+                      </p:stCondLst>
+                      <p:childTnLst>
+                        <p:par>
+                          <p:cTn id="28" fill="hold">
+                            <p:stCondLst>
+                              <p:cond delay="0"/>
+                            </p:stCondLst>
+                            <p:childTnLst>
+                              <p:par>
+                                <p:cTn id="29" presetID="2" presetClass="entr" presetSubtype="4" fill="hold" grpId="0" nodeType="clickEffect">
+                                  <p:stCondLst>
+                                    <p:cond delay="0"/>
+                                  </p:stCondLst>
+                                  <p:childTnLst>
+                                    <p:set>
+                                      <p:cBhvr>
+                                        <p:cTn id="30" dur="1" fill="hold">
+                                          <p:stCondLst>
+                                            <p:cond delay="0"/>
+                                          </p:stCondLst>
+                                        </p:cTn>
+                                        <p:tgtEl>
+                                          <p:spTgt spid="3">
+                                            <p:txEl>
+                                              <p:pRg st="4" end="4"/>
+                                            </p:txEl>
+                                          </p:spTgt>
+                                        </p:tgtEl>
+                                        <p:attrNameLst>
+                                          <p:attrName>style.visibility</p:attrName>
+                                        </p:attrNameLst>
+                                      </p:cBhvr>
+                                      <p:to>
+                                        <p:strVal val="visible"/>
+                                      </p:to>
+                                    </p:set>
+                                    <p:anim calcmode="lin" valueType="num">
+                                      <p:cBhvr additive="base">
+                                        <p:cTn id="31" dur="500" fill="hold"/>
+                                        <p:tgtEl>
+                                          <p:spTgt spid="3">
+                                            <p:txEl>
+                                              <p:pRg st="4" end="4"/>
+                                            </p:txEl>
+                                          </p:spTgt>
+                                        </p:tgtEl>
+                                        <p:attrNameLst>
+                                          <p:attrName>ppt_x</p:attrName>
+                                        </p:attrNameLst>
+                                      </p:cBhvr>
+                                      <p:tavLst>
+                                        <p:tav tm="0">
+                                          <p:val>
+                                            <p:strVal val="#ppt_x"/>
+                                          </p:val>
+                                        </p:tav>
+                                        <p:tav tm="100000">
+                                          <p:val>
+                                            <p:strVal val="#ppt_x"/>
+                                          </p:val>
+                                        </p:tav>
+                                      </p:tavLst>
+                                    </p:anim>
+                                    <p:anim calcmode="lin" valueType="num">
+                                      <p:cBhvr additive="base">
+                                        <p:cTn id="32" dur="500" fill="hold"/>
+                                        <p:tgtEl>
+                                          <p:spTgt spid="3">
+                                            <p:txEl>
+                                              <p:pRg st="4" end="4"/>
+                                            </p:txEl>
+                                          </p:spTgt>
+                                        </p:tgtEl>
+                                        <p:attrNameLst>
+                                          <p:attrName>ppt_y</p:attrName>
+                                        </p:attrNameLst>
+                                      </p:cBhvr>
+                                      <p:tavLst>
+                                        <p:tav tm="0">
+                                          <p:val>
+                                            <p:strVal val="1+#ppt_h/2"/>
+                                          </p:val>
+                                        </p:tav>
+                                        <p:tav tm="100000">
+                                          <p:val>
+                                            <p:strVal val="#ppt_y"/>
+                                          </p:val>
+                                        </p:tav>
+                                      </p:tavLst>
+                                    </p:anim>
+                                  </p:childTnLst>
+                                </p:cTn>
+                              </p:par>
+                            </p:childTnLst>
+                          </p:cTn>
+                        </p:par>
+                      </p:childTnLst>
+                    </p:cTn>
+                  </p:par>
+                  <p:par>
+                    <p:cTn id="33" fill="hold">
+                      <p:stCondLst>
+                        <p:cond delay="indefinite"/>
+                      </p:stCondLst>
+                      <p:childTnLst>
+                        <p:par>
+                          <p:cTn id="34" fill="hold">
+                            <p:stCondLst>
+                              <p:cond delay="0"/>
+                            </p:stCondLst>
+                            <p:childTnLst>
+                              <p:par>
+                                <p:cTn id="35" presetID="2" presetClass="entr" presetSubtype="4" fill="hold" grpId="0" nodeType="clickEffect">
+                                  <p:stCondLst>
+                                    <p:cond delay="0"/>
+                                  </p:stCondLst>
+                                  <p:childTnLst>
+                                    <p:set>
+                                      <p:cBhvr>
+                                        <p:cTn id="36" dur="1" fill="hold">
+                                          <p:stCondLst>
+                                            <p:cond delay="0"/>
+                                          </p:stCondLst>
+                                        </p:cTn>
+                                        <p:tgtEl>
+                                          <p:spTgt spid="3">
+                                            <p:txEl>
+                                              <p:pRg st="5" end="5"/>
+                                            </p:txEl>
+                                          </p:spTgt>
+                                        </p:tgtEl>
+                                        <p:attrNameLst>
+                                          <p:attrName>style.visibility</p:attrName>
+                                        </p:attrNameLst>
+                                      </p:cBhvr>
+                                      <p:to>
+                                        <p:strVal val="visible"/>
+                                      </p:to>
+                                    </p:set>
+                                    <p:anim calcmode="lin" valueType="num">
+                                      <p:cBhvr additive="base">
+                                        <p:cTn id="37" dur="500" fill="hold"/>
+                                        <p:tgtEl>
+                                          <p:spTgt spid="3">
+                                            <p:txEl>
+                                              <p:pRg st="5" end="5"/>
+                                            </p:txEl>
+                                          </p:spTgt>
+                                        </p:tgtEl>
+                                        <p:attrNameLst>
+                                          <p:attrName>ppt_x</p:attrName>
+                                        </p:attrNameLst>
+                                      </p:cBhvr>
+                                      <p:tavLst>
+                                        <p:tav tm="0">
+                                          <p:val>
+                                            <p:strVal val="#ppt_x"/>
+                                          </p:val>
+                                        </p:tav>
+                                        <p:tav tm="100000">
+                                          <p:val>
+                                            <p:strVal val="#ppt_x"/>
+                                          </p:val>
+                                        </p:tav>
+                                      </p:tavLst>
+                                    </p:anim>
+                                    <p:anim calcmode="lin" valueType="num">
+                                      <p:cBhvr additive="base">
+                                        <p:cTn id="38" dur="500" fill="hold"/>
+                                        <p:tgtEl>
+                                          <p:spTgt spid="3">
+                                            <p:txEl>
+                                              <p:pRg st="5" end="5"/>
+                                            </p:txEl>
+                                          </p:spTgt>
+                                        </p:tgtEl>
+                                        <p:attrNameLst>
+                                          <p:attrName>ppt_y</p:attrName>
+                                        </p:attrNameLst>
+                                      </p:cBhvr>
+                                      <p:tavLst>
+                                        <p:tav tm="0">
+                                          <p:val>
+                                            <p:strVal val="1+#ppt_h/2"/>
+                                          </p:val>
+                                        </p:tav>
+                                        <p:tav tm="100000">
+                                          <p:val>
+                                            <p:strVal val="#ppt_y"/>
+                                          </p:val>
+                                        </p:tav>
+                                      </p:tavLst>
+                                    </p:anim>
+                                  </p:childTnLst>
+                                </p:cTn>
+                              </p:par>
+                            </p:childTnLst>
+                          </p:cTn>
+                        </p:par>
+                      </p:childTnLst>
+                    </p:cTn>
+                  </p:par>
+                  <p:par>
+                    <p:cTn id="39" fill="hold">
+                      <p:stCondLst>
+                        <p:cond delay="indefinite"/>
+                      </p:stCondLst>
+                      <p:childTnLst>
+                        <p:par>
+                          <p:cTn id="40" fill="hold">
+                            <p:stCondLst>
+                              <p:cond delay="0"/>
+                            </p:stCondLst>
+                            <p:childTnLst>
+                              <p:par>
+                                <p:cTn id="41" presetID="2" presetClass="entr" presetSubtype="4" fill="hold" grpId="0" nodeType="clickEffect">
+                                  <p:stCondLst>
+                                    <p:cond delay="0"/>
+                                  </p:stCondLst>
+                                  <p:childTnLst>
+                                    <p:set>
+                                      <p:cBhvr>
+                                        <p:cTn id="42" dur="1" fill="hold">
+                                          <p:stCondLst>
+                                            <p:cond delay="0"/>
+                                          </p:stCondLst>
+                                        </p:cTn>
+                                        <p:tgtEl>
+                                          <p:spTgt spid="3">
+                                            <p:txEl>
+                                              <p:pRg st="6" end="6"/>
+                                            </p:txEl>
+                                          </p:spTgt>
+                                        </p:tgtEl>
+                                        <p:attrNameLst>
+                                          <p:attrName>style.visibility</p:attrName>
+                                        </p:attrNameLst>
+                                      </p:cBhvr>
+                                      <p:to>
+                                        <p:strVal val="visible"/>
+                                      </p:to>
+                                    </p:set>
+                                    <p:anim calcmode="lin" valueType="num">
+                                      <p:cBhvr additive="base">
+                                        <p:cTn id="43" dur="500" fill="hold"/>
+                                        <p:tgtEl>
+                                          <p:spTgt spid="3">
+                                            <p:txEl>
+                                              <p:pRg st="6" end="6"/>
+                                            </p:txEl>
+                                          </p:spTgt>
+                                        </p:tgtEl>
+                                        <p:attrNameLst>
+                                          <p:attrName>ppt_x</p:attrName>
+                                        </p:attrNameLst>
+                                      </p:cBhvr>
+                                      <p:tavLst>
+                                        <p:tav tm="0">
+                                          <p:val>
+                                            <p:strVal val="#ppt_x"/>
+                                          </p:val>
+                                        </p:tav>
+                                        <p:tav tm="100000">
+                                          <p:val>
+                                            <p:strVal val="#ppt_x"/>
+                                          </p:val>
+                                        </p:tav>
+                                      </p:tavLst>
+                                    </p:anim>
+                                    <p:anim calcmode="lin" valueType="num">
+                                      <p:cBhvr additive="base">
+                                        <p:cTn id="44" dur="500" fill="hold"/>
+                                        <p:tgtEl>
+                                          <p:spTgt spid="3">
+                                            <p:txEl>
+                                              <p:pRg st="6" end="6"/>
+                                            </p:txEl>
+                                          </p:spTgt>
+                                        </p:tgtEl>
+                                        <p:attrNameLst>
+                                          <p:attrName>ppt_y</p:attrName>
+                                        </p:attrNameLst>
+                                      </p:cBhvr>
+                                      <p:tavLst>
+                                        <p:tav tm="0">
+                                          <p:val>
+                                            <p:strVal val="1+#ppt_h/2"/>
+                                          </p:val>
+                                        </p:tav>
+                                        <p:tav tm="100000">
+                                          <p:val>
+                                            <p:strVal val="#ppt_y"/>
+                                          </p:val>
+                                        </p:tav>
+                                      </p:tavLst>
+                                    </p:anim>
+                                  </p:childTnLst>
+                                </p:cTn>
+                              </p:par>
+                            </p:childTnLst>
+                          </p:cTn>
+                        </p:par>
+                      </p:childTnLst>
+                    </p:cTn>
+                  </p:par>
+                  <p:par>
+                    <p:cTn id="45" fill="hold">
+                      <p:stCondLst>
+                        <p:cond delay="indefinite"/>
+                      </p:stCondLst>
+                      <p:childTnLst>
+                        <p:par>
+                          <p:cTn id="46" fill="hold">
+                            <p:stCondLst>
+                              <p:cond delay="0"/>
+                            </p:stCondLst>
+                            <p:childTnLst>
+                              <p:par>
+                                <p:cTn id="47" presetID="2" presetClass="entr" presetSubtype="4" fill="hold" grpId="0" nodeType="clickEffect">
+                                  <p:stCondLst>
+                                    <p:cond delay="0"/>
+                                  </p:stCondLst>
+                                  <p:childTnLst>
+                                    <p:set>
+                                      <p:cBhvr>
+                                        <p:cTn id="48" dur="1" fill="hold">
+                                          <p:stCondLst>
+                                            <p:cond delay="0"/>
+                                          </p:stCondLst>
+                                        </p:cTn>
+                                        <p:tgtEl>
+                                          <p:spTgt spid="3">
+                                            <p:txEl>
+                                              <p:pRg st="7" end="7"/>
+                                            </p:txEl>
+                                          </p:spTgt>
+                                        </p:tgtEl>
+                                        <p:attrNameLst>
+                                          <p:attrName>style.visibility</p:attrName>
+                                        </p:attrNameLst>
+                                      </p:cBhvr>
+                                      <p:to>
+                                        <p:strVal val="visible"/>
+                                      </p:to>
+                                    </p:set>
+                                    <p:anim calcmode="lin" valueType="num">
+                                      <p:cBhvr additive="base">
+                                        <p:cTn id="49" dur="500" fill="hold"/>
+                                        <p:tgtEl>
+                                          <p:spTgt spid="3">
+                                            <p:txEl>
+                                              <p:pRg st="7" end="7"/>
+                                            </p:txEl>
+                                          </p:spTgt>
+                                        </p:tgtEl>
+                                        <p:attrNameLst>
+                                          <p:attrName>ppt_x</p:attrName>
+                                        </p:attrNameLst>
+                                      </p:cBhvr>
+                                      <p:tavLst>
+                                        <p:tav tm="0">
+                                          <p:val>
+                                            <p:strVal val="#ppt_x"/>
+                                          </p:val>
+                                        </p:tav>
+                                        <p:tav tm="100000">
+                                          <p:val>
+                                            <p:strVal val="#ppt_x"/>
+                                          </p:val>
+                                        </p:tav>
+                                      </p:tavLst>
+                                    </p:anim>
+                                    <p:anim calcmode="lin" valueType="num">
+                                      <p:cBhvr additive="base">
+                                        <p:cTn id="50" dur="500" fill="hold"/>
+                                        <p:tgtEl>
+                                          <p:spTgt spid="3">
+                                            <p:txEl>
+                                              <p:pRg st="7" end="7"/>
+                                            </p:txEl>
+                                          </p:spTgt>
+                                        </p:tgtEl>
+                                        <p:attrNameLst>
+                                          <p:attrName>ppt_y</p:attrName>
+                                        </p:attrNameLst>
+                                      </p:cBhvr>
+                                      <p:tavLst>
+                                        <p:tav tm="0">
+                                          <p:val>
+                                            <p:strVal val="1+#ppt_h/2"/>
+                                          </p:val>
+                                        </p:tav>
+                                        <p:tav tm="100000">
+                                          <p:val>
+                                            <p:strVal val="#ppt_y"/>
+                                          </p:val>
+                                        </p:tav>
+                                      </p:tavLst>
+                                    </p:anim>
+                                  </p:childTnLst>
+                                </p:cTn>
+                              </p:par>
+                            </p:childTnLst>
+                          </p:cTn>
+                        </p:par>
+                      </p:childTnLst>
+                    </p:cTn>
+                  </p:par>
+                  <p:par>
+                    <p:cTn id="51" fill="hold">
+                      <p:stCondLst>
+                        <p:cond delay="indefinite"/>
+                      </p:stCondLst>
+                      <p:childTnLst>
+                        <p:par>
+                          <p:cTn id="52" fill="hold">
+                            <p:stCondLst>
+                              <p:cond delay="0"/>
+                            </p:stCondLst>
+                            <p:childTnLst>
+                              <p:par>
+                                <p:cTn id="53" presetID="2" presetClass="entr" presetSubtype="4" fill="hold" grpId="0" nodeType="clickEffect">
+                                  <p:stCondLst>
+                                    <p:cond delay="0"/>
+                                  </p:stCondLst>
+                                  <p:childTnLst>
+                                    <p:set>
+                                      <p:cBhvr>
+                                        <p:cTn id="54" dur="1" fill="hold">
+                                          <p:stCondLst>
+                                            <p:cond delay="0"/>
+                                          </p:stCondLst>
+                                        </p:cTn>
+                                        <p:tgtEl>
+                                          <p:spTgt spid="3">
+                                            <p:txEl>
+                                              <p:pRg st="8" end="8"/>
+                                            </p:txEl>
+                                          </p:spTgt>
+                                        </p:tgtEl>
+                                        <p:attrNameLst>
+                                          <p:attrName>style.visibility</p:attrName>
+                                        </p:attrNameLst>
+                                      </p:cBhvr>
+                                      <p:to>
+                                        <p:strVal val="visible"/>
+                                      </p:to>
+                                    </p:set>
+                                    <p:anim calcmode="lin" valueType="num">
+                                      <p:cBhvr additive="base">
+                                        <p:cTn id="55" dur="500" fill="hold"/>
+                                        <p:tgtEl>
+                                          <p:spTgt spid="3">
+                                            <p:txEl>
+                                              <p:pRg st="8" end="8"/>
+                                            </p:txEl>
+                                          </p:spTgt>
+                                        </p:tgtEl>
+                                        <p:attrNameLst>
+                                          <p:attrName>ppt_x</p:attrName>
+                                        </p:attrNameLst>
+                                      </p:cBhvr>
+                                      <p:tavLst>
+                                        <p:tav tm="0">
+                                          <p:val>
+                                            <p:strVal val="#ppt_x"/>
+                                          </p:val>
+                                        </p:tav>
+                                        <p:tav tm="100000">
+                                          <p:val>
+                                            <p:strVal val="#ppt_x"/>
+                                          </p:val>
+                                        </p:tav>
+                                      </p:tavLst>
+                                    </p:anim>
+                                    <p:anim calcmode="lin" valueType="num">
+                                      <p:cBhvr additive="base">
+                                        <p:cTn id="56" dur="500" fill="hold"/>
+                                        <p:tgtEl>
+                                          <p:spTgt spid="3">
+                                            <p:txEl>
+                                              <p:pRg st="8" end="8"/>
+                                            </p:txEl>
+                                          </p:spTgt>
+                                        </p:tgtEl>
+                                        <p:attrNameLst>
+                                          <p:attrName>ppt_y</p:attrName>
+                                        </p:attrNameLst>
+                                      </p:cBhvr>
+                                      <p:tavLst>
+                                        <p:tav tm="0">
+                                          <p:val>
+                                            <p:strVal val="1+#ppt_h/2"/>
+                                          </p:val>
+                                        </p:tav>
+                                        <p:tav tm="100000">
+                                          <p:val>
+                                            <p:strVal val="#ppt_y"/>
+                                          </p:val>
+                                        </p:tav>
+                                      </p:tavLst>
+                                    </p:anim>
+                                  </p:childTnLst>
+                                </p:cTn>
+                              </p:par>
+                            </p:childTnLst>
+                          </p:cTn>
+                        </p:par>
+                      </p:childTnLst>
+                    </p:cTn>
+                  </p:par>
+                  <p:par>
+                    <p:cTn id="57" fill="hold">
+                      <p:stCondLst>
+                        <p:cond delay="indefinite"/>
+                      </p:stCondLst>
+                      <p:childTnLst>
+                        <p:par>
+                          <p:cTn id="58" fill="hold">
+                            <p:stCondLst>
+                              <p:cond delay="0"/>
+                            </p:stCondLst>
+                            <p:childTnLst>
+                              <p:par>
+                                <p:cTn id="59" presetID="2" presetClass="entr" presetSubtype="4" fill="hold" grpId="0" nodeType="clickEffect">
+                                  <p:stCondLst>
+                                    <p:cond delay="0"/>
+                                  </p:stCondLst>
+                                  <p:childTnLst>
+                                    <p:set>
+                                      <p:cBhvr>
+                                        <p:cTn id="60" dur="1" fill="hold">
+                                          <p:stCondLst>
+                                            <p:cond delay="0"/>
+                                          </p:stCondLst>
+                                        </p:cTn>
+                                        <p:tgtEl>
+                                          <p:spTgt spid="3">
+                                            <p:txEl>
+                                              <p:pRg st="9" end="9"/>
+                                            </p:txEl>
+                                          </p:spTgt>
+                                        </p:tgtEl>
+                                        <p:attrNameLst>
+                                          <p:attrName>style.visibility</p:attrName>
+                                        </p:attrNameLst>
+                                      </p:cBhvr>
+                                      <p:to>
+                                        <p:strVal val="visible"/>
+                                      </p:to>
+                                    </p:set>
+                                    <p:anim calcmode="lin" valueType="num">
+                                      <p:cBhvr additive="base">
+                                        <p:cTn id="61" dur="500" fill="hold"/>
+                                        <p:tgtEl>
+                                          <p:spTgt spid="3">
+                                            <p:txEl>
+                                              <p:pRg st="9" end="9"/>
+                                            </p:txEl>
+                                          </p:spTgt>
+                                        </p:tgtEl>
+                                        <p:attrNameLst>
+                                          <p:attrName>ppt_x</p:attrName>
+                                        </p:attrNameLst>
+                                      </p:cBhvr>
+                                      <p:tavLst>
+                                        <p:tav tm="0">
+                                          <p:val>
+                                            <p:strVal val="#ppt_x"/>
+                                          </p:val>
+                                        </p:tav>
+                                        <p:tav tm="100000">
+                                          <p:val>
+                                            <p:strVal val="#ppt_x"/>
+                                          </p:val>
+                                        </p:tav>
+                                      </p:tavLst>
+                                    </p:anim>
+                                    <p:anim calcmode="lin" valueType="num">
+                                      <p:cBhvr additive="base">
+                                        <p:cTn id="62" dur="500" fill="hold"/>
+                                        <p:tgtEl>
+                                          <p:spTgt spid="3">
+                                            <p:txEl>
+                                              <p:pRg st="9" end="9"/>
+                                            </p:txEl>
+                                          </p:spTgt>
+                                        </p:tgtEl>
+                                        <p:attrNameLst>
+                                          <p:attrName>ppt_y</p:attrName>
+                                        </p:attrNameLst>
+                                      </p:cBhvr>
+                                      <p:tavLst>
+                                        <p:tav tm="0">
+                                          <p:val>
+                                            <p:strVal val="1+#ppt_h/2"/>
+                                          </p:val>
+                                        </p:tav>
+                                        <p:tav tm="100000">
+                                          <p:val>
+                                            <p:strVal val="#ppt_y"/>
+                                          </p:val>
+                                        </p:tav>
+                                      </p:tavLst>
+                                    </p:anim>
+                                  </p:childTnLst>
+                                </p:cTn>
+                              </p:par>
+                            </p:childTnLst>
+                          </p:cTn>
+                        </p:par>
+                      </p:childTnLst>
+                    </p:cTn>
+                  </p:par>
+                </p:childTnLst>
+              </p:cTn>
+              <p:prevCondLst>
+                <p:cond evt="onPrev" delay="0">
+                  <p:tgtEl>
+                    <p:sldTgt/>
+                  </p:tgtEl>
+                </p:cond>
+              </p:prevCondLst>
+              <p:nextCondLst>
+                <p:cond evt="onNext" delay="0">
+                  <p:tgtEl>
+                    <p:sldTgt/>
+                  </p:tgtEl>
+                </p:cond>
+              </p:nextCondLst>
+            </p:seq>
+          </p:childTnLst>
+        </p:cTn>
+      </p:par>
+    </p:tnLst>
+    <p:bldLst>
+      <p:bldP spid="3" grpId="0" build="p"/>
+    </p:bldLst>
+  </p:timing>
 </p:sld>
 </file>
 
-<file path=ppt/slides/slide17.xml><?xml version="1.0" encoding="utf-8"?>
+<file path=ppt/slides/slide19.xml><?xml version="1.0" encoding="utf-8"?>
 <p:sld xmlns:a="http://schemas.openxmlformats.org/drawingml/2006/main" xmlns:r="http://schemas.openxmlformats.org/officeDocument/2006/relationships" xmlns:p="http://schemas.openxmlformats.org/presentationml/2006/main">
   <p:cSld>
     <p:spTree>
@@ -5591,8 +8885,8 @@
         </p:blipFill>
         <p:spPr>
           <a:xfrm>
-            <a:off x="4438862" y="1825625"/>
-            <a:ext cx="3314276" cy="4351338"/>
+            <a:off x="6946373" y="706331"/>
+            <a:ext cx="4407427" cy="5786544"/>
           </a:xfrm>
         </p:spPr>
       </p:pic>
@@ -5648,9 +8942,10 @@
           <a:lstStyle/>
           <a:p>
             <a:r>
-              <a:rPr lang="cs-CZ" dirty="0"/>
+              <a:rPr lang="cs-CZ"/>
               <a:t>Základní principy programování</a:t>
             </a:r>
+            <a:endParaRPr lang="cs-CZ" dirty="0"/>
           </a:p>
         </p:txBody>
       </p:sp>
@@ -5704,6 +8999,348 @@
   <p:clrMapOvr>
     <a:masterClrMapping/>
   </p:clrMapOvr>
+  <p:timing>
+    <p:tnLst>
+      <p:par>
+        <p:cTn id="1" dur="indefinite" restart="never" nodeType="tmRoot">
+          <p:childTnLst>
+            <p:seq concurrent="1" nextAc="seek">
+              <p:cTn id="2" dur="indefinite" nodeType="mainSeq">
+                <p:childTnLst>
+                  <p:par>
+                    <p:cTn id="3" fill="hold">
+                      <p:stCondLst>
+                        <p:cond delay="indefinite"/>
+                      </p:stCondLst>
+                      <p:childTnLst>
+                        <p:par>
+                          <p:cTn id="4" fill="hold">
+                            <p:stCondLst>
+                              <p:cond delay="0"/>
+                            </p:stCondLst>
+                            <p:childTnLst>
+                              <p:par>
+                                <p:cTn id="5" presetID="2" presetClass="entr" presetSubtype="4" fill="hold" grpId="0" nodeType="clickEffect">
+                                  <p:stCondLst>
+                                    <p:cond delay="0"/>
+                                  </p:stCondLst>
+                                  <p:childTnLst>
+                                    <p:set>
+                                      <p:cBhvr>
+                                        <p:cTn id="6" dur="1" fill="hold">
+                                          <p:stCondLst>
+                                            <p:cond delay="0"/>
+                                          </p:stCondLst>
+                                        </p:cTn>
+                                        <p:tgtEl>
+                                          <p:spTgt spid="3">
+                                            <p:txEl>
+                                              <p:pRg st="0" end="0"/>
+                                            </p:txEl>
+                                          </p:spTgt>
+                                        </p:tgtEl>
+                                        <p:attrNameLst>
+                                          <p:attrName>style.visibility</p:attrName>
+                                        </p:attrNameLst>
+                                      </p:cBhvr>
+                                      <p:to>
+                                        <p:strVal val="visible"/>
+                                      </p:to>
+                                    </p:set>
+                                    <p:anim calcmode="lin" valueType="num">
+                                      <p:cBhvr additive="base">
+                                        <p:cTn id="7" dur="500" fill="hold"/>
+                                        <p:tgtEl>
+                                          <p:spTgt spid="3">
+                                            <p:txEl>
+                                              <p:pRg st="0" end="0"/>
+                                            </p:txEl>
+                                          </p:spTgt>
+                                        </p:tgtEl>
+                                        <p:attrNameLst>
+                                          <p:attrName>ppt_x</p:attrName>
+                                        </p:attrNameLst>
+                                      </p:cBhvr>
+                                      <p:tavLst>
+                                        <p:tav tm="0">
+                                          <p:val>
+                                            <p:strVal val="#ppt_x"/>
+                                          </p:val>
+                                        </p:tav>
+                                        <p:tav tm="100000">
+                                          <p:val>
+                                            <p:strVal val="#ppt_x"/>
+                                          </p:val>
+                                        </p:tav>
+                                      </p:tavLst>
+                                    </p:anim>
+                                    <p:anim calcmode="lin" valueType="num">
+                                      <p:cBhvr additive="base">
+                                        <p:cTn id="8" dur="500" fill="hold"/>
+                                        <p:tgtEl>
+                                          <p:spTgt spid="3">
+                                            <p:txEl>
+                                              <p:pRg st="0" end="0"/>
+                                            </p:txEl>
+                                          </p:spTgt>
+                                        </p:tgtEl>
+                                        <p:attrNameLst>
+                                          <p:attrName>ppt_y</p:attrName>
+                                        </p:attrNameLst>
+                                      </p:cBhvr>
+                                      <p:tavLst>
+                                        <p:tav tm="0">
+                                          <p:val>
+                                            <p:strVal val="1+#ppt_h/2"/>
+                                          </p:val>
+                                        </p:tav>
+                                        <p:tav tm="100000">
+                                          <p:val>
+                                            <p:strVal val="#ppt_y"/>
+                                          </p:val>
+                                        </p:tav>
+                                      </p:tavLst>
+                                    </p:anim>
+                                  </p:childTnLst>
+                                </p:cTn>
+                              </p:par>
+                            </p:childTnLst>
+                          </p:cTn>
+                        </p:par>
+                      </p:childTnLst>
+                    </p:cTn>
+                  </p:par>
+                  <p:par>
+                    <p:cTn id="9" fill="hold">
+                      <p:stCondLst>
+                        <p:cond delay="indefinite"/>
+                      </p:stCondLst>
+                      <p:childTnLst>
+                        <p:par>
+                          <p:cTn id="10" fill="hold">
+                            <p:stCondLst>
+                              <p:cond delay="0"/>
+                            </p:stCondLst>
+                            <p:childTnLst>
+                              <p:par>
+                                <p:cTn id="11" presetID="2" presetClass="entr" presetSubtype="4" fill="hold" grpId="0" nodeType="clickEffect">
+                                  <p:stCondLst>
+                                    <p:cond delay="0"/>
+                                  </p:stCondLst>
+                                  <p:childTnLst>
+                                    <p:set>
+                                      <p:cBhvr>
+                                        <p:cTn id="12" dur="1" fill="hold">
+                                          <p:stCondLst>
+                                            <p:cond delay="0"/>
+                                          </p:stCondLst>
+                                        </p:cTn>
+                                        <p:tgtEl>
+                                          <p:spTgt spid="3">
+                                            <p:txEl>
+                                              <p:pRg st="1" end="1"/>
+                                            </p:txEl>
+                                          </p:spTgt>
+                                        </p:tgtEl>
+                                        <p:attrNameLst>
+                                          <p:attrName>style.visibility</p:attrName>
+                                        </p:attrNameLst>
+                                      </p:cBhvr>
+                                      <p:to>
+                                        <p:strVal val="visible"/>
+                                      </p:to>
+                                    </p:set>
+                                    <p:anim calcmode="lin" valueType="num">
+                                      <p:cBhvr additive="base">
+                                        <p:cTn id="13" dur="500" fill="hold"/>
+                                        <p:tgtEl>
+                                          <p:spTgt spid="3">
+                                            <p:txEl>
+                                              <p:pRg st="1" end="1"/>
+                                            </p:txEl>
+                                          </p:spTgt>
+                                        </p:tgtEl>
+                                        <p:attrNameLst>
+                                          <p:attrName>ppt_x</p:attrName>
+                                        </p:attrNameLst>
+                                      </p:cBhvr>
+                                      <p:tavLst>
+                                        <p:tav tm="0">
+                                          <p:val>
+                                            <p:strVal val="#ppt_x"/>
+                                          </p:val>
+                                        </p:tav>
+                                        <p:tav tm="100000">
+                                          <p:val>
+                                            <p:strVal val="#ppt_x"/>
+                                          </p:val>
+                                        </p:tav>
+                                      </p:tavLst>
+                                    </p:anim>
+                                    <p:anim calcmode="lin" valueType="num">
+                                      <p:cBhvr additive="base">
+                                        <p:cTn id="14" dur="500" fill="hold"/>
+                                        <p:tgtEl>
+                                          <p:spTgt spid="3">
+                                            <p:txEl>
+                                              <p:pRg st="1" end="1"/>
+                                            </p:txEl>
+                                          </p:spTgt>
+                                        </p:tgtEl>
+                                        <p:attrNameLst>
+                                          <p:attrName>ppt_y</p:attrName>
+                                        </p:attrNameLst>
+                                      </p:cBhvr>
+                                      <p:tavLst>
+                                        <p:tav tm="0">
+                                          <p:val>
+                                            <p:strVal val="1+#ppt_h/2"/>
+                                          </p:val>
+                                        </p:tav>
+                                        <p:tav tm="100000">
+                                          <p:val>
+                                            <p:strVal val="#ppt_y"/>
+                                          </p:val>
+                                        </p:tav>
+                                      </p:tavLst>
+                                    </p:anim>
+                                  </p:childTnLst>
+                                </p:cTn>
+                              </p:par>
+                            </p:childTnLst>
+                          </p:cTn>
+                        </p:par>
+                      </p:childTnLst>
+                    </p:cTn>
+                  </p:par>
+                  <p:par>
+                    <p:cTn id="15" fill="hold">
+                      <p:stCondLst>
+                        <p:cond delay="indefinite"/>
+                      </p:stCondLst>
+                      <p:childTnLst>
+                        <p:par>
+                          <p:cTn id="16" fill="hold">
+                            <p:stCondLst>
+                              <p:cond delay="0"/>
+                            </p:stCondLst>
+                            <p:childTnLst>
+                              <p:par>
+                                <p:cTn id="17" presetID="2" presetClass="entr" presetSubtype="4" fill="hold" grpId="0" nodeType="clickEffect">
+                                  <p:stCondLst>
+                                    <p:cond delay="0"/>
+                                  </p:stCondLst>
+                                  <p:childTnLst>
+                                    <p:set>
+                                      <p:cBhvr>
+                                        <p:cTn id="18" dur="1" fill="hold">
+                                          <p:stCondLst>
+                                            <p:cond delay="0"/>
+                                          </p:stCondLst>
+                                        </p:cTn>
+                                        <p:tgtEl>
+                                          <p:spTgt spid="3">
+                                            <p:txEl>
+                                              <p:pRg st="2" end="2"/>
+                                            </p:txEl>
+                                          </p:spTgt>
+                                        </p:tgtEl>
+                                        <p:attrNameLst>
+                                          <p:attrName>style.visibility</p:attrName>
+                                        </p:attrNameLst>
+                                      </p:cBhvr>
+                                      <p:to>
+                                        <p:strVal val="visible"/>
+                                      </p:to>
+                                    </p:set>
+                                    <p:anim calcmode="lin" valueType="num">
+                                      <p:cBhvr additive="base">
+                                        <p:cTn id="19" dur="500" fill="hold"/>
+                                        <p:tgtEl>
+                                          <p:spTgt spid="3">
+                                            <p:txEl>
+                                              <p:pRg st="2" end="2"/>
+                                            </p:txEl>
+                                          </p:spTgt>
+                                        </p:tgtEl>
+                                        <p:attrNameLst>
+                                          <p:attrName>ppt_x</p:attrName>
+                                        </p:attrNameLst>
+                                      </p:cBhvr>
+                                      <p:tavLst>
+                                        <p:tav tm="0">
+                                          <p:val>
+                                            <p:strVal val="#ppt_x"/>
+                                          </p:val>
+                                        </p:tav>
+                                        <p:tav tm="100000">
+                                          <p:val>
+                                            <p:strVal val="#ppt_x"/>
+                                          </p:val>
+                                        </p:tav>
+                                      </p:tavLst>
+                                    </p:anim>
+                                    <p:anim calcmode="lin" valueType="num">
+                                      <p:cBhvr additive="base">
+                                        <p:cTn id="20" dur="500" fill="hold"/>
+                                        <p:tgtEl>
+                                          <p:spTgt spid="3">
+                                            <p:txEl>
+                                              <p:pRg st="2" end="2"/>
+                                            </p:txEl>
+                                          </p:spTgt>
+                                        </p:tgtEl>
+                                        <p:attrNameLst>
+                                          <p:attrName>ppt_y</p:attrName>
+                                        </p:attrNameLst>
+                                      </p:cBhvr>
+                                      <p:tavLst>
+                                        <p:tav tm="0">
+                                          <p:val>
+                                            <p:strVal val="1+#ppt_h/2"/>
+                                          </p:val>
+                                        </p:tav>
+                                        <p:tav tm="100000">
+                                          <p:val>
+                                            <p:strVal val="#ppt_y"/>
+                                          </p:val>
+                                        </p:tav>
+                                      </p:tavLst>
+                                    </p:anim>
+                                  </p:childTnLst>
+                                </p:cTn>
+                              </p:par>
+                            </p:childTnLst>
+                          </p:cTn>
+                        </p:par>
+                      </p:childTnLst>
+                    </p:cTn>
+                  </p:par>
+                </p:childTnLst>
+              </p:cTn>
+              <p:prevCondLst>
+                <p:cond evt="onPrev" delay="0">
+                  <p:tgtEl>
+                    <p:sldTgt/>
+                  </p:tgtEl>
+                </p:cond>
+              </p:prevCondLst>
+              <p:nextCondLst>
+                <p:cond evt="onNext" delay="0">
+                  <p:tgtEl>
+                    <p:sldTgt/>
+                  </p:tgtEl>
+                </p:cond>
+              </p:nextCondLst>
+            </p:seq>
+          </p:childTnLst>
+        </p:cTn>
+      </p:par>
+    </p:tnLst>
+    <p:bldLst>
+      <p:bldP spid="3" grpId="0" build="p"/>
+    </p:bldLst>
+  </p:timing>
 </p:sld>
 </file>
 
@@ -6087,6 +9724,533 @@
   <p:clrMapOvr>
     <a:masterClrMapping/>
   </p:clrMapOvr>
+  <p:timing>
+    <p:tnLst>
+      <p:par>
+        <p:cTn id="1" dur="indefinite" restart="never" nodeType="tmRoot">
+          <p:childTnLst>
+            <p:seq concurrent="1" nextAc="seek">
+              <p:cTn id="2" dur="indefinite" nodeType="mainSeq">
+                <p:childTnLst>
+                  <p:par>
+                    <p:cTn id="3" fill="hold">
+                      <p:stCondLst>
+                        <p:cond delay="indefinite"/>
+                      </p:stCondLst>
+                      <p:childTnLst>
+                        <p:par>
+                          <p:cTn id="4" fill="hold">
+                            <p:stCondLst>
+                              <p:cond delay="0"/>
+                            </p:stCondLst>
+                            <p:childTnLst>
+                              <p:par>
+                                <p:cTn id="5" presetID="2" presetClass="entr" presetSubtype="4" fill="hold" grpId="0" nodeType="clickEffect">
+                                  <p:stCondLst>
+                                    <p:cond delay="0"/>
+                                  </p:stCondLst>
+                                  <p:childTnLst>
+                                    <p:set>
+                                      <p:cBhvr>
+                                        <p:cTn id="6" dur="1" fill="hold">
+                                          <p:stCondLst>
+                                            <p:cond delay="0"/>
+                                          </p:stCondLst>
+                                        </p:cTn>
+                                        <p:tgtEl>
+                                          <p:spTgt spid="6"/>
+                                        </p:tgtEl>
+                                        <p:attrNameLst>
+                                          <p:attrName>style.visibility</p:attrName>
+                                        </p:attrNameLst>
+                                      </p:cBhvr>
+                                      <p:to>
+                                        <p:strVal val="visible"/>
+                                      </p:to>
+                                    </p:set>
+                                    <p:anim calcmode="lin" valueType="num">
+                                      <p:cBhvr additive="base">
+                                        <p:cTn id="7" dur="500" fill="hold"/>
+                                        <p:tgtEl>
+                                          <p:spTgt spid="6"/>
+                                        </p:tgtEl>
+                                        <p:attrNameLst>
+                                          <p:attrName>ppt_x</p:attrName>
+                                        </p:attrNameLst>
+                                      </p:cBhvr>
+                                      <p:tavLst>
+                                        <p:tav tm="0">
+                                          <p:val>
+                                            <p:strVal val="#ppt_x"/>
+                                          </p:val>
+                                        </p:tav>
+                                        <p:tav tm="100000">
+                                          <p:val>
+                                            <p:strVal val="#ppt_x"/>
+                                          </p:val>
+                                        </p:tav>
+                                      </p:tavLst>
+                                    </p:anim>
+                                    <p:anim calcmode="lin" valueType="num">
+                                      <p:cBhvr additive="base">
+                                        <p:cTn id="8" dur="500" fill="hold"/>
+                                        <p:tgtEl>
+                                          <p:spTgt spid="6"/>
+                                        </p:tgtEl>
+                                        <p:attrNameLst>
+                                          <p:attrName>ppt_y</p:attrName>
+                                        </p:attrNameLst>
+                                      </p:cBhvr>
+                                      <p:tavLst>
+                                        <p:tav tm="0">
+                                          <p:val>
+                                            <p:strVal val="1+#ppt_h/2"/>
+                                          </p:val>
+                                        </p:tav>
+                                        <p:tav tm="100000">
+                                          <p:val>
+                                            <p:strVal val="#ppt_y"/>
+                                          </p:val>
+                                        </p:tav>
+                                      </p:tavLst>
+                                    </p:anim>
+                                  </p:childTnLst>
+                                </p:cTn>
+                              </p:par>
+                              <p:par>
+                                <p:cTn id="9" presetID="2" presetClass="entr" presetSubtype="4" fill="hold" nodeType="withEffect">
+                                  <p:stCondLst>
+                                    <p:cond delay="0"/>
+                                  </p:stCondLst>
+                                  <p:childTnLst>
+                                    <p:set>
+                                      <p:cBhvr>
+                                        <p:cTn id="10" dur="1" fill="hold">
+                                          <p:stCondLst>
+                                            <p:cond delay="0"/>
+                                          </p:stCondLst>
+                                        </p:cTn>
+                                        <p:tgtEl>
+                                          <p:spTgt spid="5"/>
+                                        </p:tgtEl>
+                                        <p:attrNameLst>
+                                          <p:attrName>style.visibility</p:attrName>
+                                        </p:attrNameLst>
+                                      </p:cBhvr>
+                                      <p:to>
+                                        <p:strVal val="visible"/>
+                                      </p:to>
+                                    </p:set>
+                                    <p:anim calcmode="lin" valueType="num">
+                                      <p:cBhvr additive="base">
+                                        <p:cTn id="11" dur="500" fill="hold"/>
+                                        <p:tgtEl>
+                                          <p:spTgt spid="5"/>
+                                        </p:tgtEl>
+                                        <p:attrNameLst>
+                                          <p:attrName>ppt_x</p:attrName>
+                                        </p:attrNameLst>
+                                      </p:cBhvr>
+                                      <p:tavLst>
+                                        <p:tav tm="0">
+                                          <p:val>
+                                            <p:strVal val="#ppt_x"/>
+                                          </p:val>
+                                        </p:tav>
+                                        <p:tav tm="100000">
+                                          <p:val>
+                                            <p:strVal val="#ppt_x"/>
+                                          </p:val>
+                                        </p:tav>
+                                      </p:tavLst>
+                                    </p:anim>
+                                    <p:anim calcmode="lin" valueType="num">
+                                      <p:cBhvr additive="base">
+                                        <p:cTn id="12" dur="500" fill="hold"/>
+                                        <p:tgtEl>
+                                          <p:spTgt spid="5"/>
+                                        </p:tgtEl>
+                                        <p:attrNameLst>
+                                          <p:attrName>ppt_y</p:attrName>
+                                        </p:attrNameLst>
+                                      </p:cBhvr>
+                                      <p:tavLst>
+                                        <p:tav tm="0">
+                                          <p:val>
+                                            <p:strVal val="1+#ppt_h/2"/>
+                                          </p:val>
+                                        </p:tav>
+                                        <p:tav tm="100000">
+                                          <p:val>
+                                            <p:strVal val="#ppt_y"/>
+                                          </p:val>
+                                        </p:tav>
+                                      </p:tavLst>
+                                    </p:anim>
+                                  </p:childTnLst>
+                                </p:cTn>
+                              </p:par>
+                            </p:childTnLst>
+                          </p:cTn>
+                        </p:par>
+                      </p:childTnLst>
+                    </p:cTn>
+                  </p:par>
+                  <p:par>
+                    <p:cTn id="13" fill="hold">
+                      <p:stCondLst>
+                        <p:cond delay="indefinite"/>
+                      </p:stCondLst>
+                      <p:childTnLst>
+                        <p:par>
+                          <p:cTn id="14" fill="hold">
+                            <p:stCondLst>
+                              <p:cond delay="0"/>
+                            </p:stCondLst>
+                            <p:childTnLst>
+                              <p:par>
+                                <p:cTn id="15" presetID="2" presetClass="entr" presetSubtype="4" fill="hold" grpId="0" nodeType="clickEffect">
+                                  <p:stCondLst>
+                                    <p:cond delay="0"/>
+                                  </p:stCondLst>
+                                  <p:childTnLst>
+                                    <p:set>
+                                      <p:cBhvr>
+                                        <p:cTn id="16" dur="1" fill="hold">
+                                          <p:stCondLst>
+                                            <p:cond delay="0"/>
+                                          </p:stCondLst>
+                                        </p:cTn>
+                                        <p:tgtEl>
+                                          <p:spTgt spid="8"/>
+                                        </p:tgtEl>
+                                        <p:attrNameLst>
+                                          <p:attrName>style.visibility</p:attrName>
+                                        </p:attrNameLst>
+                                      </p:cBhvr>
+                                      <p:to>
+                                        <p:strVal val="visible"/>
+                                      </p:to>
+                                    </p:set>
+                                    <p:anim calcmode="lin" valueType="num">
+                                      <p:cBhvr additive="base">
+                                        <p:cTn id="17" dur="500" fill="hold"/>
+                                        <p:tgtEl>
+                                          <p:spTgt spid="8"/>
+                                        </p:tgtEl>
+                                        <p:attrNameLst>
+                                          <p:attrName>ppt_x</p:attrName>
+                                        </p:attrNameLst>
+                                      </p:cBhvr>
+                                      <p:tavLst>
+                                        <p:tav tm="0">
+                                          <p:val>
+                                            <p:strVal val="#ppt_x"/>
+                                          </p:val>
+                                        </p:tav>
+                                        <p:tav tm="100000">
+                                          <p:val>
+                                            <p:strVal val="#ppt_x"/>
+                                          </p:val>
+                                        </p:tav>
+                                      </p:tavLst>
+                                    </p:anim>
+                                    <p:anim calcmode="lin" valueType="num">
+                                      <p:cBhvr additive="base">
+                                        <p:cTn id="18" dur="500" fill="hold"/>
+                                        <p:tgtEl>
+                                          <p:spTgt spid="8"/>
+                                        </p:tgtEl>
+                                        <p:attrNameLst>
+                                          <p:attrName>ppt_y</p:attrName>
+                                        </p:attrNameLst>
+                                      </p:cBhvr>
+                                      <p:tavLst>
+                                        <p:tav tm="0">
+                                          <p:val>
+                                            <p:strVal val="1+#ppt_h/2"/>
+                                          </p:val>
+                                        </p:tav>
+                                        <p:tav tm="100000">
+                                          <p:val>
+                                            <p:strVal val="#ppt_y"/>
+                                          </p:val>
+                                        </p:tav>
+                                      </p:tavLst>
+                                    </p:anim>
+                                  </p:childTnLst>
+                                </p:cTn>
+                              </p:par>
+                              <p:par>
+                                <p:cTn id="19" presetID="2" presetClass="entr" presetSubtype="4" fill="hold" nodeType="withEffect">
+                                  <p:stCondLst>
+                                    <p:cond delay="0"/>
+                                  </p:stCondLst>
+                                  <p:childTnLst>
+                                    <p:set>
+                                      <p:cBhvr>
+                                        <p:cTn id="20" dur="1" fill="hold">
+                                          <p:stCondLst>
+                                            <p:cond delay="0"/>
+                                          </p:stCondLst>
+                                        </p:cTn>
+                                        <p:tgtEl>
+                                          <p:spTgt spid="7"/>
+                                        </p:tgtEl>
+                                        <p:attrNameLst>
+                                          <p:attrName>style.visibility</p:attrName>
+                                        </p:attrNameLst>
+                                      </p:cBhvr>
+                                      <p:to>
+                                        <p:strVal val="visible"/>
+                                      </p:to>
+                                    </p:set>
+                                    <p:anim calcmode="lin" valueType="num">
+                                      <p:cBhvr additive="base">
+                                        <p:cTn id="21" dur="500" fill="hold"/>
+                                        <p:tgtEl>
+                                          <p:spTgt spid="7"/>
+                                        </p:tgtEl>
+                                        <p:attrNameLst>
+                                          <p:attrName>ppt_x</p:attrName>
+                                        </p:attrNameLst>
+                                      </p:cBhvr>
+                                      <p:tavLst>
+                                        <p:tav tm="0">
+                                          <p:val>
+                                            <p:strVal val="#ppt_x"/>
+                                          </p:val>
+                                        </p:tav>
+                                        <p:tav tm="100000">
+                                          <p:val>
+                                            <p:strVal val="#ppt_x"/>
+                                          </p:val>
+                                        </p:tav>
+                                      </p:tavLst>
+                                    </p:anim>
+                                    <p:anim calcmode="lin" valueType="num">
+                                      <p:cBhvr additive="base">
+                                        <p:cTn id="22" dur="500" fill="hold"/>
+                                        <p:tgtEl>
+                                          <p:spTgt spid="7"/>
+                                        </p:tgtEl>
+                                        <p:attrNameLst>
+                                          <p:attrName>ppt_y</p:attrName>
+                                        </p:attrNameLst>
+                                      </p:cBhvr>
+                                      <p:tavLst>
+                                        <p:tav tm="0">
+                                          <p:val>
+                                            <p:strVal val="1+#ppt_h/2"/>
+                                          </p:val>
+                                        </p:tav>
+                                        <p:tav tm="100000">
+                                          <p:val>
+                                            <p:strVal val="#ppt_y"/>
+                                          </p:val>
+                                        </p:tav>
+                                      </p:tavLst>
+                                    </p:anim>
+                                  </p:childTnLst>
+                                </p:cTn>
+                              </p:par>
+                            </p:childTnLst>
+                          </p:cTn>
+                        </p:par>
+                      </p:childTnLst>
+                    </p:cTn>
+                  </p:par>
+                  <p:par>
+                    <p:cTn id="23" fill="hold">
+                      <p:stCondLst>
+                        <p:cond delay="indefinite"/>
+                      </p:stCondLst>
+                      <p:childTnLst>
+                        <p:par>
+                          <p:cTn id="24" fill="hold">
+                            <p:stCondLst>
+                              <p:cond delay="0"/>
+                            </p:stCondLst>
+                            <p:childTnLst>
+                              <p:par>
+                                <p:cTn id="25" presetID="2" presetClass="entr" presetSubtype="4" fill="hold" grpId="0" nodeType="clickEffect">
+                                  <p:stCondLst>
+                                    <p:cond delay="0"/>
+                                  </p:stCondLst>
+                                  <p:childTnLst>
+                                    <p:set>
+                                      <p:cBhvr>
+                                        <p:cTn id="26" dur="1" fill="hold">
+                                          <p:stCondLst>
+                                            <p:cond delay="0"/>
+                                          </p:stCondLst>
+                                        </p:cTn>
+                                        <p:tgtEl>
+                                          <p:spTgt spid="10"/>
+                                        </p:tgtEl>
+                                        <p:attrNameLst>
+                                          <p:attrName>style.visibility</p:attrName>
+                                        </p:attrNameLst>
+                                      </p:cBhvr>
+                                      <p:to>
+                                        <p:strVal val="visible"/>
+                                      </p:to>
+                                    </p:set>
+                                    <p:anim calcmode="lin" valueType="num">
+                                      <p:cBhvr additive="base">
+                                        <p:cTn id="27" dur="500" fill="hold"/>
+                                        <p:tgtEl>
+                                          <p:spTgt spid="10"/>
+                                        </p:tgtEl>
+                                        <p:attrNameLst>
+                                          <p:attrName>ppt_x</p:attrName>
+                                        </p:attrNameLst>
+                                      </p:cBhvr>
+                                      <p:tavLst>
+                                        <p:tav tm="0">
+                                          <p:val>
+                                            <p:strVal val="#ppt_x"/>
+                                          </p:val>
+                                        </p:tav>
+                                        <p:tav tm="100000">
+                                          <p:val>
+                                            <p:strVal val="#ppt_x"/>
+                                          </p:val>
+                                        </p:tav>
+                                      </p:tavLst>
+                                    </p:anim>
+                                    <p:anim calcmode="lin" valueType="num">
+                                      <p:cBhvr additive="base">
+                                        <p:cTn id="28" dur="500" fill="hold"/>
+                                        <p:tgtEl>
+                                          <p:spTgt spid="10"/>
+                                        </p:tgtEl>
+                                        <p:attrNameLst>
+                                          <p:attrName>ppt_y</p:attrName>
+                                        </p:attrNameLst>
+                                      </p:cBhvr>
+                                      <p:tavLst>
+                                        <p:tav tm="0">
+                                          <p:val>
+                                            <p:strVal val="1+#ppt_h/2"/>
+                                          </p:val>
+                                        </p:tav>
+                                        <p:tav tm="100000">
+                                          <p:val>
+                                            <p:strVal val="#ppt_y"/>
+                                          </p:val>
+                                        </p:tav>
+                                      </p:tavLst>
+                                    </p:anim>
+                                  </p:childTnLst>
+                                </p:cTn>
+                              </p:par>
+                              <p:par>
+                                <p:cTn id="29" presetID="2" presetClass="entr" presetSubtype="4" fill="hold" nodeType="withEffect">
+                                  <p:stCondLst>
+                                    <p:cond delay="0"/>
+                                  </p:stCondLst>
+                                  <p:childTnLst>
+                                    <p:set>
+                                      <p:cBhvr>
+                                        <p:cTn id="30" dur="1" fill="hold">
+                                          <p:stCondLst>
+                                            <p:cond delay="0"/>
+                                          </p:stCondLst>
+                                        </p:cTn>
+                                        <p:tgtEl>
+                                          <p:spTgt spid="9"/>
+                                        </p:tgtEl>
+                                        <p:attrNameLst>
+                                          <p:attrName>style.visibility</p:attrName>
+                                        </p:attrNameLst>
+                                      </p:cBhvr>
+                                      <p:to>
+                                        <p:strVal val="visible"/>
+                                      </p:to>
+                                    </p:set>
+                                    <p:anim calcmode="lin" valueType="num">
+                                      <p:cBhvr additive="base">
+                                        <p:cTn id="31" dur="500" fill="hold"/>
+                                        <p:tgtEl>
+                                          <p:spTgt spid="9"/>
+                                        </p:tgtEl>
+                                        <p:attrNameLst>
+                                          <p:attrName>ppt_x</p:attrName>
+                                        </p:attrNameLst>
+                                      </p:cBhvr>
+                                      <p:tavLst>
+                                        <p:tav tm="0">
+                                          <p:val>
+                                            <p:strVal val="#ppt_x"/>
+                                          </p:val>
+                                        </p:tav>
+                                        <p:tav tm="100000">
+                                          <p:val>
+                                            <p:strVal val="#ppt_x"/>
+                                          </p:val>
+                                        </p:tav>
+                                      </p:tavLst>
+                                    </p:anim>
+                                    <p:anim calcmode="lin" valueType="num">
+                                      <p:cBhvr additive="base">
+                                        <p:cTn id="32" dur="500" fill="hold"/>
+                                        <p:tgtEl>
+                                          <p:spTgt spid="9"/>
+                                        </p:tgtEl>
+                                        <p:attrNameLst>
+                                          <p:attrName>ppt_y</p:attrName>
+                                        </p:attrNameLst>
+                                      </p:cBhvr>
+                                      <p:tavLst>
+                                        <p:tav tm="0">
+                                          <p:val>
+                                            <p:strVal val="1+#ppt_h/2"/>
+                                          </p:val>
+                                        </p:tav>
+                                        <p:tav tm="100000">
+                                          <p:val>
+                                            <p:strVal val="#ppt_y"/>
+                                          </p:val>
+                                        </p:tav>
+                                      </p:tavLst>
+                                    </p:anim>
+                                  </p:childTnLst>
+                                </p:cTn>
+                              </p:par>
+                            </p:childTnLst>
+                          </p:cTn>
+                        </p:par>
+                      </p:childTnLst>
+                    </p:cTn>
+                  </p:par>
+                </p:childTnLst>
+              </p:cTn>
+              <p:prevCondLst>
+                <p:cond evt="onPrev" delay="0">
+                  <p:tgtEl>
+                    <p:sldTgt/>
+                  </p:tgtEl>
+                </p:cond>
+              </p:prevCondLst>
+              <p:nextCondLst>
+                <p:cond evt="onNext" delay="0">
+                  <p:tgtEl>
+                    <p:sldTgt/>
+                  </p:tgtEl>
+                </p:cond>
+              </p:nextCondLst>
+            </p:seq>
+          </p:childTnLst>
+        </p:cTn>
+      </p:par>
+    </p:tnLst>
+    <p:bldLst>
+      <p:bldP spid="6" grpId="0"/>
+      <p:bldP spid="8" grpId="0"/>
+      <p:bldP spid="10" grpId="0"/>
+    </p:bldLst>
+  </p:timing>
 </p:sld>
 </file>
 
@@ -6388,6 +10552,348 @@
   <p:clrMapOvr>
     <a:masterClrMapping/>
   </p:clrMapOvr>
+  <p:timing>
+    <p:tnLst>
+      <p:par>
+        <p:cTn id="1" dur="indefinite" restart="never" nodeType="tmRoot">
+          <p:childTnLst>
+            <p:seq concurrent="1" nextAc="seek">
+              <p:cTn id="2" dur="indefinite" nodeType="mainSeq">
+                <p:childTnLst>
+                  <p:par>
+                    <p:cTn id="3" fill="hold">
+                      <p:stCondLst>
+                        <p:cond delay="indefinite"/>
+                      </p:stCondLst>
+                      <p:childTnLst>
+                        <p:par>
+                          <p:cTn id="4" fill="hold">
+                            <p:stCondLst>
+                              <p:cond delay="0"/>
+                            </p:stCondLst>
+                            <p:childTnLst>
+                              <p:par>
+                                <p:cTn id="5" presetID="2" presetClass="entr" presetSubtype="4" fill="hold" grpId="0" nodeType="clickEffect">
+                                  <p:stCondLst>
+                                    <p:cond delay="0"/>
+                                  </p:stCondLst>
+                                  <p:childTnLst>
+                                    <p:set>
+                                      <p:cBhvr>
+                                        <p:cTn id="6" dur="1" fill="hold">
+                                          <p:stCondLst>
+                                            <p:cond delay="0"/>
+                                          </p:stCondLst>
+                                        </p:cTn>
+                                        <p:tgtEl>
+                                          <p:spTgt spid="3">
+                                            <p:txEl>
+                                              <p:pRg st="0" end="0"/>
+                                            </p:txEl>
+                                          </p:spTgt>
+                                        </p:tgtEl>
+                                        <p:attrNameLst>
+                                          <p:attrName>style.visibility</p:attrName>
+                                        </p:attrNameLst>
+                                      </p:cBhvr>
+                                      <p:to>
+                                        <p:strVal val="visible"/>
+                                      </p:to>
+                                    </p:set>
+                                    <p:anim calcmode="lin" valueType="num">
+                                      <p:cBhvr additive="base">
+                                        <p:cTn id="7" dur="500" fill="hold"/>
+                                        <p:tgtEl>
+                                          <p:spTgt spid="3">
+                                            <p:txEl>
+                                              <p:pRg st="0" end="0"/>
+                                            </p:txEl>
+                                          </p:spTgt>
+                                        </p:tgtEl>
+                                        <p:attrNameLst>
+                                          <p:attrName>ppt_x</p:attrName>
+                                        </p:attrNameLst>
+                                      </p:cBhvr>
+                                      <p:tavLst>
+                                        <p:tav tm="0">
+                                          <p:val>
+                                            <p:strVal val="#ppt_x"/>
+                                          </p:val>
+                                        </p:tav>
+                                        <p:tav tm="100000">
+                                          <p:val>
+                                            <p:strVal val="#ppt_x"/>
+                                          </p:val>
+                                        </p:tav>
+                                      </p:tavLst>
+                                    </p:anim>
+                                    <p:anim calcmode="lin" valueType="num">
+                                      <p:cBhvr additive="base">
+                                        <p:cTn id="8" dur="500" fill="hold"/>
+                                        <p:tgtEl>
+                                          <p:spTgt spid="3">
+                                            <p:txEl>
+                                              <p:pRg st="0" end="0"/>
+                                            </p:txEl>
+                                          </p:spTgt>
+                                        </p:tgtEl>
+                                        <p:attrNameLst>
+                                          <p:attrName>ppt_y</p:attrName>
+                                        </p:attrNameLst>
+                                      </p:cBhvr>
+                                      <p:tavLst>
+                                        <p:tav tm="0">
+                                          <p:val>
+                                            <p:strVal val="1+#ppt_h/2"/>
+                                          </p:val>
+                                        </p:tav>
+                                        <p:tav tm="100000">
+                                          <p:val>
+                                            <p:strVal val="#ppt_y"/>
+                                          </p:val>
+                                        </p:tav>
+                                      </p:tavLst>
+                                    </p:anim>
+                                  </p:childTnLst>
+                                </p:cTn>
+                              </p:par>
+                            </p:childTnLst>
+                          </p:cTn>
+                        </p:par>
+                      </p:childTnLst>
+                    </p:cTn>
+                  </p:par>
+                  <p:par>
+                    <p:cTn id="9" fill="hold">
+                      <p:stCondLst>
+                        <p:cond delay="indefinite"/>
+                      </p:stCondLst>
+                      <p:childTnLst>
+                        <p:par>
+                          <p:cTn id="10" fill="hold">
+                            <p:stCondLst>
+                              <p:cond delay="0"/>
+                            </p:stCondLst>
+                            <p:childTnLst>
+                              <p:par>
+                                <p:cTn id="11" presetID="2" presetClass="entr" presetSubtype="4" fill="hold" grpId="0" nodeType="clickEffect">
+                                  <p:stCondLst>
+                                    <p:cond delay="0"/>
+                                  </p:stCondLst>
+                                  <p:childTnLst>
+                                    <p:set>
+                                      <p:cBhvr>
+                                        <p:cTn id="12" dur="1" fill="hold">
+                                          <p:stCondLst>
+                                            <p:cond delay="0"/>
+                                          </p:stCondLst>
+                                        </p:cTn>
+                                        <p:tgtEl>
+                                          <p:spTgt spid="3">
+                                            <p:txEl>
+                                              <p:pRg st="2" end="2"/>
+                                            </p:txEl>
+                                          </p:spTgt>
+                                        </p:tgtEl>
+                                        <p:attrNameLst>
+                                          <p:attrName>style.visibility</p:attrName>
+                                        </p:attrNameLst>
+                                      </p:cBhvr>
+                                      <p:to>
+                                        <p:strVal val="visible"/>
+                                      </p:to>
+                                    </p:set>
+                                    <p:anim calcmode="lin" valueType="num">
+                                      <p:cBhvr additive="base">
+                                        <p:cTn id="13" dur="500" fill="hold"/>
+                                        <p:tgtEl>
+                                          <p:spTgt spid="3">
+                                            <p:txEl>
+                                              <p:pRg st="2" end="2"/>
+                                            </p:txEl>
+                                          </p:spTgt>
+                                        </p:tgtEl>
+                                        <p:attrNameLst>
+                                          <p:attrName>ppt_x</p:attrName>
+                                        </p:attrNameLst>
+                                      </p:cBhvr>
+                                      <p:tavLst>
+                                        <p:tav tm="0">
+                                          <p:val>
+                                            <p:strVal val="#ppt_x"/>
+                                          </p:val>
+                                        </p:tav>
+                                        <p:tav tm="100000">
+                                          <p:val>
+                                            <p:strVal val="#ppt_x"/>
+                                          </p:val>
+                                        </p:tav>
+                                      </p:tavLst>
+                                    </p:anim>
+                                    <p:anim calcmode="lin" valueType="num">
+                                      <p:cBhvr additive="base">
+                                        <p:cTn id="14" dur="500" fill="hold"/>
+                                        <p:tgtEl>
+                                          <p:spTgt spid="3">
+                                            <p:txEl>
+                                              <p:pRg st="2" end="2"/>
+                                            </p:txEl>
+                                          </p:spTgt>
+                                        </p:tgtEl>
+                                        <p:attrNameLst>
+                                          <p:attrName>ppt_y</p:attrName>
+                                        </p:attrNameLst>
+                                      </p:cBhvr>
+                                      <p:tavLst>
+                                        <p:tav tm="0">
+                                          <p:val>
+                                            <p:strVal val="1+#ppt_h/2"/>
+                                          </p:val>
+                                        </p:tav>
+                                        <p:tav tm="100000">
+                                          <p:val>
+                                            <p:strVal val="#ppt_y"/>
+                                          </p:val>
+                                        </p:tav>
+                                      </p:tavLst>
+                                    </p:anim>
+                                  </p:childTnLst>
+                                </p:cTn>
+                              </p:par>
+                            </p:childTnLst>
+                          </p:cTn>
+                        </p:par>
+                      </p:childTnLst>
+                    </p:cTn>
+                  </p:par>
+                  <p:par>
+                    <p:cTn id="15" fill="hold">
+                      <p:stCondLst>
+                        <p:cond delay="indefinite"/>
+                      </p:stCondLst>
+                      <p:childTnLst>
+                        <p:par>
+                          <p:cTn id="16" fill="hold">
+                            <p:stCondLst>
+                              <p:cond delay="0"/>
+                            </p:stCondLst>
+                            <p:childTnLst>
+                              <p:par>
+                                <p:cTn id="17" presetID="2" presetClass="entr" presetSubtype="4" fill="hold" grpId="0" nodeType="clickEffect">
+                                  <p:stCondLst>
+                                    <p:cond delay="0"/>
+                                  </p:stCondLst>
+                                  <p:childTnLst>
+                                    <p:set>
+                                      <p:cBhvr>
+                                        <p:cTn id="18" dur="1" fill="hold">
+                                          <p:stCondLst>
+                                            <p:cond delay="0"/>
+                                          </p:stCondLst>
+                                        </p:cTn>
+                                        <p:tgtEl>
+                                          <p:spTgt spid="3">
+                                            <p:txEl>
+                                              <p:pRg st="4" end="4"/>
+                                            </p:txEl>
+                                          </p:spTgt>
+                                        </p:tgtEl>
+                                        <p:attrNameLst>
+                                          <p:attrName>style.visibility</p:attrName>
+                                        </p:attrNameLst>
+                                      </p:cBhvr>
+                                      <p:to>
+                                        <p:strVal val="visible"/>
+                                      </p:to>
+                                    </p:set>
+                                    <p:anim calcmode="lin" valueType="num">
+                                      <p:cBhvr additive="base">
+                                        <p:cTn id="19" dur="500" fill="hold"/>
+                                        <p:tgtEl>
+                                          <p:spTgt spid="3">
+                                            <p:txEl>
+                                              <p:pRg st="4" end="4"/>
+                                            </p:txEl>
+                                          </p:spTgt>
+                                        </p:tgtEl>
+                                        <p:attrNameLst>
+                                          <p:attrName>ppt_x</p:attrName>
+                                        </p:attrNameLst>
+                                      </p:cBhvr>
+                                      <p:tavLst>
+                                        <p:tav tm="0">
+                                          <p:val>
+                                            <p:strVal val="#ppt_x"/>
+                                          </p:val>
+                                        </p:tav>
+                                        <p:tav tm="100000">
+                                          <p:val>
+                                            <p:strVal val="#ppt_x"/>
+                                          </p:val>
+                                        </p:tav>
+                                      </p:tavLst>
+                                    </p:anim>
+                                    <p:anim calcmode="lin" valueType="num">
+                                      <p:cBhvr additive="base">
+                                        <p:cTn id="20" dur="500" fill="hold"/>
+                                        <p:tgtEl>
+                                          <p:spTgt spid="3">
+                                            <p:txEl>
+                                              <p:pRg st="4" end="4"/>
+                                            </p:txEl>
+                                          </p:spTgt>
+                                        </p:tgtEl>
+                                        <p:attrNameLst>
+                                          <p:attrName>ppt_y</p:attrName>
+                                        </p:attrNameLst>
+                                      </p:cBhvr>
+                                      <p:tavLst>
+                                        <p:tav tm="0">
+                                          <p:val>
+                                            <p:strVal val="1+#ppt_h/2"/>
+                                          </p:val>
+                                        </p:tav>
+                                        <p:tav tm="100000">
+                                          <p:val>
+                                            <p:strVal val="#ppt_y"/>
+                                          </p:val>
+                                        </p:tav>
+                                      </p:tavLst>
+                                    </p:anim>
+                                  </p:childTnLst>
+                                </p:cTn>
+                              </p:par>
+                            </p:childTnLst>
+                          </p:cTn>
+                        </p:par>
+                      </p:childTnLst>
+                    </p:cTn>
+                  </p:par>
+                </p:childTnLst>
+              </p:cTn>
+              <p:prevCondLst>
+                <p:cond evt="onPrev" delay="0">
+                  <p:tgtEl>
+                    <p:sldTgt/>
+                  </p:tgtEl>
+                </p:cond>
+              </p:prevCondLst>
+              <p:nextCondLst>
+                <p:cond evt="onNext" delay="0">
+                  <p:tgtEl>
+                    <p:sldTgt/>
+                  </p:tgtEl>
+                </p:cond>
+              </p:nextCondLst>
+            </p:seq>
+          </p:childTnLst>
+        </p:cTn>
+      </p:par>
+    </p:tnLst>
+    <p:bldLst>
+      <p:bldP spid="3" grpId="0" uiExpand="1" build="p"/>
+    </p:bldLst>
+  </p:timing>
 </p:sld>
 </file>
 
@@ -6455,7 +10961,7 @@
         <p:spPr/>
         <p:txBody>
           <a:bodyPr>
-            <a:normAutofit/>
+            <a:normAutofit lnSpcReduction="10000"/>
           </a:bodyPr>
           <a:lstStyle/>
           <a:p>
@@ -6507,15 +11013,7 @@
             </a:r>
             <a:r>
               <a:rPr lang="cs-CZ" dirty="0"/>
-              <a:t>" cyklus provádí kód určitý </a:t>
-            </a:r>
-            <a:r>
-              <a:rPr lang="cs-CZ" dirty="0" err="1"/>
-              <a:t>početkrát</a:t>
-            </a:r>
-            <a:r>
-              <a:rPr lang="cs-CZ" dirty="0"/>
-              <a:t>.</a:t>
+              <a:t>" cyklus provádí kód určitý počtem opakování.</a:t>
             </a:r>
           </a:p>
         </p:txBody>
@@ -6530,6 +11028,348 @@
   <p:clrMapOvr>
     <a:masterClrMapping/>
   </p:clrMapOvr>
+  <p:timing>
+    <p:tnLst>
+      <p:par>
+        <p:cTn id="1" dur="indefinite" restart="never" nodeType="tmRoot">
+          <p:childTnLst>
+            <p:seq concurrent="1" nextAc="seek">
+              <p:cTn id="2" dur="indefinite" nodeType="mainSeq">
+                <p:childTnLst>
+                  <p:par>
+                    <p:cTn id="3" fill="hold">
+                      <p:stCondLst>
+                        <p:cond delay="indefinite"/>
+                      </p:stCondLst>
+                      <p:childTnLst>
+                        <p:par>
+                          <p:cTn id="4" fill="hold">
+                            <p:stCondLst>
+                              <p:cond delay="0"/>
+                            </p:stCondLst>
+                            <p:childTnLst>
+                              <p:par>
+                                <p:cTn id="5" presetID="2" presetClass="entr" presetSubtype="4" fill="hold" grpId="0" nodeType="clickEffect">
+                                  <p:stCondLst>
+                                    <p:cond delay="0"/>
+                                  </p:stCondLst>
+                                  <p:childTnLst>
+                                    <p:set>
+                                      <p:cBhvr>
+                                        <p:cTn id="6" dur="1" fill="hold">
+                                          <p:stCondLst>
+                                            <p:cond delay="0"/>
+                                          </p:stCondLst>
+                                        </p:cTn>
+                                        <p:tgtEl>
+                                          <p:spTgt spid="3">
+                                            <p:txEl>
+                                              <p:pRg st="0" end="0"/>
+                                            </p:txEl>
+                                          </p:spTgt>
+                                        </p:tgtEl>
+                                        <p:attrNameLst>
+                                          <p:attrName>style.visibility</p:attrName>
+                                        </p:attrNameLst>
+                                      </p:cBhvr>
+                                      <p:to>
+                                        <p:strVal val="visible"/>
+                                      </p:to>
+                                    </p:set>
+                                    <p:anim calcmode="lin" valueType="num">
+                                      <p:cBhvr additive="base">
+                                        <p:cTn id="7" dur="500" fill="hold"/>
+                                        <p:tgtEl>
+                                          <p:spTgt spid="3">
+                                            <p:txEl>
+                                              <p:pRg st="0" end="0"/>
+                                            </p:txEl>
+                                          </p:spTgt>
+                                        </p:tgtEl>
+                                        <p:attrNameLst>
+                                          <p:attrName>ppt_x</p:attrName>
+                                        </p:attrNameLst>
+                                      </p:cBhvr>
+                                      <p:tavLst>
+                                        <p:tav tm="0">
+                                          <p:val>
+                                            <p:strVal val="#ppt_x"/>
+                                          </p:val>
+                                        </p:tav>
+                                        <p:tav tm="100000">
+                                          <p:val>
+                                            <p:strVal val="#ppt_x"/>
+                                          </p:val>
+                                        </p:tav>
+                                      </p:tavLst>
+                                    </p:anim>
+                                    <p:anim calcmode="lin" valueType="num">
+                                      <p:cBhvr additive="base">
+                                        <p:cTn id="8" dur="500" fill="hold"/>
+                                        <p:tgtEl>
+                                          <p:spTgt spid="3">
+                                            <p:txEl>
+                                              <p:pRg st="0" end="0"/>
+                                            </p:txEl>
+                                          </p:spTgt>
+                                        </p:tgtEl>
+                                        <p:attrNameLst>
+                                          <p:attrName>ppt_y</p:attrName>
+                                        </p:attrNameLst>
+                                      </p:cBhvr>
+                                      <p:tavLst>
+                                        <p:tav tm="0">
+                                          <p:val>
+                                            <p:strVal val="1+#ppt_h/2"/>
+                                          </p:val>
+                                        </p:tav>
+                                        <p:tav tm="100000">
+                                          <p:val>
+                                            <p:strVal val="#ppt_y"/>
+                                          </p:val>
+                                        </p:tav>
+                                      </p:tavLst>
+                                    </p:anim>
+                                  </p:childTnLst>
+                                </p:cTn>
+                              </p:par>
+                            </p:childTnLst>
+                          </p:cTn>
+                        </p:par>
+                      </p:childTnLst>
+                    </p:cTn>
+                  </p:par>
+                  <p:par>
+                    <p:cTn id="9" fill="hold">
+                      <p:stCondLst>
+                        <p:cond delay="indefinite"/>
+                      </p:stCondLst>
+                      <p:childTnLst>
+                        <p:par>
+                          <p:cTn id="10" fill="hold">
+                            <p:stCondLst>
+                              <p:cond delay="0"/>
+                            </p:stCondLst>
+                            <p:childTnLst>
+                              <p:par>
+                                <p:cTn id="11" presetID="2" presetClass="entr" presetSubtype="4" fill="hold" grpId="0" nodeType="clickEffect">
+                                  <p:stCondLst>
+                                    <p:cond delay="0"/>
+                                  </p:stCondLst>
+                                  <p:childTnLst>
+                                    <p:set>
+                                      <p:cBhvr>
+                                        <p:cTn id="12" dur="1" fill="hold">
+                                          <p:stCondLst>
+                                            <p:cond delay="0"/>
+                                          </p:stCondLst>
+                                        </p:cTn>
+                                        <p:tgtEl>
+                                          <p:spTgt spid="3">
+                                            <p:txEl>
+                                              <p:pRg st="2" end="2"/>
+                                            </p:txEl>
+                                          </p:spTgt>
+                                        </p:tgtEl>
+                                        <p:attrNameLst>
+                                          <p:attrName>style.visibility</p:attrName>
+                                        </p:attrNameLst>
+                                      </p:cBhvr>
+                                      <p:to>
+                                        <p:strVal val="visible"/>
+                                      </p:to>
+                                    </p:set>
+                                    <p:anim calcmode="lin" valueType="num">
+                                      <p:cBhvr additive="base">
+                                        <p:cTn id="13" dur="500" fill="hold"/>
+                                        <p:tgtEl>
+                                          <p:spTgt spid="3">
+                                            <p:txEl>
+                                              <p:pRg st="2" end="2"/>
+                                            </p:txEl>
+                                          </p:spTgt>
+                                        </p:tgtEl>
+                                        <p:attrNameLst>
+                                          <p:attrName>ppt_x</p:attrName>
+                                        </p:attrNameLst>
+                                      </p:cBhvr>
+                                      <p:tavLst>
+                                        <p:tav tm="0">
+                                          <p:val>
+                                            <p:strVal val="#ppt_x"/>
+                                          </p:val>
+                                        </p:tav>
+                                        <p:tav tm="100000">
+                                          <p:val>
+                                            <p:strVal val="#ppt_x"/>
+                                          </p:val>
+                                        </p:tav>
+                                      </p:tavLst>
+                                    </p:anim>
+                                    <p:anim calcmode="lin" valueType="num">
+                                      <p:cBhvr additive="base">
+                                        <p:cTn id="14" dur="500" fill="hold"/>
+                                        <p:tgtEl>
+                                          <p:spTgt spid="3">
+                                            <p:txEl>
+                                              <p:pRg st="2" end="2"/>
+                                            </p:txEl>
+                                          </p:spTgt>
+                                        </p:tgtEl>
+                                        <p:attrNameLst>
+                                          <p:attrName>ppt_y</p:attrName>
+                                        </p:attrNameLst>
+                                      </p:cBhvr>
+                                      <p:tavLst>
+                                        <p:tav tm="0">
+                                          <p:val>
+                                            <p:strVal val="1+#ppt_h/2"/>
+                                          </p:val>
+                                        </p:tav>
+                                        <p:tav tm="100000">
+                                          <p:val>
+                                            <p:strVal val="#ppt_y"/>
+                                          </p:val>
+                                        </p:tav>
+                                      </p:tavLst>
+                                    </p:anim>
+                                  </p:childTnLst>
+                                </p:cTn>
+                              </p:par>
+                            </p:childTnLst>
+                          </p:cTn>
+                        </p:par>
+                      </p:childTnLst>
+                    </p:cTn>
+                  </p:par>
+                  <p:par>
+                    <p:cTn id="15" fill="hold">
+                      <p:stCondLst>
+                        <p:cond delay="indefinite"/>
+                      </p:stCondLst>
+                      <p:childTnLst>
+                        <p:par>
+                          <p:cTn id="16" fill="hold">
+                            <p:stCondLst>
+                              <p:cond delay="0"/>
+                            </p:stCondLst>
+                            <p:childTnLst>
+                              <p:par>
+                                <p:cTn id="17" presetID="2" presetClass="entr" presetSubtype="4" fill="hold" grpId="0" nodeType="clickEffect">
+                                  <p:stCondLst>
+                                    <p:cond delay="0"/>
+                                  </p:stCondLst>
+                                  <p:childTnLst>
+                                    <p:set>
+                                      <p:cBhvr>
+                                        <p:cTn id="18" dur="1" fill="hold">
+                                          <p:stCondLst>
+                                            <p:cond delay="0"/>
+                                          </p:stCondLst>
+                                        </p:cTn>
+                                        <p:tgtEl>
+                                          <p:spTgt spid="3">
+                                            <p:txEl>
+                                              <p:pRg st="4" end="4"/>
+                                            </p:txEl>
+                                          </p:spTgt>
+                                        </p:tgtEl>
+                                        <p:attrNameLst>
+                                          <p:attrName>style.visibility</p:attrName>
+                                        </p:attrNameLst>
+                                      </p:cBhvr>
+                                      <p:to>
+                                        <p:strVal val="visible"/>
+                                      </p:to>
+                                    </p:set>
+                                    <p:anim calcmode="lin" valueType="num">
+                                      <p:cBhvr additive="base">
+                                        <p:cTn id="19" dur="500" fill="hold"/>
+                                        <p:tgtEl>
+                                          <p:spTgt spid="3">
+                                            <p:txEl>
+                                              <p:pRg st="4" end="4"/>
+                                            </p:txEl>
+                                          </p:spTgt>
+                                        </p:tgtEl>
+                                        <p:attrNameLst>
+                                          <p:attrName>ppt_x</p:attrName>
+                                        </p:attrNameLst>
+                                      </p:cBhvr>
+                                      <p:tavLst>
+                                        <p:tav tm="0">
+                                          <p:val>
+                                            <p:strVal val="#ppt_x"/>
+                                          </p:val>
+                                        </p:tav>
+                                        <p:tav tm="100000">
+                                          <p:val>
+                                            <p:strVal val="#ppt_x"/>
+                                          </p:val>
+                                        </p:tav>
+                                      </p:tavLst>
+                                    </p:anim>
+                                    <p:anim calcmode="lin" valueType="num">
+                                      <p:cBhvr additive="base">
+                                        <p:cTn id="20" dur="500" fill="hold"/>
+                                        <p:tgtEl>
+                                          <p:spTgt spid="3">
+                                            <p:txEl>
+                                              <p:pRg st="4" end="4"/>
+                                            </p:txEl>
+                                          </p:spTgt>
+                                        </p:tgtEl>
+                                        <p:attrNameLst>
+                                          <p:attrName>ppt_y</p:attrName>
+                                        </p:attrNameLst>
+                                      </p:cBhvr>
+                                      <p:tavLst>
+                                        <p:tav tm="0">
+                                          <p:val>
+                                            <p:strVal val="1+#ppt_h/2"/>
+                                          </p:val>
+                                        </p:tav>
+                                        <p:tav tm="100000">
+                                          <p:val>
+                                            <p:strVal val="#ppt_y"/>
+                                          </p:val>
+                                        </p:tav>
+                                      </p:tavLst>
+                                    </p:anim>
+                                  </p:childTnLst>
+                                </p:cTn>
+                              </p:par>
+                            </p:childTnLst>
+                          </p:cTn>
+                        </p:par>
+                      </p:childTnLst>
+                    </p:cTn>
+                  </p:par>
+                </p:childTnLst>
+              </p:cTn>
+              <p:prevCondLst>
+                <p:cond evt="onPrev" delay="0">
+                  <p:tgtEl>
+                    <p:sldTgt/>
+                  </p:tgtEl>
+                </p:cond>
+              </p:prevCondLst>
+              <p:nextCondLst>
+                <p:cond evt="onNext" delay="0">
+                  <p:tgtEl>
+                    <p:sldTgt/>
+                  </p:tgtEl>
+                </p:cond>
+              </p:nextCondLst>
+            </p:seq>
+          </p:childTnLst>
+        </p:cTn>
+      </p:par>
+    </p:tnLst>
+    <p:bldLst>
+      <p:bldP spid="3" grpId="0" build="p"/>
+    </p:bldLst>
+  </p:timing>
 </p:sld>
 </file>
 
@@ -6656,6 +11496,348 @@
   <p:clrMapOvr>
     <a:masterClrMapping/>
   </p:clrMapOvr>
+  <p:timing>
+    <p:tnLst>
+      <p:par>
+        <p:cTn id="1" dur="indefinite" restart="never" nodeType="tmRoot">
+          <p:childTnLst>
+            <p:seq concurrent="1" nextAc="seek">
+              <p:cTn id="2" dur="indefinite" nodeType="mainSeq">
+                <p:childTnLst>
+                  <p:par>
+                    <p:cTn id="3" fill="hold">
+                      <p:stCondLst>
+                        <p:cond delay="indefinite"/>
+                      </p:stCondLst>
+                      <p:childTnLst>
+                        <p:par>
+                          <p:cTn id="4" fill="hold">
+                            <p:stCondLst>
+                              <p:cond delay="0"/>
+                            </p:stCondLst>
+                            <p:childTnLst>
+                              <p:par>
+                                <p:cTn id="5" presetID="2" presetClass="entr" presetSubtype="4" fill="hold" grpId="0" nodeType="clickEffect">
+                                  <p:stCondLst>
+                                    <p:cond delay="0"/>
+                                  </p:stCondLst>
+                                  <p:childTnLst>
+                                    <p:set>
+                                      <p:cBhvr>
+                                        <p:cTn id="6" dur="1" fill="hold">
+                                          <p:stCondLst>
+                                            <p:cond delay="0"/>
+                                          </p:stCondLst>
+                                        </p:cTn>
+                                        <p:tgtEl>
+                                          <p:spTgt spid="3">
+                                            <p:txEl>
+                                              <p:pRg st="0" end="0"/>
+                                            </p:txEl>
+                                          </p:spTgt>
+                                        </p:tgtEl>
+                                        <p:attrNameLst>
+                                          <p:attrName>style.visibility</p:attrName>
+                                        </p:attrNameLst>
+                                      </p:cBhvr>
+                                      <p:to>
+                                        <p:strVal val="visible"/>
+                                      </p:to>
+                                    </p:set>
+                                    <p:anim calcmode="lin" valueType="num">
+                                      <p:cBhvr additive="base">
+                                        <p:cTn id="7" dur="500" fill="hold"/>
+                                        <p:tgtEl>
+                                          <p:spTgt spid="3">
+                                            <p:txEl>
+                                              <p:pRg st="0" end="0"/>
+                                            </p:txEl>
+                                          </p:spTgt>
+                                        </p:tgtEl>
+                                        <p:attrNameLst>
+                                          <p:attrName>ppt_x</p:attrName>
+                                        </p:attrNameLst>
+                                      </p:cBhvr>
+                                      <p:tavLst>
+                                        <p:tav tm="0">
+                                          <p:val>
+                                            <p:strVal val="#ppt_x"/>
+                                          </p:val>
+                                        </p:tav>
+                                        <p:tav tm="100000">
+                                          <p:val>
+                                            <p:strVal val="#ppt_x"/>
+                                          </p:val>
+                                        </p:tav>
+                                      </p:tavLst>
+                                    </p:anim>
+                                    <p:anim calcmode="lin" valueType="num">
+                                      <p:cBhvr additive="base">
+                                        <p:cTn id="8" dur="500" fill="hold"/>
+                                        <p:tgtEl>
+                                          <p:spTgt spid="3">
+                                            <p:txEl>
+                                              <p:pRg st="0" end="0"/>
+                                            </p:txEl>
+                                          </p:spTgt>
+                                        </p:tgtEl>
+                                        <p:attrNameLst>
+                                          <p:attrName>ppt_y</p:attrName>
+                                        </p:attrNameLst>
+                                      </p:cBhvr>
+                                      <p:tavLst>
+                                        <p:tav tm="0">
+                                          <p:val>
+                                            <p:strVal val="1+#ppt_h/2"/>
+                                          </p:val>
+                                        </p:tav>
+                                        <p:tav tm="100000">
+                                          <p:val>
+                                            <p:strVal val="#ppt_y"/>
+                                          </p:val>
+                                        </p:tav>
+                                      </p:tavLst>
+                                    </p:anim>
+                                  </p:childTnLst>
+                                </p:cTn>
+                              </p:par>
+                            </p:childTnLst>
+                          </p:cTn>
+                        </p:par>
+                      </p:childTnLst>
+                    </p:cTn>
+                  </p:par>
+                  <p:par>
+                    <p:cTn id="9" fill="hold">
+                      <p:stCondLst>
+                        <p:cond delay="indefinite"/>
+                      </p:stCondLst>
+                      <p:childTnLst>
+                        <p:par>
+                          <p:cTn id="10" fill="hold">
+                            <p:stCondLst>
+                              <p:cond delay="0"/>
+                            </p:stCondLst>
+                            <p:childTnLst>
+                              <p:par>
+                                <p:cTn id="11" presetID="2" presetClass="entr" presetSubtype="4" fill="hold" grpId="0" nodeType="clickEffect">
+                                  <p:stCondLst>
+                                    <p:cond delay="0"/>
+                                  </p:stCondLst>
+                                  <p:childTnLst>
+                                    <p:set>
+                                      <p:cBhvr>
+                                        <p:cTn id="12" dur="1" fill="hold">
+                                          <p:stCondLst>
+                                            <p:cond delay="0"/>
+                                          </p:stCondLst>
+                                        </p:cTn>
+                                        <p:tgtEl>
+                                          <p:spTgt spid="3">
+                                            <p:txEl>
+                                              <p:pRg st="2" end="2"/>
+                                            </p:txEl>
+                                          </p:spTgt>
+                                        </p:tgtEl>
+                                        <p:attrNameLst>
+                                          <p:attrName>style.visibility</p:attrName>
+                                        </p:attrNameLst>
+                                      </p:cBhvr>
+                                      <p:to>
+                                        <p:strVal val="visible"/>
+                                      </p:to>
+                                    </p:set>
+                                    <p:anim calcmode="lin" valueType="num">
+                                      <p:cBhvr additive="base">
+                                        <p:cTn id="13" dur="500" fill="hold"/>
+                                        <p:tgtEl>
+                                          <p:spTgt spid="3">
+                                            <p:txEl>
+                                              <p:pRg st="2" end="2"/>
+                                            </p:txEl>
+                                          </p:spTgt>
+                                        </p:tgtEl>
+                                        <p:attrNameLst>
+                                          <p:attrName>ppt_x</p:attrName>
+                                        </p:attrNameLst>
+                                      </p:cBhvr>
+                                      <p:tavLst>
+                                        <p:tav tm="0">
+                                          <p:val>
+                                            <p:strVal val="#ppt_x"/>
+                                          </p:val>
+                                        </p:tav>
+                                        <p:tav tm="100000">
+                                          <p:val>
+                                            <p:strVal val="#ppt_x"/>
+                                          </p:val>
+                                        </p:tav>
+                                      </p:tavLst>
+                                    </p:anim>
+                                    <p:anim calcmode="lin" valueType="num">
+                                      <p:cBhvr additive="base">
+                                        <p:cTn id="14" dur="500" fill="hold"/>
+                                        <p:tgtEl>
+                                          <p:spTgt spid="3">
+                                            <p:txEl>
+                                              <p:pRg st="2" end="2"/>
+                                            </p:txEl>
+                                          </p:spTgt>
+                                        </p:tgtEl>
+                                        <p:attrNameLst>
+                                          <p:attrName>ppt_y</p:attrName>
+                                        </p:attrNameLst>
+                                      </p:cBhvr>
+                                      <p:tavLst>
+                                        <p:tav tm="0">
+                                          <p:val>
+                                            <p:strVal val="1+#ppt_h/2"/>
+                                          </p:val>
+                                        </p:tav>
+                                        <p:tav tm="100000">
+                                          <p:val>
+                                            <p:strVal val="#ppt_y"/>
+                                          </p:val>
+                                        </p:tav>
+                                      </p:tavLst>
+                                    </p:anim>
+                                  </p:childTnLst>
+                                </p:cTn>
+                              </p:par>
+                            </p:childTnLst>
+                          </p:cTn>
+                        </p:par>
+                      </p:childTnLst>
+                    </p:cTn>
+                  </p:par>
+                  <p:par>
+                    <p:cTn id="15" fill="hold">
+                      <p:stCondLst>
+                        <p:cond delay="indefinite"/>
+                      </p:stCondLst>
+                      <p:childTnLst>
+                        <p:par>
+                          <p:cTn id="16" fill="hold">
+                            <p:stCondLst>
+                              <p:cond delay="0"/>
+                            </p:stCondLst>
+                            <p:childTnLst>
+                              <p:par>
+                                <p:cTn id="17" presetID="2" presetClass="entr" presetSubtype="4" fill="hold" grpId="0" nodeType="clickEffect">
+                                  <p:stCondLst>
+                                    <p:cond delay="0"/>
+                                  </p:stCondLst>
+                                  <p:childTnLst>
+                                    <p:set>
+                                      <p:cBhvr>
+                                        <p:cTn id="18" dur="1" fill="hold">
+                                          <p:stCondLst>
+                                            <p:cond delay="0"/>
+                                          </p:stCondLst>
+                                        </p:cTn>
+                                        <p:tgtEl>
+                                          <p:spTgt spid="3">
+                                            <p:txEl>
+                                              <p:pRg st="4" end="4"/>
+                                            </p:txEl>
+                                          </p:spTgt>
+                                        </p:tgtEl>
+                                        <p:attrNameLst>
+                                          <p:attrName>style.visibility</p:attrName>
+                                        </p:attrNameLst>
+                                      </p:cBhvr>
+                                      <p:to>
+                                        <p:strVal val="visible"/>
+                                      </p:to>
+                                    </p:set>
+                                    <p:anim calcmode="lin" valueType="num">
+                                      <p:cBhvr additive="base">
+                                        <p:cTn id="19" dur="500" fill="hold"/>
+                                        <p:tgtEl>
+                                          <p:spTgt spid="3">
+                                            <p:txEl>
+                                              <p:pRg st="4" end="4"/>
+                                            </p:txEl>
+                                          </p:spTgt>
+                                        </p:tgtEl>
+                                        <p:attrNameLst>
+                                          <p:attrName>ppt_x</p:attrName>
+                                        </p:attrNameLst>
+                                      </p:cBhvr>
+                                      <p:tavLst>
+                                        <p:tav tm="0">
+                                          <p:val>
+                                            <p:strVal val="#ppt_x"/>
+                                          </p:val>
+                                        </p:tav>
+                                        <p:tav tm="100000">
+                                          <p:val>
+                                            <p:strVal val="#ppt_x"/>
+                                          </p:val>
+                                        </p:tav>
+                                      </p:tavLst>
+                                    </p:anim>
+                                    <p:anim calcmode="lin" valueType="num">
+                                      <p:cBhvr additive="base">
+                                        <p:cTn id="20" dur="500" fill="hold"/>
+                                        <p:tgtEl>
+                                          <p:spTgt spid="3">
+                                            <p:txEl>
+                                              <p:pRg st="4" end="4"/>
+                                            </p:txEl>
+                                          </p:spTgt>
+                                        </p:tgtEl>
+                                        <p:attrNameLst>
+                                          <p:attrName>ppt_y</p:attrName>
+                                        </p:attrNameLst>
+                                      </p:cBhvr>
+                                      <p:tavLst>
+                                        <p:tav tm="0">
+                                          <p:val>
+                                            <p:strVal val="1+#ppt_h/2"/>
+                                          </p:val>
+                                        </p:tav>
+                                        <p:tav tm="100000">
+                                          <p:val>
+                                            <p:strVal val="#ppt_y"/>
+                                          </p:val>
+                                        </p:tav>
+                                      </p:tavLst>
+                                    </p:anim>
+                                  </p:childTnLst>
+                                </p:cTn>
+                              </p:par>
+                            </p:childTnLst>
+                          </p:cTn>
+                        </p:par>
+                      </p:childTnLst>
+                    </p:cTn>
+                  </p:par>
+                </p:childTnLst>
+              </p:cTn>
+              <p:prevCondLst>
+                <p:cond evt="onPrev" delay="0">
+                  <p:tgtEl>
+                    <p:sldTgt/>
+                  </p:tgtEl>
+                </p:cond>
+              </p:prevCondLst>
+              <p:nextCondLst>
+                <p:cond evt="onNext" delay="0">
+                  <p:tgtEl>
+                    <p:sldTgt/>
+                  </p:tgtEl>
+                </p:cond>
+              </p:nextCondLst>
+            </p:seq>
+          </p:childTnLst>
+        </p:cTn>
+      </p:par>
+    </p:tnLst>
+    <p:bldLst>
+      <p:bldP spid="3" grpId="0" build="p"/>
+    </p:bldLst>
+  </p:timing>
 </p:sld>
 </file>
 

--- a/Úvod do programování & JavaScript.pptx
+++ b/Úvod do programování & JavaScript.pptx
@@ -5,7 +5,7 @@
     <p:sldMasterId id="2147483648" r:id="rId1"/>
   </p:sldMasterIdLst>
   <p:notesMasterIdLst>
-    <p:notesMasterId r:id="rId21"/>
+    <p:notesMasterId r:id="rId22"/>
   </p:notesMasterIdLst>
   <p:sldIdLst>
     <p:sldId id="256" r:id="rId2"/>
@@ -24,9 +24,10 @@
     <p:sldId id="270" r:id="rId15"/>
     <p:sldId id="272" r:id="rId16"/>
     <p:sldId id="273" r:id="rId17"/>
-    <p:sldId id="275" r:id="rId18"/>
-    <p:sldId id="268" r:id="rId19"/>
-    <p:sldId id="261" r:id="rId20"/>
+    <p:sldId id="276" r:id="rId18"/>
+    <p:sldId id="275" r:id="rId19"/>
+    <p:sldId id="268" r:id="rId20"/>
+    <p:sldId id="261" r:id="rId21"/>
   </p:sldIdLst>
   <p:sldSz cx="12192000" cy="6858000"/>
   <p:notesSz cx="6858000" cy="9144000"/>
@@ -7263,6 +7264,219 @@
 <file path=ppt/slides/slide17.xml><?xml version="1.0" encoding="utf-8"?>
 <p:sld xmlns:a="http://schemas.openxmlformats.org/drawingml/2006/main" xmlns:r="http://schemas.openxmlformats.org/officeDocument/2006/relationships" xmlns:p="http://schemas.openxmlformats.org/presentationml/2006/main">
   <p:cSld>
+    <p:bg>
+      <p:bgPr>
+        <a:solidFill>
+          <a:schemeClr val="bg1"/>
+        </a:solidFill>
+        <a:effectLst/>
+      </p:bgPr>
+    </p:bg>
+    <p:spTree>
+      <p:nvGrpSpPr>
+        <p:cNvPr id="1" name=""/>
+        <p:cNvGrpSpPr/>
+        <p:nvPr/>
+      </p:nvGrpSpPr>
+      <p:grpSpPr>
+        <a:xfrm>
+          <a:off x="0" y="0"/>
+          <a:ext cx="0" cy="0"/>
+          <a:chOff x="0" y="0"/>
+          <a:chExt cx="0" cy="0"/>
+        </a:xfrm>
+      </p:grpSpPr>
+      <p:sp useBgFill="1">
+        <p:nvSpPr>
+          <p:cNvPr id="16" name="Rectangle 11">
+            <a:extLst>
+              <a:ext uri="{FF2B5EF4-FFF2-40B4-BE49-F238E27FC236}">
+                <a16:creationId xmlns:a16="http://schemas.microsoft.com/office/drawing/2014/main" id="{022BDE4A-8A20-4A69-9C5A-581C82036A4D}"/>
+              </a:ext>
+              <a:ext uri="{C183D7F6-B498-43B3-948B-1728B52AA6E4}">
+                <adec:decorative xmlns:adec="http://schemas.microsoft.com/office/drawing/2017/decorative" val="1"/>
+              </a:ext>
+            </a:extLst>
+          </p:cNvPr>
+          <p:cNvSpPr>
+            <a:spLocks noGrp="1" noRot="1" noChangeAspect="1" noMove="1" noResize="1" noEditPoints="1" noAdjustHandles="1" noChangeArrowheads="1" noChangeShapeType="1" noTextEdit="1"/>
+          </p:cNvSpPr>
+          <p:nvPr>
+            <p:extLst>
+              <p:ext uri="{386F3935-93C4-4BCD-93E2-E3B085C9AB24}">
+                <p16:designElem xmlns:p16="http://schemas.microsoft.com/office/powerpoint/2015/main" val="1"/>
+              </p:ext>
+            </p:extLst>
+          </p:nvPr>
+        </p:nvSpPr>
+        <p:spPr>
+          <a:xfrm>
+            <a:off x="-1" y="0"/>
+            <a:ext cx="12188952" cy="6858000"/>
+          </a:xfrm>
+          <a:prstGeom prst="rect">
+            <a:avLst/>
+          </a:prstGeom>
+          <a:ln>
+            <a:noFill/>
+          </a:ln>
+        </p:spPr>
+        <p:style>
+          <a:lnRef idx="2">
+            <a:schemeClr val="accent1">
+              <a:shade val="50000"/>
+            </a:schemeClr>
+          </a:lnRef>
+          <a:fillRef idx="1">
+            <a:schemeClr val="accent1"/>
+          </a:fillRef>
+          <a:effectRef idx="0">
+            <a:schemeClr val="accent1"/>
+          </a:effectRef>
+          <a:fontRef idx="minor">
+            <a:schemeClr val="lt1"/>
+          </a:fontRef>
+        </p:style>
+        <p:txBody>
+          <a:bodyPr rtlCol="0" anchor="ctr"/>
+          <a:lstStyle/>
+          <a:p>
+            <a:pPr algn="ctr"/>
+            <a:endParaRPr lang="en-US"/>
+          </a:p>
+        </p:txBody>
+      </p:sp>
+      <p:sp>
+        <p:nvSpPr>
+          <p:cNvPr id="2" name="Nadpis 1">
+            <a:extLst>
+              <a:ext uri="{FF2B5EF4-FFF2-40B4-BE49-F238E27FC236}">
+                <a16:creationId xmlns:a16="http://schemas.microsoft.com/office/drawing/2014/main" id="{5116F6F8-E606-24EB-44CE-89A3BEEF1866}"/>
+              </a:ext>
+            </a:extLst>
+          </p:cNvPr>
+          <p:cNvSpPr>
+            <a:spLocks noGrp="1"/>
+          </p:cNvSpPr>
+          <p:nvPr>
+            <p:ph type="title"/>
+          </p:nvPr>
+        </p:nvSpPr>
+        <p:spPr>
+          <a:xfrm>
+            <a:off x="1001684" y="170412"/>
+            <a:ext cx="10178934" cy="1328730"/>
+          </a:xfrm>
+        </p:spPr>
+        <p:txBody>
+          <a:bodyPr vert="horz" lIns="91440" tIns="45720" rIns="91440" bIns="45720" rtlCol="0" anchor="b">
+            <a:normAutofit/>
+          </a:bodyPr>
+          <a:lstStyle/>
+          <a:p>
+            <a:pPr algn="ctr"/>
+            <a:r>
+              <a:rPr lang="en-US" sz="5200" kern="1200">
+                <a:solidFill>
+                  <a:schemeClr val="tx1"/>
+                </a:solidFill>
+                <a:latin typeface="+mj-lt"/>
+                <a:ea typeface="+mj-ea"/>
+                <a:cs typeface="+mj-cs"/>
+              </a:rPr>
+              <a:t>Ukázka JavaScript kodu</a:t>
+            </a:r>
+          </a:p>
+        </p:txBody>
+      </p:sp>
+      <p:pic>
+        <p:nvPicPr>
+          <p:cNvPr id="5" name="Zástupný obsah 4" descr="Obsah obrázku text, snímek obrazovky, software, displej&#10;&#10;Popis byl vytvořen automaticky">
+            <a:extLst>
+              <a:ext uri="{FF2B5EF4-FFF2-40B4-BE49-F238E27FC236}">
+                <a16:creationId xmlns:a16="http://schemas.microsoft.com/office/drawing/2014/main" id="{FE518C69-4B33-EA42-9331-D23DA4BF22F0}"/>
+              </a:ext>
+            </a:extLst>
+          </p:cNvPr>
+          <p:cNvPicPr>
+            <a:picLocks noGrp="1" noChangeAspect="1"/>
+          </p:cNvPicPr>
+          <p:nvPr>
+            <p:ph idx="1"/>
+          </p:nvPr>
+        </p:nvPicPr>
+        <p:blipFill rotWithShape="1">
+          <a:blip r:embed="rId2">
+            <a:extLst>
+              <a:ext uri="{28A0092B-C50C-407E-A947-70E740481C1C}">
+                <a14:useLocalDpi xmlns:a14="http://schemas.microsoft.com/office/drawing/2010/main" val="0"/>
+              </a:ext>
+            </a:extLst>
+          </a:blip>
+          <a:srcRect r="14972"/>
+          <a:stretch/>
+        </p:blipFill>
+        <p:spPr>
+          <a:xfrm>
+            <a:off x="198741" y="2410448"/>
+            <a:ext cx="5803323" cy="3890357"/>
+          </a:xfrm>
+          <a:prstGeom prst="rect">
+            <a:avLst/>
+          </a:prstGeom>
+        </p:spPr>
+      </p:pic>
+      <p:pic>
+        <p:nvPicPr>
+          <p:cNvPr id="7" name="Obrázek 6" descr="Obsah obrázku text, snímek obrazovky, software, Písmo&#10;&#10;Popis byl vytvořen automaticky">
+            <a:extLst>
+              <a:ext uri="{FF2B5EF4-FFF2-40B4-BE49-F238E27FC236}">
+                <a16:creationId xmlns:a16="http://schemas.microsoft.com/office/drawing/2014/main" id="{A6D4C406-EE97-CD83-E4F5-E8DF87028EEE}"/>
+              </a:ext>
+            </a:extLst>
+          </p:cNvPr>
+          <p:cNvPicPr>
+            <a:picLocks noChangeAspect="1"/>
+          </p:cNvPicPr>
+          <p:nvPr/>
+        </p:nvPicPr>
+        <p:blipFill rotWithShape="1">
+          <a:blip r:embed="rId3">
+            <a:extLst>
+              <a:ext uri="{28A0092B-C50C-407E-A947-70E740481C1C}">
+                <a14:useLocalDpi xmlns:a14="http://schemas.microsoft.com/office/drawing/2010/main" val="0"/>
+              </a:ext>
+            </a:extLst>
+          </a:blip>
+          <a:srcRect t="1782" r="-2" b="7931"/>
+          <a:stretch/>
+        </p:blipFill>
+        <p:spPr>
+          <a:xfrm>
+            <a:off x="6189934" y="2410448"/>
+            <a:ext cx="5803323" cy="3890357"/>
+          </a:xfrm>
+          <a:prstGeom prst="rect">
+            <a:avLst/>
+          </a:prstGeom>
+        </p:spPr>
+      </p:pic>
+    </p:spTree>
+    <p:extLst>
+      <p:ext uri="{BB962C8B-B14F-4D97-AF65-F5344CB8AC3E}">
+        <p14:creationId xmlns:p14="http://schemas.microsoft.com/office/powerpoint/2010/main" val="3892844333"/>
+      </p:ext>
+    </p:extLst>
+  </p:cSld>
+  <p:clrMapOvr>
+    <a:masterClrMapping/>
+  </p:clrMapOvr>
+</p:sld>
+</file>
+
+<file path=ppt/slides/slide18.xml><?xml version="1.0" encoding="utf-8"?>
+<p:sld xmlns:a="http://schemas.openxmlformats.org/drawingml/2006/main" xmlns:r="http://schemas.openxmlformats.org/officeDocument/2006/relationships" xmlns:p="http://schemas.openxmlformats.org/presentationml/2006/main">
+  <p:cSld>
     <p:spTree>
       <p:nvGrpSpPr>
         <p:cNvPr id="1" name=""/>
@@ -7353,7 +7567,7 @@
 </p:sld>
 </file>
 
-<file path=ppt/slides/slide18.xml><?xml version="1.0" encoding="utf-8"?>
+<file path=ppt/slides/slide19.xml><?xml version="1.0" encoding="utf-8"?>
 <p:sld xmlns:a="http://schemas.openxmlformats.org/drawingml/2006/main" xmlns:r="http://schemas.openxmlformats.org/officeDocument/2006/relationships" xmlns:p="http://schemas.openxmlformats.org/presentationml/2006/main">
   <p:cSld>
     <p:spTree>
@@ -8598,116 +8812,6 @@
 </p:sld>
 </file>
 
-<file path=ppt/slides/slide19.xml><?xml version="1.0" encoding="utf-8"?>
-<p:sld xmlns:a="http://schemas.openxmlformats.org/drawingml/2006/main" xmlns:r="http://schemas.openxmlformats.org/officeDocument/2006/relationships" xmlns:p="http://schemas.openxmlformats.org/presentationml/2006/main">
-  <p:cSld>
-    <p:spTree>
-      <p:nvGrpSpPr>
-        <p:cNvPr id="1" name=""/>
-        <p:cNvGrpSpPr/>
-        <p:nvPr/>
-      </p:nvGrpSpPr>
-      <p:grpSpPr>
-        <a:xfrm>
-          <a:off x="0" y="0"/>
-          <a:ext cx="0" cy="0"/>
-          <a:chOff x="0" y="0"/>
-          <a:chExt cx="0" cy="0"/>
-        </a:xfrm>
-      </p:grpSpPr>
-      <p:sp>
-        <p:nvSpPr>
-          <p:cNvPr id="2" name="Nadpis 1">
-            <a:extLst>
-              <a:ext uri="{FF2B5EF4-FFF2-40B4-BE49-F238E27FC236}">
-                <a16:creationId xmlns:a16="http://schemas.microsoft.com/office/drawing/2014/main" id="{759C8B9E-FEA2-A145-E773-B095C3263091}"/>
-              </a:ext>
-            </a:extLst>
-          </p:cNvPr>
-          <p:cNvSpPr>
-            <a:spLocks noGrp="1"/>
-          </p:cNvSpPr>
-          <p:nvPr>
-            <p:ph type="title"/>
-          </p:nvPr>
-        </p:nvSpPr>
-        <p:spPr/>
-        <p:txBody>
-          <a:bodyPr/>
-          <a:lstStyle/>
-          <a:p>
-            <a:r>
-              <a:rPr lang="cs-CZ" dirty="0"/>
-              <a:t>Zdroje</a:t>
-            </a:r>
-          </a:p>
-        </p:txBody>
-      </p:sp>
-      <p:sp>
-        <p:nvSpPr>
-          <p:cNvPr id="3" name="Zástupný obsah 2">
-            <a:extLst>
-              <a:ext uri="{FF2B5EF4-FFF2-40B4-BE49-F238E27FC236}">
-                <a16:creationId xmlns:a16="http://schemas.microsoft.com/office/drawing/2014/main" id="{93716FE4-B843-5563-C26C-78256606B474}"/>
-              </a:ext>
-            </a:extLst>
-          </p:cNvPr>
-          <p:cNvSpPr>
-            <a:spLocks noGrp="1"/>
-          </p:cNvSpPr>
-          <p:nvPr>
-            <p:ph idx="1"/>
-          </p:nvPr>
-        </p:nvSpPr>
-        <p:spPr/>
-        <p:txBody>
-          <a:bodyPr/>
-          <a:lstStyle/>
-          <a:p>
-            <a:r>
-              <a:rPr lang="cs-CZ" dirty="0">
-                <a:hlinkClick r:id="rId2"/>
-              </a:rPr>
-              <a:t>https://docplayer.cz/11209551-Uvod-do-programovani.html</a:t>
-            </a:r>
-            <a:endParaRPr lang="cs-CZ" dirty="0"/>
-          </a:p>
-          <a:p>
-            <a:r>
-              <a:rPr lang="cs-CZ" dirty="0">
-                <a:hlinkClick r:id="rId3"/>
-              </a:rPr>
-              <a:t>https://www.fd.cvut.cz/personal/xfabera/BIVS/ALG_II/prednasky/prednaska1/algoritmy.pdf</a:t>
-            </a:r>
-            <a:endParaRPr lang="cs-CZ" dirty="0"/>
-          </a:p>
-          <a:p>
-            <a:r>
-              <a:rPr lang="cs-CZ" dirty="0">
-                <a:hlinkClick r:id="rId4"/>
-              </a:rPr>
-              <a:t>https://www.jakpsatweb.cz/javascript/zaklady-syntaxe.html</a:t>
-            </a:r>
-            <a:endParaRPr lang="cs-CZ" dirty="0"/>
-          </a:p>
-          <a:p>
-            <a:endParaRPr lang="cs-CZ" dirty="0"/>
-          </a:p>
-        </p:txBody>
-      </p:sp>
-    </p:spTree>
-    <p:extLst>
-      <p:ext uri="{BB962C8B-B14F-4D97-AF65-F5344CB8AC3E}">
-        <p14:creationId xmlns:p14="http://schemas.microsoft.com/office/powerpoint/2010/main" val="3560669925"/>
-      </p:ext>
-    </p:extLst>
-  </p:cSld>
-  <p:clrMapOvr>
-    <a:masterClrMapping/>
-  </p:clrMapOvr>
-</p:sld>
-</file>
-
 <file path=ppt/slides/slide2.xml><?xml version="1.0" encoding="utf-8"?>
 <p:sld xmlns:a="http://schemas.openxmlformats.org/drawingml/2006/main" xmlns:r="http://schemas.openxmlformats.org/officeDocument/2006/relationships" xmlns:p="http://schemas.openxmlformats.org/presentationml/2006/main">
   <p:cSld>
@@ -8801,6 +8905,116 @@
     <p:extLst>
       <p:ext uri="{BB962C8B-B14F-4D97-AF65-F5344CB8AC3E}">
         <p14:creationId xmlns:p14="http://schemas.microsoft.com/office/powerpoint/2010/main" val="2518187020"/>
+      </p:ext>
+    </p:extLst>
+  </p:cSld>
+  <p:clrMapOvr>
+    <a:masterClrMapping/>
+  </p:clrMapOvr>
+</p:sld>
+</file>
+
+<file path=ppt/slides/slide20.xml><?xml version="1.0" encoding="utf-8"?>
+<p:sld xmlns:a="http://schemas.openxmlformats.org/drawingml/2006/main" xmlns:r="http://schemas.openxmlformats.org/officeDocument/2006/relationships" xmlns:p="http://schemas.openxmlformats.org/presentationml/2006/main">
+  <p:cSld>
+    <p:spTree>
+      <p:nvGrpSpPr>
+        <p:cNvPr id="1" name=""/>
+        <p:cNvGrpSpPr/>
+        <p:nvPr/>
+      </p:nvGrpSpPr>
+      <p:grpSpPr>
+        <a:xfrm>
+          <a:off x="0" y="0"/>
+          <a:ext cx="0" cy="0"/>
+          <a:chOff x="0" y="0"/>
+          <a:chExt cx="0" cy="0"/>
+        </a:xfrm>
+      </p:grpSpPr>
+      <p:sp>
+        <p:nvSpPr>
+          <p:cNvPr id="2" name="Nadpis 1">
+            <a:extLst>
+              <a:ext uri="{FF2B5EF4-FFF2-40B4-BE49-F238E27FC236}">
+                <a16:creationId xmlns:a16="http://schemas.microsoft.com/office/drawing/2014/main" id="{759C8B9E-FEA2-A145-E773-B095C3263091}"/>
+              </a:ext>
+            </a:extLst>
+          </p:cNvPr>
+          <p:cNvSpPr>
+            <a:spLocks noGrp="1"/>
+          </p:cNvSpPr>
+          <p:nvPr>
+            <p:ph type="title"/>
+          </p:nvPr>
+        </p:nvSpPr>
+        <p:spPr/>
+        <p:txBody>
+          <a:bodyPr/>
+          <a:lstStyle/>
+          <a:p>
+            <a:r>
+              <a:rPr lang="cs-CZ" dirty="0"/>
+              <a:t>Zdroje</a:t>
+            </a:r>
+          </a:p>
+        </p:txBody>
+      </p:sp>
+      <p:sp>
+        <p:nvSpPr>
+          <p:cNvPr id="3" name="Zástupný obsah 2">
+            <a:extLst>
+              <a:ext uri="{FF2B5EF4-FFF2-40B4-BE49-F238E27FC236}">
+                <a16:creationId xmlns:a16="http://schemas.microsoft.com/office/drawing/2014/main" id="{93716FE4-B843-5563-C26C-78256606B474}"/>
+              </a:ext>
+            </a:extLst>
+          </p:cNvPr>
+          <p:cNvSpPr>
+            <a:spLocks noGrp="1"/>
+          </p:cNvSpPr>
+          <p:nvPr>
+            <p:ph idx="1"/>
+          </p:nvPr>
+        </p:nvSpPr>
+        <p:spPr/>
+        <p:txBody>
+          <a:bodyPr/>
+          <a:lstStyle/>
+          <a:p>
+            <a:r>
+              <a:rPr lang="cs-CZ" dirty="0">
+                <a:hlinkClick r:id="rId2"/>
+              </a:rPr>
+              <a:t>https://docplayer.cz/11209551-Uvod-do-programovani.html</a:t>
+            </a:r>
+            <a:endParaRPr lang="cs-CZ" dirty="0"/>
+          </a:p>
+          <a:p>
+            <a:r>
+              <a:rPr lang="cs-CZ" dirty="0">
+                <a:hlinkClick r:id="rId3"/>
+              </a:rPr>
+              <a:t>https://www.fd.cvut.cz/personal/xfabera/BIVS/ALG_II/prednasky/prednaska1/algoritmy.pdf</a:t>
+            </a:r>
+            <a:endParaRPr lang="cs-CZ" dirty="0"/>
+          </a:p>
+          <a:p>
+            <a:r>
+              <a:rPr lang="cs-CZ" dirty="0">
+                <a:hlinkClick r:id="rId4"/>
+              </a:rPr>
+              <a:t>https://www.jakpsatweb.cz/javascript/zaklady-syntaxe.html</a:t>
+            </a:r>
+            <a:endParaRPr lang="cs-CZ" dirty="0"/>
+          </a:p>
+          <a:p>
+            <a:endParaRPr lang="cs-CZ" dirty="0"/>
+          </a:p>
+        </p:txBody>
+      </p:sp>
+    </p:spTree>
+    <p:extLst>
+      <p:ext uri="{BB962C8B-B14F-4D97-AF65-F5344CB8AC3E}">
+        <p14:creationId xmlns:p14="http://schemas.microsoft.com/office/powerpoint/2010/main" val="3560669925"/>
       </p:ext>
     </p:extLst>
   </p:cSld>
